--- a/2018级/2019年暑期集训/测试数据与对拍.pptx
+++ b/2018级/2019年暑期集训/测试数据与对拍.pptx
@@ -5,22 +5,26 @@
     <p:sldMasterId id="2147483660" r:id="rId1"/>
   </p:sldMasterIdLst>
   <p:notesMasterIdLst>
-    <p:notesMasterId r:id="rId15"/>
+    <p:notesMasterId r:id="rId19"/>
   </p:notesMasterIdLst>
   <p:sldIdLst>
     <p:sldId id="256" r:id="rId2"/>
     <p:sldId id="262" r:id="rId3"/>
     <p:sldId id="258" r:id="rId4"/>
     <p:sldId id="259" r:id="rId5"/>
-    <p:sldId id="268" r:id="rId6"/>
-    <p:sldId id="260" r:id="rId7"/>
-    <p:sldId id="264" r:id="rId8"/>
-    <p:sldId id="263" r:id="rId9"/>
-    <p:sldId id="261" r:id="rId10"/>
-    <p:sldId id="265" r:id="rId11"/>
-    <p:sldId id="266" r:id="rId12"/>
-    <p:sldId id="267" r:id="rId13"/>
-    <p:sldId id="257" r:id="rId14"/>
+    <p:sldId id="271" r:id="rId6"/>
+    <p:sldId id="270" r:id="rId7"/>
+    <p:sldId id="260" r:id="rId8"/>
+    <p:sldId id="268" r:id="rId9"/>
+    <p:sldId id="272" r:id="rId10"/>
+    <p:sldId id="264" r:id="rId11"/>
+    <p:sldId id="263" r:id="rId12"/>
+    <p:sldId id="261" r:id="rId13"/>
+    <p:sldId id="273" r:id="rId14"/>
+    <p:sldId id="266" r:id="rId15"/>
+    <p:sldId id="267" r:id="rId16"/>
+    <p:sldId id="257" r:id="rId17"/>
+    <p:sldId id="274" r:id="rId18"/>
   </p:sldIdLst>
   <p:sldSz cx="9144000" cy="6858000" type="screen4x3"/>
   <p:notesSz cx="6858000" cy="9144000"/>
@@ -209,7 +213,7 @@
           <a:p>
             <a:fld id="{02ED86D5-3087-417E-B881-6DCE8815FEC6}" type="datetimeFigureOut">
               <a:rPr lang="zh-CN" altLang="en-US" smtClean="0"/>
-              <a:t>2019/5/6</a:t>
+              <a:t>2020/7/27</a:t>
             </a:fld>
             <a:endParaRPr lang="zh-CN" altLang="en-US"/>
           </a:p>
@@ -476,6 +480,90 @@
 </p:notesMaster>
 </file>
 
+<file path=ppt/notesSlides/notesSlide1.xml><?xml version="1.0" encoding="utf-8"?>
+<p:notes xmlns:a="http://schemas.openxmlformats.org/drawingml/2006/main" xmlns:r="http://schemas.openxmlformats.org/officeDocument/2006/relationships" xmlns:p="http://schemas.openxmlformats.org/presentationml/2006/main">
+  <p:cSld>
+    <p:spTree>
+      <p:nvGrpSpPr>
+        <p:cNvPr id="1" name=""/>
+        <p:cNvGrpSpPr/>
+        <p:nvPr/>
+      </p:nvGrpSpPr>
+      <p:grpSpPr>
+        <a:xfrm>
+          <a:off x="0" y="0"/>
+          <a:ext cx="0" cy="0"/>
+          <a:chOff x="0" y="0"/>
+          <a:chExt cx="0" cy="0"/>
+        </a:xfrm>
+      </p:grpSpPr>
+      <p:sp>
+        <p:nvSpPr>
+          <p:cNvPr id="2" name="幻灯片图像占位符 1"/>
+          <p:cNvSpPr>
+            <a:spLocks noGrp="1" noRot="1" noChangeAspect="1"/>
+          </p:cNvSpPr>
+          <p:nvPr>
+            <p:ph type="sldImg"/>
+          </p:nvPr>
+        </p:nvSpPr>
+        <p:spPr/>
+      </p:sp>
+      <p:sp>
+        <p:nvSpPr>
+          <p:cNvPr id="3" name="备注占位符 2"/>
+          <p:cNvSpPr>
+            <a:spLocks noGrp="1"/>
+          </p:cNvSpPr>
+          <p:nvPr>
+            <p:ph type="body" idx="1"/>
+          </p:nvPr>
+        </p:nvSpPr>
+        <p:spPr/>
+        <p:txBody>
+          <a:bodyPr/>
+          <a:lstStyle/>
+          <a:p>
+            <a:endParaRPr lang="zh-CN" altLang="en-US" dirty="0"/>
+          </a:p>
+        </p:txBody>
+      </p:sp>
+      <p:sp>
+        <p:nvSpPr>
+          <p:cNvPr id="4" name="灯片编号占位符 3"/>
+          <p:cNvSpPr>
+            <a:spLocks noGrp="1"/>
+          </p:cNvSpPr>
+          <p:nvPr>
+            <p:ph type="sldNum" sz="quarter" idx="5"/>
+          </p:nvPr>
+        </p:nvSpPr>
+        <p:spPr/>
+        <p:txBody>
+          <a:bodyPr/>
+          <a:lstStyle/>
+          <a:p>
+            <a:fld id="{33CF72B6-5364-4365-9D79-61E7E8AEB724}" type="slidenum">
+              <a:rPr lang="zh-CN" altLang="en-US" smtClean="0"/>
+              <a:t>4</a:t>
+            </a:fld>
+            <a:endParaRPr lang="zh-CN" altLang="en-US"/>
+          </a:p>
+        </p:txBody>
+      </p:sp>
+    </p:spTree>
+    <p:extLst>
+      <p:ext uri="{BB962C8B-B14F-4D97-AF65-F5344CB8AC3E}">
+        <p14:creationId xmlns:p14="http://schemas.microsoft.com/office/powerpoint/2010/main" val="187493422"/>
+      </p:ext>
+    </p:extLst>
+  </p:cSld>
+  <p:clrMapOvr>
+    <a:masterClrMapping/>
+  </p:clrMapOvr>
+</p:notes>
+</file>
+
 <file path=ppt/slideLayouts/slideLayout1.xml><?xml version="1.0" encoding="utf-8"?>
 <p:sldLayout xmlns:a="http://schemas.openxmlformats.org/drawingml/2006/main" xmlns:r="http://schemas.openxmlformats.org/officeDocument/2006/relationships" xmlns:p="http://schemas.openxmlformats.org/presentationml/2006/main" type="title" preserve="1">
   <p:cSld name="标题幻灯片">
@@ -607,7 +695,7 @@
           <a:p>
             <a:fld id="{016A8076-6BE9-4048-89C9-7CCFB1E10902}" type="datetime1">
               <a:rPr lang="zh-CN" altLang="en-US" smtClean="0"/>
-              <a:t>2019/5/6</a:t>
+              <a:t>2020/7/27</a:t>
             </a:fld>
             <a:endParaRPr lang="zh-CN" altLang="en-US"/>
           </a:p>
@@ -780,7 +868,7 @@
           <a:p>
             <a:fld id="{185A3E47-8D8C-4590-B331-C25DE9307E39}" type="datetime1">
               <a:rPr lang="zh-CN" altLang="en-US" smtClean="0"/>
-              <a:t>2019/5/6</a:t>
+              <a:t>2020/7/27</a:t>
             </a:fld>
             <a:endParaRPr lang="zh-CN" altLang="en-US"/>
           </a:p>
@@ -963,7 +1051,7 @@
           <a:p>
             <a:fld id="{6291DB68-A23A-4766-A8BC-1E5651F952F3}" type="datetime1">
               <a:rPr lang="zh-CN" altLang="en-US" smtClean="0"/>
-              <a:t>2019/5/6</a:t>
+              <a:t>2020/7/27</a:t>
             </a:fld>
             <a:endParaRPr lang="zh-CN" altLang="en-US"/>
           </a:p>
@@ -1136,7 +1224,7 @@
           <a:p>
             <a:fld id="{AA89693E-04BA-4CB0-B637-C02AD316040F}" type="datetime1">
               <a:rPr lang="zh-CN" altLang="en-US" smtClean="0"/>
-              <a:t>2019/5/6</a:t>
+              <a:t>2020/7/27</a:t>
             </a:fld>
             <a:endParaRPr lang="zh-CN" altLang="en-US"/>
           </a:p>
@@ -1383,7 +1471,7 @@
           <a:p>
             <a:fld id="{691BC170-1A29-4177-BAC4-C23691B08338}" type="datetime1">
               <a:rPr lang="zh-CN" altLang="en-US" smtClean="0"/>
-              <a:t>2019/5/6</a:t>
+              <a:t>2020/7/27</a:t>
             </a:fld>
             <a:endParaRPr lang="zh-CN" altLang="en-US"/>
           </a:p>
@@ -1618,7 +1706,7 @@
           <a:p>
             <a:fld id="{49A8C436-EE4E-491F-AE67-84AE31B69E85}" type="datetime1">
               <a:rPr lang="zh-CN" altLang="en-US" smtClean="0"/>
-              <a:t>2019/5/6</a:t>
+              <a:t>2020/7/27</a:t>
             </a:fld>
             <a:endParaRPr lang="zh-CN" altLang="en-US"/>
           </a:p>
@@ -1988,7 +2076,7 @@
           <a:p>
             <a:fld id="{639D9145-4973-4C99-8A1C-8A239F758531}" type="datetime1">
               <a:rPr lang="zh-CN" altLang="en-US" smtClean="0"/>
-              <a:t>2019/5/6</a:t>
+              <a:t>2020/7/27</a:t>
             </a:fld>
             <a:endParaRPr lang="zh-CN" altLang="en-US"/>
           </a:p>
@@ -2109,7 +2197,7 @@
           <a:p>
             <a:fld id="{0F68CC03-7107-4BDD-8838-8BF613F19918}" type="datetime1">
               <a:rPr lang="zh-CN" altLang="en-US" smtClean="0"/>
-              <a:t>2019/5/6</a:t>
+              <a:t>2020/7/27</a:t>
             </a:fld>
             <a:endParaRPr lang="zh-CN" altLang="en-US"/>
           </a:p>
@@ -2207,7 +2295,7 @@
           <a:p>
             <a:fld id="{ABB2C43E-6B77-420E-8666-158D61F95666}" type="datetime1">
               <a:rPr lang="zh-CN" altLang="en-US" smtClean="0"/>
-              <a:t>2019/5/6</a:t>
+              <a:t>2020/7/27</a:t>
             </a:fld>
             <a:endParaRPr lang="zh-CN" altLang="en-US"/>
           </a:p>
@@ -2487,7 +2575,7 @@
           <a:p>
             <a:fld id="{0BFAB1CE-FFAC-42ED-A32F-A2A96E101099}" type="datetime1">
               <a:rPr lang="zh-CN" altLang="en-US" smtClean="0"/>
-              <a:t>2019/5/6</a:t>
+              <a:t>2020/7/27</a:t>
             </a:fld>
             <a:endParaRPr lang="zh-CN" altLang="en-US"/>
           </a:p>
@@ -2747,7 +2835,7 @@
           <a:p>
             <a:fld id="{187C3EE4-8426-43D3-B75D-B2EACE3E8A3F}" type="datetime1">
               <a:rPr lang="zh-CN" altLang="en-US" smtClean="0"/>
-              <a:t>2019/5/6</a:t>
+              <a:t>2020/7/27</a:t>
             </a:fld>
             <a:endParaRPr lang="zh-CN" altLang="en-US"/>
           </a:p>
@@ -2963,7 +3051,7 @@
           <a:p>
             <a:fld id="{16BD9C76-68C8-4C1A-A043-8B2E0A7A4446}" type="datetime1">
               <a:rPr lang="zh-CN" altLang="en-US" smtClean="0"/>
-              <a:t>2019/5/6</a:t>
+              <a:t>2020/7/27</a:t>
             </a:fld>
             <a:endParaRPr lang="zh-CN" altLang="en-US"/>
           </a:p>
@@ -3666,8 +3754,8 @@
         </p:nvSpPr>
         <p:spPr>
           <a:xfrm>
-            <a:off x="821725" y="3805881"/>
-            <a:ext cx="6858000" cy="2743200"/>
+            <a:off x="450812" y="3163329"/>
+            <a:ext cx="8242376" cy="2743200"/>
           </a:xfrm>
         </p:spPr>
         <p:txBody>
@@ -3712,7 +3800,7 @@
                 <a:latin typeface="宋体" panose="02010600030101010101" pitchFamily="2" charset="-122"/>
                 <a:ea typeface="宋体" panose="02010600030101010101" pitchFamily="2" charset="-122"/>
               </a:rPr>
-              <a:t>本课件可自由传播</a:t>
+              <a:t>本课件可自由传播，欢迎交流</a:t>
             </a:r>
             <a:endParaRPr lang="en-US" altLang="zh-CN" sz="2000" dirty="0">
               <a:latin typeface="宋体" panose="02010600030101010101" pitchFamily="2" charset="-122"/>
@@ -3725,7 +3813,21 @@
                 <a:latin typeface="宋体" panose="02010600030101010101" pitchFamily="2" charset="-122"/>
                 <a:ea typeface="宋体" panose="02010600030101010101" pitchFamily="2" charset="-122"/>
               </a:rPr>
-              <a:t>欢迎交流</a:t>
+              <a:t>课件和</a:t>
+            </a:r>
+            <a:r>
+              <a:rPr lang="zh-CN" altLang="zh-CN" sz="2000" dirty="0">
+                <a:latin typeface="宋体" panose="02010600030101010101" pitchFamily="2" charset="-122"/>
+                <a:ea typeface="宋体" panose="02010600030101010101" pitchFamily="2" charset="-122"/>
+              </a:rPr>
+              <a:t>代码下载地址</a:t>
+            </a:r>
+            <a:r>
+              <a:rPr lang="zh-CN" altLang="en-US" sz="2000" dirty="0">
+                <a:latin typeface="宋体" panose="02010600030101010101" pitchFamily="2" charset="-122"/>
+                <a:ea typeface="宋体" panose="02010600030101010101" pitchFamily="2" charset="-122"/>
+              </a:rPr>
+              <a:t>：</a:t>
             </a:r>
             <a:endParaRPr lang="en-US" altLang="zh-CN" sz="2000" dirty="0">
               <a:latin typeface="宋体" panose="02010600030101010101" pitchFamily="2" charset="-122"/>
@@ -3734,26 +3836,15 @@
           </a:p>
           <a:p>
             <a:r>
-              <a:rPr lang="zh-CN" altLang="en-US" sz="2000" dirty="0">
+              <a:rPr lang="en-US" altLang="zh-CN" sz="2000" dirty="0">
                 <a:latin typeface="宋体" panose="02010600030101010101" pitchFamily="2" charset="-122"/>
                 <a:ea typeface="宋体" panose="02010600030101010101" pitchFamily="2" charset="-122"/>
-              </a:rPr>
-              <a:t>课件和</a:t>
-            </a:r>
-            <a:r>
-              <a:rPr lang="zh-CN" altLang="zh-CN" sz="2000" dirty="0">
-                <a:latin typeface="宋体" panose="02010600030101010101" pitchFamily="2" charset="-122"/>
-                <a:ea typeface="宋体" panose="02010600030101010101" pitchFamily="2" charset="-122"/>
-              </a:rPr>
-              <a:t>代码下载地址</a:t>
-            </a:r>
-            <a:r>
-              <a:rPr lang="zh-CN" altLang="en-US" sz="2000" dirty="0">
-                <a:latin typeface="宋体" panose="02010600030101010101" pitchFamily="2" charset="-122"/>
-                <a:ea typeface="宋体" panose="02010600030101010101" pitchFamily="2" charset="-122"/>
-              </a:rPr>
-              <a:t>：</a:t>
-            </a:r>
+                <a:hlinkClick r:id="rId2"/>
+              </a:rPr>
+              <a:t>https://blog.csdn.net/weixin_43914593/article/details/106863166</a:t>
+            </a:r>
+          </a:p>
+          <a:p>
             <a:r>
               <a:rPr lang="en-US" altLang="zh-CN" sz="2000" dirty="0">
                 <a:latin typeface="宋体" panose="02010600030101010101" pitchFamily="2" charset="-122"/>
@@ -3795,6 +3886,1147 @@
 </file>
 
 <file path=ppt/slides/slide10.xml><?xml version="1.0" encoding="utf-8"?>
+<p:sld xmlns:a="http://schemas.openxmlformats.org/drawingml/2006/main" xmlns:r="http://schemas.openxmlformats.org/officeDocument/2006/relationships" xmlns:p="http://schemas.openxmlformats.org/presentationml/2006/main">
+  <p:cSld>
+    <p:spTree>
+      <p:nvGrpSpPr>
+        <p:cNvPr id="1" name=""/>
+        <p:cNvGrpSpPr/>
+        <p:nvPr/>
+      </p:nvGrpSpPr>
+      <p:grpSpPr>
+        <a:xfrm>
+          <a:off x="0" y="0"/>
+          <a:ext cx="0" cy="0"/>
+          <a:chOff x="0" y="0"/>
+          <a:chExt cx="0" cy="0"/>
+        </a:xfrm>
+      </p:grpSpPr>
+      <p:sp>
+        <p:nvSpPr>
+          <p:cNvPr id="2" name="标题 1">
+            <a:extLst>
+              <a:ext uri="{FF2B5EF4-FFF2-40B4-BE49-F238E27FC236}">
+                <a16:creationId xmlns:a16="http://schemas.microsoft.com/office/drawing/2014/main" id="{DE6FF1A9-6069-43F6-84FE-4FACC5677CA1}"/>
+              </a:ext>
+            </a:extLst>
+          </p:cNvPr>
+          <p:cNvSpPr>
+            <a:spLocks noGrp="1"/>
+          </p:cNvSpPr>
+          <p:nvPr>
+            <p:ph type="title"/>
+          </p:nvPr>
+        </p:nvSpPr>
+        <p:spPr>
+          <a:xfrm>
+            <a:off x="628649" y="365126"/>
+            <a:ext cx="8045793" cy="1325563"/>
+          </a:xfrm>
+        </p:spPr>
+        <p:txBody>
+          <a:bodyPr>
+            <a:normAutofit/>
+          </a:bodyPr>
+          <a:lstStyle/>
+          <a:p>
+            <a:pPr marL="571500" indent="-571500">
+              <a:buFont typeface="Wingdings" panose="05000000000000000000" pitchFamily="2" charset="2"/>
+              <a:buChar char="u"/>
+            </a:pPr>
+            <a:r>
+              <a:rPr lang="zh-CN" altLang="en-US" sz="3600" dirty="0">
+                <a:solidFill>
+                  <a:srgbClr val="0070C0"/>
+                </a:solidFill>
+                <a:latin typeface="宋体" panose="02010600030101010101" pitchFamily="2" charset="-122"/>
+                <a:ea typeface="宋体" panose="02010600030101010101" pitchFamily="2" charset="-122"/>
+              </a:rPr>
+              <a:t>问题</a:t>
+            </a:r>
+            <a:r>
+              <a:rPr lang="en-US" altLang="zh-CN" sz="3600" dirty="0">
+                <a:solidFill>
+                  <a:srgbClr val="0070C0"/>
+                </a:solidFill>
+                <a:latin typeface="宋体" panose="02010600030101010101" pitchFamily="2" charset="-122"/>
+                <a:ea typeface="宋体" panose="02010600030101010101" pitchFamily="2" charset="-122"/>
+              </a:rPr>
+              <a:t>2</a:t>
+            </a:r>
+            <a:r>
+              <a:rPr lang="zh-CN" altLang="en-US" sz="3600" dirty="0">
+                <a:solidFill>
+                  <a:srgbClr val="0070C0"/>
+                </a:solidFill>
+                <a:latin typeface="宋体" panose="02010600030101010101" pitchFamily="2" charset="-122"/>
+                <a:ea typeface="宋体" panose="02010600030101010101" pitchFamily="2" charset="-122"/>
+              </a:rPr>
+              <a:t>：如何去掉重复的随机数</a:t>
+            </a:r>
+          </a:p>
+        </p:txBody>
+      </p:sp>
+      <p:sp>
+        <p:nvSpPr>
+          <p:cNvPr id="3" name="内容占位符 2">
+            <a:extLst>
+              <a:ext uri="{FF2B5EF4-FFF2-40B4-BE49-F238E27FC236}">
+                <a16:creationId xmlns:a16="http://schemas.microsoft.com/office/drawing/2014/main" id="{7B754062-E8E7-4F1C-9A7D-A3D2C77F759C}"/>
+              </a:ext>
+            </a:extLst>
+          </p:cNvPr>
+          <p:cNvSpPr>
+            <a:spLocks noGrp="1"/>
+          </p:cNvSpPr>
+          <p:nvPr>
+            <p:ph idx="1"/>
+          </p:nvPr>
+        </p:nvSpPr>
+        <p:spPr/>
+        <p:txBody>
+          <a:bodyPr>
+            <a:normAutofit/>
+          </a:bodyPr>
+          <a:lstStyle/>
+          <a:p>
+            <a:r>
+              <a:rPr lang="zh-CN" altLang="en-US" dirty="0">
+                <a:latin typeface="宋体" panose="02010600030101010101" pitchFamily="2" charset="-122"/>
+                <a:ea typeface="宋体" panose="02010600030101010101" pitchFamily="2" charset="-122"/>
+              </a:rPr>
+              <a:t>如何去掉</a:t>
+            </a:r>
+            <a:r>
+              <a:rPr lang="en-US" altLang="zh-CN" dirty="0">
+                <a:latin typeface="宋体" panose="02010600030101010101" pitchFamily="2" charset="-122"/>
+                <a:ea typeface="宋体" panose="02010600030101010101" pitchFamily="2" charset="-122"/>
+              </a:rPr>
+              <a:t>100</a:t>
+            </a:r>
+            <a:r>
+              <a:rPr lang="zh-CN" altLang="en-US" dirty="0">
+                <a:latin typeface="宋体" panose="02010600030101010101" pitchFamily="2" charset="-122"/>
+                <a:ea typeface="宋体" panose="02010600030101010101" pitchFamily="2" charset="-122"/>
+              </a:rPr>
+              <a:t>万个数中的重复数字？而且不改变顺序。</a:t>
+            </a:r>
+            <a:endParaRPr lang="en-US" altLang="zh-CN" dirty="0">
+              <a:latin typeface="宋体" panose="02010600030101010101" pitchFamily="2" charset="-122"/>
+              <a:ea typeface="宋体" panose="02010600030101010101" pitchFamily="2" charset="-122"/>
+            </a:endParaRPr>
+          </a:p>
+          <a:p>
+            <a:pPr marL="914400" lvl="2" indent="0">
+              <a:buNone/>
+            </a:pPr>
+            <a:r>
+              <a:rPr lang="zh-CN" altLang="en-US" sz="2800" dirty="0">
+                <a:latin typeface="宋体" panose="02010600030101010101" pitchFamily="2" charset="-122"/>
+                <a:ea typeface="宋体" panose="02010600030101010101" pitchFamily="2" charset="-122"/>
+              </a:rPr>
+              <a:t>数太多，不可能用简单的暴力法；</a:t>
+            </a:r>
+            <a:endParaRPr lang="en-US" altLang="zh-CN" sz="2800" dirty="0">
+              <a:latin typeface="宋体" panose="02010600030101010101" pitchFamily="2" charset="-122"/>
+              <a:ea typeface="宋体" panose="02010600030101010101" pitchFamily="2" charset="-122"/>
+            </a:endParaRPr>
+          </a:p>
+          <a:p>
+            <a:pPr marL="914400" lvl="2" indent="0">
+              <a:buNone/>
+            </a:pPr>
+            <a:r>
+              <a:rPr lang="zh-CN" altLang="en-US" sz="2800" dirty="0">
+                <a:latin typeface="宋体" panose="02010600030101010101" pitchFamily="2" charset="-122"/>
+                <a:ea typeface="宋体" panose="02010600030101010101" pitchFamily="2" charset="-122"/>
+              </a:rPr>
+              <a:t>用</a:t>
+            </a:r>
+            <a:r>
+              <a:rPr lang="en-US" altLang="zh-CN" sz="2800" dirty="0">
+                <a:solidFill>
+                  <a:srgbClr val="FF0000"/>
+                </a:solidFill>
+                <a:latin typeface="宋体" panose="02010600030101010101" pitchFamily="2" charset="-122"/>
+                <a:ea typeface="宋体" panose="02010600030101010101" pitchFamily="2" charset="-122"/>
+              </a:rPr>
+              <a:t>unique()</a:t>
+            </a:r>
+            <a:r>
+              <a:rPr lang="zh-CN" altLang="en-US" sz="2800" dirty="0">
+                <a:latin typeface="宋体" panose="02010600030101010101" pitchFamily="2" charset="-122"/>
+                <a:ea typeface="宋体" panose="02010600030101010101" pitchFamily="2" charset="-122"/>
+              </a:rPr>
+              <a:t>去重会改变顺序。</a:t>
+            </a:r>
+            <a:endParaRPr lang="en-US" altLang="zh-CN" sz="2800" dirty="0">
+              <a:latin typeface="宋体" panose="02010600030101010101" pitchFamily="2" charset="-122"/>
+              <a:ea typeface="宋体" panose="02010600030101010101" pitchFamily="2" charset="-122"/>
+            </a:endParaRPr>
+          </a:p>
+          <a:p>
+            <a:endParaRPr lang="en-US" altLang="zh-CN" dirty="0">
+              <a:latin typeface="宋体" panose="02010600030101010101" pitchFamily="2" charset="-122"/>
+              <a:ea typeface="宋体" panose="02010600030101010101" pitchFamily="2" charset="-122"/>
+            </a:endParaRPr>
+          </a:p>
+          <a:p>
+            <a:r>
+              <a:rPr lang="zh-CN" altLang="en-US" dirty="0">
+                <a:latin typeface="宋体" panose="02010600030101010101" pitchFamily="2" charset="-122"/>
+                <a:ea typeface="宋体" panose="02010600030101010101" pitchFamily="2" charset="-122"/>
+              </a:rPr>
+              <a:t>简单又最快的方法：</a:t>
+            </a:r>
+            <a:r>
+              <a:rPr lang="en-US" altLang="zh-CN" dirty="0">
+                <a:latin typeface="宋体" panose="02010600030101010101" pitchFamily="2" charset="-122"/>
+                <a:ea typeface="宋体" panose="02010600030101010101" pitchFamily="2" charset="-122"/>
+              </a:rPr>
+              <a:t>hash</a:t>
+            </a:r>
+            <a:r>
+              <a:rPr lang="zh-CN" altLang="en-US" dirty="0">
+                <a:latin typeface="宋体" panose="02010600030101010101" pitchFamily="2" charset="-122"/>
+                <a:ea typeface="宋体" panose="02010600030101010101" pitchFamily="2" charset="-122"/>
+              </a:rPr>
+              <a:t>，用一个</a:t>
+            </a:r>
+            <a:r>
+              <a:rPr lang="en-US" altLang="zh-CN" dirty="0">
+                <a:latin typeface="宋体" panose="02010600030101010101" pitchFamily="2" charset="-122"/>
+                <a:ea typeface="宋体" panose="02010600030101010101" pitchFamily="2" charset="-122"/>
+              </a:rPr>
+              <a:t>hash</a:t>
+            </a:r>
+            <a:r>
+              <a:rPr lang="zh-CN" altLang="en-US" dirty="0">
+                <a:latin typeface="宋体" panose="02010600030101010101" pitchFamily="2" charset="-122"/>
+                <a:ea typeface="宋体" panose="02010600030101010101" pitchFamily="2" charset="-122"/>
+              </a:rPr>
+              <a:t>数组判断重复。（</a:t>
+            </a:r>
+            <a:r>
+              <a:rPr lang="zh-CN" altLang="en-US" dirty="0">
+                <a:solidFill>
+                  <a:srgbClr val="FF0000"/>
+                </a:solidFill>
+                <a:latin typeface="宋体" panose="02010600030101010101" pitchFamily="2" charset="-122"/>
+                <a:ea typeface="宋体" panose="02010600030101010101" pitchFamily="2" charset="-122"/>
+              </a:rPr>
+              <a:t>不过</a:t>
+            </a:r>
+            <a:r>
+              <a:rPr lang="zh-CN" altLang="en-US" dirty="0">
+                <a:latin typeface="宋体" panose="02010600030101010101" pitchFamily="2" charset="-122"/>
+                <a:ea typeface="宋体" panose="02010600030101010101" pitchFamily="2" charset="-122"/>
+              </a:rPr>
+              <a:t>，这个方法的问题是：产生的随机数都在</a:t>
+            </a:r>
+            <a:r>
+              <a:rPr lang="en-US" altLang="zh-CN" dirty="0">
+                <a:latin typeface="宋体" panose="02010600030101010101" pitchFamily="2" charset="-122"/>
+                <a:ea typeface="宋体" panose="02010600030101010101" pitchFamily="2" charset="-122"/>
+              </a:rPr>
+              <a:t>[0,100</a:t>
+            </a:r>
+            <a:r>
+              <a:rPr lang="zh-CN" altLang="en-US" dirty="0">
+                <a:latin typeface="宋体" panose="02010600030101010101" pitchFamily="2" charset="-122"/>
+                <a:ea typeface="宋体" panose="02010600030101010101" pitchFamily="2" charset="-122"/>
+              </a:rPr>
+              <a:t>万</a:t>
+            </a:r>
+            <a:r>
+              <a:rPr lang="en-US" altLang="zh-CN" dirty="0">
+                <a:latin typeface="宋体" panose="02010600030101010101" pitchFamily="2" charset="-122"/>
+                <a:ea typeface="宋体" panose="02010600030101010101" pitchFamily="2" charset="-122"/>
+              </a:rPr>
+              <a:t>]</a:t>
+            </a:r>
+            <a:r>
+              <a:rPr lang="zh-CN" altLang="en-US" dirty="0">
+                <a:latin typeface="宋体" panose="02010600030101010101" pitchFamily="2" charset="-122"/>
+                <a:ea typeface="宋体" panose="02010600030101010101" pitchFamily="2" charset="-122"/>
+              </a:rPr>
+              <a:t>之内）</a:t>
+            </a:r>
+            <a:endParaRPr lang="en-US" altLang="zh-CN" dirty="0">
+              <a:latin typeface="宋体" panose="02010600030101010101" pitchFamily="2" charset="-122"/>
+              <a:ea typeface="宋体" panose="02010600030101010101" pitchFamily="2" charset="-122"/>
+            </a:endParaRPr>
+          </a:p>
+        </p:txBody>
+      </p:sp>
+      <p:sp>
+        <p:nvSpPr>
+          <p:cNvPr id="4" name="页脚占位符 3">
+            <a:extLst>
+              <a:ext uri="{FF2B5EF4-FFF2-40B4-BE49-F238E27FC236}">
+                <a16:creationId xmlns:a16="http://schemas.microsoft.com/office/drawing/2014/main" id="{4FB44CC9-A572-463C-B93D-2403BB0E9621}"/>
+              </a:ext>
+            </a:extLst>
+          </p:cNvPr>
+          <p:cNvSpPr>
+            <a:spLocks noGrp="1"/>
+          </p:cNvSpPr>
+          <p:nvPr>
+            <p:ph type="ftr" sz="quarter" idx="11"/>
+          </p:nvPr>
+        </p:nvSpPr>
+        <p:spPr/>
+        <p:txBody>
+          <a:bodyPr/>
+          <a:lstStyle/>
+          <a:p>
+            <a:r>
+              <a:rPr lang="zh-CN" altLang="en-US">
+                <a:latin typeface="宋体" panose="02010600030101010101" pitchFamily="2" charset="-122"/>
+                <a:ea typeface="宋体" panose="02010600030101010101" pitchFamily="2" charset="-122"/>
+              </a:rPr>
+              <a:t>华东理工大学 罗勇军</a:t>
+            </a:r>
+          </a:p>
+        </p:txBody>
+      </p:sp>
+    </p:spTree>
+    <p:extLst>
+      <p:ext uri="{BB962C8B-B14F-4D97-AF65-F5344CB8AC3E}">
+        <p14:creationId xmlns:p14="http://schemas.microsoft.com/office/powerpoint/2010/main" val="1969854513"/>
+      </p:ext>
+    </p:extLst>
+  </p:cSld>
+  <p:clrMapOvr>
+    <a:masterClrMapping/>
+  </p:clrMapOvr>
+</p:sld>
+</file>
+
+<file path=ppt/slides/slide11.xml><?xml version="1.0" encoding="utf-8"?>
+<p:sld xmlns:a="http://schemas.openxmlformats.org/drawingml/2006/main" xmlns:r="http://schemas.openxmlformats.org/officeDocument/2006/relationships" xmlns:p="http://schemas.openxmlformats.org/presentationml/2006/main">
+  <p:cSld>
+    <p:spTree>
+      <p:nvGrpSpPr>
+        <p:cNvPr id="1" name=""/>
+        <p:cNvGrpSpPr/>
+        <p:nvPr/>
+      </p:nvGrpSpPr>
+      <p:grpSpPr>
+        <a:xfrm>
+          <a:off x="0" y="0"/>
+          <a:ext cx="0" cy="0"/>
+          <a:chOff x="0" y="0"/>
+          <a:chExt cx="0" cy="0"/>
+        </a:xfrm>
+      </p:grpSpPr>
+      <p:sp>
+        <p:nvSpPr>
+          <p:cNvPr id="2" name="标题 1">
+            <a:extLst>
+              <a:ext uri="{FF2B5EF4-FFF2-40B4-BE49-F238E27FC236}">
+                <a16:creationId xmlns:a16="http://schemas.microsoft.com/office/drawing/2014/main" id="{DE6FF1A9-6069-43F6-84FE-4FACC5677CA1}"/>
+              </a:ext>
+            </a:extLst>
+          </p:cNvPr>
+          <p:cNvSpPr>
+            <a:spLocks noGrp="1"/>
+          </p:cNvSpPr>
+          <p:nvPr>
+            <p:ph type="title"/>
+          </p:nvPr>
+        </p:nvSpPr>
+        <p:spPr>
+          <a:xfrm>
+            <a:off x="549103" y="686402"/>
+            <a:ext cx="8045793" cy="685198"/>
+          </a:xfrm>
+        </p:spPr>
+        <p:txBody>
+          <a:bodyPr>
+            <a:normAutofit/>
+          </a:bodyPr>
+          <a:lstStyle/>
+          <a:p>
+            <a:pPr algn="ctr"/>
+            <a:r>
+              <a:rPr lang="zh-CN" altLang="en-US" sz="3600" dirty="0">
+                <a:solidFill>
+                  <a:srgbClr val="0070C0"/>
+                </a:solidFill>
+                <a:latin typeface="宋体" panose="02010600030101010101" pitchFamily="2" charset="-122"/>
+                <a:ea typeface="宋体" panose="02010600030101010101" pitchFamily="2" charset="-122"/>
+              </a:rPr>
+              <a:t>用</a:t>
+            </a:r>
+            <a:r>
+              <a:rPr lang="en-US" altLang="zh-CN" sz="3600" dirty="0">
+                <a:solidFill>
+                  <a:srgbClr val="0070C0"/>
+                </a:solidFill>
+                <a:latin typeface="宋体" panose="02010600030101010101" pitchFamily="2" charset="-122"/>
+                <a:ea typeface="宋体" panose="02010600030101010101" pitchFamily="2" charset="-122"/>
+              </a:rPr>
+              <a:t>hash</a:t>
+            </a:r>
+            <a:r>
+              <a:rPr lang="zh-CN" altLang="en-US" sz="3600" dirty="0">
+                <a:solidFill>
+                  <a:srgbClr val="0070C0"/>
+                </a:solidFill>
+                <a:latin typeface="宋体" panose="02010600030101010101" pitchFamily="2" charset="-122"/>
+                <a:ea typeface="宋体" panose="02010600030101010101" pitchFamily="2" charset="-122"/>
+              </a:rPr>
+              <a:t>判重和去重</a:t>
+            </a:r>
+          </a:p>
+        </p:txBody>
+      </p:sp>
+      <p:sp>
+        <p:nvSpPr>
+          <p:cNvPr id="3" name="内容占位符 2">
+            <a:extLst>
+              <a:ext uri="{FF2B5EF4-FFF2-40B4-BE49-F238E27FC236}">
+                <a16:creationId xmlns:a16="http://schemas.microsoft.com/office/drawing/2014/main" id="{7B754062-E8E7-4F1C-9A7D-A3D2C77F759C}"/>
+              </a:ext>
+            </a:extLst>
+          </p:cNvPr>
+          <p:cNvSpPr>
+            <a:spLocks noGrp="1"/>
+          </p:cNvSpPr>
+          <p:nvPr>
+            <p:ph idx="1"/>
+          </p:nvPr>
+        </p:nvSpPr>
+        <p:spPr>
+          <a:xfrm>
+            <a:off x="628650" y="1825625"/>
+            <a:ext cx="7886700" cy="4667248"/>
+          </a:xfrm>
+        </p:spPr>
+        <p:txBody>
+          <a:bodyPr>
+            <a:normAutofit fontScale="92500" lnSpcReduction="20000"/>
+          </a:bodyPr>
+          <a:lstStyle/>
+          <a:p>
+            <a:pPr marL="0" indent="0">
+              <a:buNone/>
+            </a:pPr>
+            <a:r>
+              <a:rPr lang="en-US" altLang="zh-CN" dirty="0">
+                <a:latin typeface="Times New Roman" panose="02020603050405020304" pitchFamily="18" charset="0"/>
+                <a:ea typeface="宋体" panose="02010600030101010101" pitchFamily="2" charset="-122"/>
+                <a:cs typeface="Times New Roman" panose="02020603050405020304" pitchFamily="18" charset="0"/>
+              </a:rPr>
+              <a:t>int </a:t>
+            </a:r>
+            <a:r>
+              <a:rPr lang="en-US" altLang="zh-CN" dirty="0" err="1">
+                <a:latin typeface="Times New Roman" panose="02020603050405020304" pitchFamily="18" charset="0"/>
+                <a:ea typeface="宋体" panose="02010600030101010101" pitchFamily="2" charset="-122"/>
+                <a:cs typeface="Times New Roman" panose="02020603050405020304" pitchFamily="18" charset="0"/>
+              </a:rPr>
+              <a:t>myhash</a:t>
+            </a:r>
+            <a:r>
+              <a:rPr lang="en-US" altLang="zh-CN" dirty="0">
+                <a:latin typeface="Times New Roman" panose="02020603050405020304" pitchFamily="18" charset="0"/>
+                <a:ea typeface="宋体" panose="02010600030101010101" pitchFamily="2" charset="-122"/>
+                <a:cs typeface="Times New Roman" panose="02020603050405020304" pitchFamily="18" charset="0"/>
+              </a:rPr>
+              <a:t>[MAX];     //hash</a:t>
+            </a:r>
+            <a:r>
+              <a:rPr lang="zh-CN" altLang="en-US" dirty="0">
+                <a:latin typeface="Times New Roman" panose="02020603050405020304" pitchFamily="18" charset="0"/>
+                <a:ea typeface="宋体" panose="02010600030101010101" pitchFamily="2" charset="-122"/>
+                <a:cs typeface="Times New Roman" panose="02020603050405020304" pitchFamily="18" charset="0"/>
+              </a:rPr>
+              <a:t>表</a:t>
+            </a:r>
+            <a:endParaRPr lang="en-US" altLang="zh-CN" dirty="0">
+              <a:latin typeface="Times New Roman" panose="02020603050405020304" pitchFamily="18" charset="0"/>
+              <a:ea typeface="宋体" panose="02010600030101010101" pitchFamily="2" charset="-122"/>
+              <a:cs typeface="Times New Roman" panose="02020603050405020304" pitchFamily="18" charset="0"/>
+            </a:endParaRPr>
+          </a:p>
+          <a:p>
+            <a:pPr marL="0" indent="0">
+              <a:buNone/>
+            </a:pPr>
+            <a:r>
+              <a:rPr lang="en-US" altLang="zh-CN" dirty="0">
+                <a:latin typeface="Times New Roman" panose="02020603050405020304" pitchFamily="18" charset="0"/>
+                <a:ea typeface="宋体" panose="02010600030101010101" pitchFamily="2" charset="-122"/>
+                <a:cs typeface="Times New Roman" panose="02020603050405020304" pitchFamily="18" charset="0"/>
+              </a:rPr>
+              <a:t>int </a:t>
+            </a:r>
+            <a:r>
+              <a:rPr lang="en-US" altLang="zh-CN" dirty="0" err="1">
+                <a:latin typeface="Times New Roman" panose="02020603050405020304" pitchFamily="18" charset="0"/>
+                <a:ea typeface="宋体" panose="02010600030101010101" pitchFamily="2" charset="-122"/>
+                <a:cs typeface="Times New Roman" panose="02020603050405020304" pitchFamily="18" charset="0"/>
+              </a:rPr>
+              <a:t>mynum</a:t>
+            </a:r>
+            <a:r>
+              <a:rPr lang="en-US" altLang="zh-CN" dirty="0">
+                <a:latin typeface="Times New Roman" panose="02020603050405020304" pitchFamily="18" charset="0"/>
+                <a:ea typeface="宋体" panose="02010600030101010101" pitchFamily="2" charset="-122"/>
+                <a:cs typeface="Times New Roman" panose="02020603050405020304" pitchFamily="18" charset="0"/>
+              </a:rPr>
+              <a:t>[MAX];     //</a:t>
+            </a:r>
+            <a:r>
+              <a:rPr lang="zh-CN" altLang="en-US" dirty="0">
+                <a:latin typeface="Times New Roman" panose="02020603050405020304" pitchFamily="18" charset="0"/>
+                <a:ea typeface="宋体" panose="02010600030101010101" pitchFamily="2" charset="-122"/>
+                <a:cs typeface="Times New Roman" panose="02020603050405020304" pitchFamily="18" charset="0"/>
+              </a:rPr>
+              <a:t>记录不同的随机数</a:t>
+            </a:r>
+            <a:endParaRPr lang="en-US" altLang="zh-CN" dirty="0">
+              <a:latin typeface="Times New Roman" panose="02020603050405020304" pitchFamily="18" charset="0"/>
+              <a:ea typeface="宋体" panose="02010600030101010101" pitchFamily="2" charset="-122"/>
+              <a:cs typeface="Times New Roman" panose="02020603050405020304" pitchFamily="18" charset="0"/>
+            </a:endParaRPr>
+          </a:p>
+          <a:p>
+            <a:pPr marL="0" indent="0">
+              <a:buNone/>
+            </a:pPr>
+            <a:endParaRPr lang="en-US" altLang="zh-CN" dirty="0">
+              <a:latin typeface="Times New Roman" panose="02020603050405020304" pitchFamily="18" charset="0"/>
+              <a:ea typeface="宋体" panose="02010600030101010101" pitchFamily="2" charset="-122"/>
+              <a:cs typeface="Times New Roman" panose="02020603050405020304" pitchFamily="18" charset="0"/>
+            </a:endParaRPr>
+          </a:p>
+          <a:p>
+            <a:pPr marL="0" indent="0">
+              <a:buNone/>
+            </a:pPr>
+            <a:r>
+              <a:rPr lang="zh-CN" altLang="en-US" dirty="0">
+                <a:latin typeface="Times New Roman" panose="02020603050405020304" pitchFamily="18" charset="0"/>
+                <a:ea typeface="宋体" panose="02010600030101010101" pitchFamily="2" charset="-122"/>
+                <a:cs typeface="Times New Roman" panose="02020603050405020304" pitchFamily="18" charset="0"/>
+              </a:rPr>
+              <a:t>下面处理随机数</a:t>
+            </a:r>
+            <a:r>
+              <a:rPr lang="en-US" altLang="zh-CN" dirty="0" err="1">
+                <a:latin typeface="Times New Roman" panose="02020603050405020304" pitchFamily="18" charset="0"/>
+                <a:ea typeface="宋体" panose="02010600030101010101" pitchFamily="2" charset="-122"/>
+                <a:cs typeface="Times New Roman" panose="02020603050405020304" pitchFamily="18" charset="0"/>
+              </a:rPr>
+              <a:t>big_rand</a:t>
+            </a:r>
+            <a:r>
+              <a:rPr lang="zh-CN" altLang="en-US" dirty="0">
+                <a:latin typeface="Times New Roman" panose="02020603050405020304" pitchFamily="18" charset="0"/>
+                <a:ea typeface="宋体" panose="02010600030101010101" pitchFamily="2" charset="-122"/>
+                <a:cs typeface="Times New Roman" panose="02020603050405020304" pitchFamily="18" charset="0"/>
+              </a:rPr>
+              <a:t>：</a:t>
+            </a:r>
+            <a:endParaRPr lang="en-US" altLang="zh-CN" dirty="0">
+              <a:latin typeface="Times New Roman" panose="02020603050405020304" pitchFamily="18" charset="0"/>
+              <a:ea typeface="宋体" panose="02010600030101010101" pitchFamily="2" charset="-122"/>
+              <a:cs typeface="Times New Roman" panose="02020603050405020304" pitchFamily="18" charset="0"/>
+            </a:endParaRPr>
+          </a:p>
+          <a:p>
+            <a:pPr marL="0" indent="0">
+              <a:buNone/>
+            </a:pPr>
+            <a:endParaRPr lang="en-US" altLang="zh-CN" dirty="0">
+              <a:latin typeface="Times New Roman" panose="02020603050405020304" pitchFamily="18" charset="0"/>
+              <a:ea typeface="宋体" panose="02010600030101010101" pitchFamily="2" charset="-122"/>
+              <a:cs typeface="Times New Roman" panose="02020603050405020304" pitchFamily="18" charset="0"/>
+            </a:endParaRPr>
+          </a:p>
+          <a:p>
+            <a:pPr marL="0" indent="0">
+              <a:buNone/>
+            </a:pPr>
+            <a:r>
+              <a:rPr lang="en-US" altLang="zh-CN" dirty="0">
+                <a:latin typeface="Times New Roman" panose="02020603050405020304" pitchFamily="18" charset="0"/>
+                <a:ea typeface="宋体" panose="02010600030101010101" pitchFamily="2" charset="-122"/>
+                <a:cs typeface="Times New Roman" panose="02020603050405020304" pitchFamily="18" charset="0"/>
+              </a:rPr>
+              <a:t>if(</a:t>
+            </a:r>
+            <a:r>
+              <a:rPr lang="en-US" altLang="zh-CN" dirty="0" err="1">
+                <a:latin typeface="Times New Roman" panose="02020603050405020304" pitchFamily="18" charset="0"/>
+                <a:ea typeface="宋体" panose="02010600030101010101" pitchFamily="2" charset="-122"/>
+                <a:cs typeface="Times New Roman" panose="02020603050405020304" pitchFamily="18" charset="0"/>
+              </a:rPr>
+              <a:t>myhash</a:t>
+            </a:r>
+            <a:r>
+              <a:rPr lang="en-US" altLang="zh-CN" dirty="0">
+                <a:latin typeface="Times New Roman" panose="02020603050405020304" pitchFamily="18" charset="0"/>
+                <a:ea typeface="宋体" panose="02010600030101010101" pitchFamily="2" charset="-122"/>
+                <a:cs typeface="Times New Roman" panose="02020603050405020304" pitchFamily="18" charset="0"/>
+              </a:rPr>
+              <a:t>[</a:t>
+            </a:r>
+            <a:r>
+              <a:rPr lang="en-US" altLang="zh-CN" dirty="0" err="1">
+                <a:latin typeface="Times New Roman" panose="02020603050405020304" pitchFamily="18" charset="0"/>
+                <a:ea typeface="宋体" panose="02010600030101010101" pitchFamily="2" charset="-122"/>
+                <a:cs typeface="Times New Roman" panose="02020603050405020304" pitchFamily="18" charset="0"/>
+              </a:rPr>
+              <a:t>big_rand</a:t>
+            </a:r>
+            <a:r>
+              <a:rPr lang="en-US" altLang="zh-CN" dirty="0">
+                <a:latin typeface="Times New Roman" panose="02020603050405020304" pitchFamily="18" charset="0"/>
+                <a:ea typeface="宋体" panose="02010600030101010101" pitchFamily="2" charset="-122"/>
+                <a:cs typeface="Times New Roman" panose="02020603050405020304" pitchFamily="18" charset="0"/>
+              </a:rPr>
+              <a:t>] == 0) {      //</a:t>
+            </a:r>
+            <a:r>
+              <a:rPr lang="zh-CN" altLang="en-US" dirty="0">
+                <a:latin typeface="Times New Roman" panose="02020603050405020304" pitchFamily="18" charset="0"/>
+                <a:ea typeface="宋体" panose="02010600030101010101" pitchFamily="2" charset="-122"/>
+                <a:cs typeface="Times New Roman" panose="02020603050405020304" pitchFamily="18" charset="0"/>
+              </a:rPr>
+              <a:t>第</a:t>
+            </a:r>
+            <a:r>
+              <a:rPr lang="en-US" altLang="zh-CN" dirty="0" err="1">
+                <a:latin typeface="Times New Roman" panose="02020603050405020304" pitchFamily="18" charset="0"/>
+                <a:ea typeface="宋体" panose="02010600030101010101" pitchFamily="2" charset="-122"/>
+                <a:cs typeface="Times New Roman" panose="02020603050405020304" pitchFamily="18" charset="0"/>
+              </a:rPr>
+              <a:t>big_rand</a:t>
+            </a:r>
+            <a:r>
+              <a:rPr lang="zh-CN" altLang="en-US" dirty="0">
+                <a:latin typeface="Times New Roman" panose="02020603050405020304" pitchFamily="18" charset="0"/>
+                <a:ea typeface="宋体" panose="02010600030101010101" pitchFamily="2" charset="-122"/>
+                <a:cs typeface="Times New Roman" panose="02020603050405020304" pitchFamily="18" charset="0"/>
+              </a:rPr>
+              <a:t>位置还没有</a:t>
+            </a:r>
+            <a:endParaRPr lang="en-US" altLang="zh-CN" dirty="0">
+              <a:latin typeface="Times New Roman" panose="02020603050405020304" pitchFamily="18" charset="0"/>
+              <a:ea typeface="宋体" panose="02010600030101010101" pitchFamily="2" charset="-122"/>
+              <a:cs typeface="Times New Roman" panose="02020603050405020304" pitchFamily="18" charset="0"/>
+            </a:endParaRPr>
+          </a:p>
+          <a:p>
+            <a:pPr marL="0" indent="0">
+              <a:buNone/>
+            </a:pPr>
+            <a:r>
+              <a:rPr lang="en-US" altLang="zh-CN" dirty="0">
+                <a:latin typeface="Times New Roman" panose="02020603050405020304" pitchFamily="18" charset="0"/>
+                <a:ea typeface="宋体" panose="02010600030101010101" pitchFamily="2" charset="-122"/>
+                <a:cs typeface="Times New Roman" panose="02020603050405020304" pitchFamily="18" charset="0"/>
+              </a:rPr>
+              <a:t>     </a:t>
+            </a:r>
+            <a:r>
+              <a:rPr lang="en-US" altLang="zh-CN" dirty="0" err="1">
+                <a:latin typeface="Times New Roman" panose="02020603050405020304" pitchFamily="18" charset="0"/>
+                <a:ea typeface="宋体" panose="02010600030101010101" pitchFamily="2" charset="-122"/>
+                <a:cs typeface="Times New Roman" panose="02020603050405020304" pitchFamily="18" charset="0"/>
+              </a:rPr>
+              <a:t>myhash</a:t>
+            </a:r>
+            <a:r>
+              <a:rPr lang="en-US" altLang="zh-CN" dirty="0">
+                <a:latin typeface="Times New Roman" panose="02020603050405020304" pitchFamily="18" charset="0"/>
+                <a:ea typeface="宋体" panose="02010600030101010101" pitchFamily="2" charset="-122"/>
+                <a:cs typeface="Times New Roman" panose="02020603050405020304" pitchFamily="18" charset="0"/>
+              </a:rPr>
+              <a:t>[</a:t>
+            </a:r>
+            <a:r>
+              <a:rPr lang="en-US" altLang="zh-CN" dirty="0" err="1">
+                <a:latin typeface="Times New Roman" panose="02020603050405020304" pitchFamily="18" charset="0"/>
+                <a:ea typeface="宋体" panose="02010600030101010101" pitchFamily="2" charset="-122"/>
+                <a:cs typeface="Times New Roman" panose="02020603050405020304" pitchFamily="18" charset="0"/>
+              </a:rPr>
+              <a:t>big_rand</a:t>
+            </a:r>
+            <a:r>
+              <a:rPr lang="en-US" altLang="zh-CN" dirty="0">
+                <a:latin typeface="Times New Roman" panose="02020603050405020304" pitchFamily="18" charset="0"/>
+                <a:ea typeface="宋体" panose="02010600030101010101" pitchFamily="2" charset="-122"/>
+                <a:cs typeface="Times New Roman" panose="02020603050405020304" pitchFamily="18" charset="0"/>
+              </a:rPr>
+              <a:t>]=1;            </a:t>
+            </a:r>
+          </a:p>
+          <a:p>
+            <a:pPr marL="0" indent="0">
+              <a:buNone/>
+            </a:pPr>
+            <a:r>
+              <a:rPr lang="en-US" altLang="zh-CN" dirty="0">
+                <a:latin typeface="Times New Roman" panose="02020603050405020304" pitchFamily="18" charset="0"/>
+                <a:ea typeface="宋体" panose="02010600030101010101" pitchFamily="2" charset="-122"/>
+                <a:cs typeface="Times New Roman" panose="02020603050405020304" pitchFamily="18" charset="0"/>
+              </a:rPr>
+              <a:t>        </a:t>
+            </a:r>
+            <a:r>
+              <a:rPr lang="en-US" altLang="zh-CN" sz="2400" dirty="0">
+                <a:latin typeface="Times New Roman" panose="02020603050405020304" pitchFamily="18" charset="0"/>
+                <a:ea typeface="宋体" panose="02010600030101010101" pitchFamily="2" charset="-122"/>
+                <a:cs typeface="Times New Roman" panose="02020603050405020304" pitchFamily="18" charset="0"/>
+              </a:rPr>
+              <a:t>//</a:t>
+            </a:r>
+            <a:r>
+              <a:rPr lang="zh-CN" altLang="en-US" sz="2400" dirty="0">
+                <a:latin typeface="Times New Roman" panose="02020603050405020304" pitchFamily="18" charset="0"/>
+                <a:ea typeface="宋体" panose="02010600030101010101" pitchFamily="2" charset="-122"/>
+                <a:cs typeface="Times New Roman" panose="02020603050405020304" pitchFamily="18" charset="0"/>
+              </a:rPr>
+              <a:t>随机数</a:t>
+            </a:r>
+            <a:r>
+              <a:rPr lang="en-US" altLang="zh-CN" sz="2400" dirty="0" err="1">
+                <a:latin typeface="Times New Roman" panose="02020603050405020304" pitchFamily="18" charset="0"/>
+                <a:ea typeface="宋体" panose="02010600030101010101" pitchFamily="2" charset="-122"/>
+                <a:cs typeface="Times New Roman" panose="02020603050405020304" pitchFamily="18" charset="0"/>
+              </a:rPr>
+              <a:t>big_rand</a:t>
+            </a:r>
+            <a:r>
+              <a:rPr lang="en-US" altLang="zh-CN" sz="2400" dirty="0">
+                <a:latin typeface="Times New Roman" panose="02020603050405020304" pitchFamily="18" charset="0"/>
+                <a:ea typeface="宋体" panose="02010600030101010101" pitchFamily="2" charset="-122"/>
+                <a:cs typeface="Times New Roman" panose="02020603050405020304" pitchFamily="18" charset="0"/>
+              </a:rPr>
+              <a:t> </a:t>
+            </a:r>
+            <a:r>
+              <a:rPr lang="zh-CN" altLang="en-US" sz="2400" dirty="0">
+                <a:latin typeface="Times New Roman" panose="02020603050405020304" pitchFamily="18" charset="0"/>
+                <a:ea typeface="宋体" panose="02010600030101010101" pitchFamily="2" charset="-122"/>
+                <a:cs typeface="Times New Roman" panose="02020603050405020304" pitchFamily="18" charset="0"/>
+              </a:rPr>
+              <a:t>，登记在</a:t>
+            </a:r>
+            <a:r>
+              <a:rPr lang="en-US" altLang="zh-CN" sz="2400" dirty="0" err="1">
+                <a:latin typeface="Times New Roman" panose="02020603050405020304" pitchFamily="18" charset="0"/>
+                <a:ea typeface="宋体" panose="02010600030101010101" pitchFamily="2" charset="-122"/>
+                <a:cs typeface="Times New Roman" panose="02020603050405020304" pitchFamily="18" charset="0"/>
+              </a:rPr>
+              <a:t>myhash</a:t>
+            </a:r>
+            <a:r>
+              <a:rPr lang="en-US" altLang="zh-CN" sz="2400" dirty="0">
+                <a:latin typeface="Times New Roman" panose="02020603050405020304" pitchFamily="18" charset="0"/>
+                <a:ea typeface="宋体" panose="02010600030101010101" pitchFamily="2" charset="-122"/>
+                <a:cs typeface="Times New Roman" panose="02020603050405020304" pitchFamily="18" charset="0"/>
+              </a:rPr>
+              <a:t>[]</a:t>
+            </a:r>
+            <a:r>
+              <a:rPr lang="zh-CN" altLang="en-US" sz="2400" dirty="0">
+                <a:latin typeface="Times New Roman" panose="02020603050405020304" pitchFamily="18" charset="0"/>
+                <a:ea typeface="宋体" panose="02010600030101010101" pitchFamily="2" charset="-122"/>
+                <a:cs typeface="Times New Roman" panose="02020603050405020304" pitchFamily="18" charset="0"/>
+              </a:rPr>
+              <a:t>的第</a:t>
+            </a:r>
+            <a:r>
+              <a:rPr lang="en-US" altLang="zh-CN" sz="2400" dirty="0" err="1">
+                <a:latin typeface="Times New Roman" panose="02020603050405020304" pitchFamily="18" charset="0"/>
+                <a:ea typeface="宋体" panose="02010600030101010101" pitchFamily="2" charset="-122"/>
+                <a:cs typeface="Times New Roman" panose="02020603050405020304" pitchFamily="18" charset="0"/>
+              </a:rPr>
+              <a:t>big_rand</a:t>
+            </a:r>
+            <a:r>
+              <a:rPr lang="zh-CN" altLang="en-US" sz="2400" dirty="0">
+                <a:latin typeface="Times New Roman" panose="02020603050405020304" pitchFamily="18" charset="0"/>
+                <a:ea typeface="宋体" panose="02010600030101010101" pitchFamily="2" charset="-122"/>
+                <a:cs typeface="Times New Roman" panose="02020603050405020304" pitchFamily="18" charset="0"/>
+              </a:rPr>
+              <a:t>个位置</a:t>
+            </a:r>
+            <a:endParaRPr lang="zh-CN" altLang="en-US" dirty="0">
+              <a:latin typeface="Times New Roman" panose="02020603050405020304" pitchFamily="18" charset="0"/>
+              <a:ea typeface="宋体" panose="02010600030101010101" pitchFamily="2" charset="-122"/>
+              <a:cs typeface="Times New Roman" panose="02020603050405020304" pitchFamily="18" charset="0"/>
+            </a:endParaRPr>
+          </a:p>
+          <a:p>
+            <a:pPr marL="0" indent="0">
+              <a:buNone/>
+            </a:pPr>
+            <a:r>
+              <a:rPr lang="zh-CN" altLang="en-US" dirty="0">
+                <a:latin typeface="Times New Roman" panose="02020603050405020304" pitchFamily="18" charset="0"/>
+                <a:ea typeface="宋体" panose="02010600030101010101" pitchFamily="2" charset="-122"/>
+                <a:cs typeface="Times New Roman" panose="02020603050405020304" pitchFamily="18" charset="0"/>
+              </a:rPr>
+              <a:t>     </a:t>
+            </a:r>
+            <a:r>
+              <a:rPr lang="en-US" altLang="zh-CN" dirty="0" err="1">
+                <a:latin typeface="Times New Roman" panose="02020603050405020304" pitchFamily="18" charset="0"/>
+                <a:ea typeface="宋体" panose="02010600030101010101" pitchFamily="2" charset="-122"/>
+                <a:cs typeface="Times New Roman" panose="02020603050405020304" pitchFamily="18" charset="0"/>
+              </a:rPr>
+              <a:t>mynum</a:t>
+            </a:r>
+            <a:r>
+              <a:rPr lang="en-US" altLang="zh-CN" dirty="0">
+                <a:latin typeface="Times New Roman" panose="02020603050405020304" pitchFamily="18" charset="0"/>
+                <a:ea typeface="宋体" panose="02010600030101010101" pitchFamily="2" charset="-122"/>
+                <a:cs typeface="Times New Roman" panose="02020603050405020304" pitchFamily="18" charset="0"/>
+              </a:rPr>
+              <a:t>[num]= </a:t>
+            </a:r>
+            <a:r>
+              <a:rPr lang="en-US" altLang="zh-CN" dirty="0" err="1">
+                <a:latin typeface="Times New Roman" panose="02020603050405020304" pitchFamily="18" charset="0"/>
+                <a:ea typeface="宋体" panose="02010600030101010101" pitchFamily="2" charset="-122"/>
+                <a:cs typeface="Times New Roman" panose="02020603050405020304" pitchFamily="18" charset="0"/>
+              </a:rPr>
+              <a:t>big_rand</a:t>
+            </a:r>
+            <a:r>
+              <a:rPr lang="en-US" altLang="zh-CN" dirty="0">
+                <a:latin typeface="Times New Roman" panose="02020603050405020304" pitchFamily="18" charset="0"/>
+                <a:ea typeface="宋体" panose="02010600030101010101" pitchFamily="2" charset="-122"/>
+                <a:cs typeface="Times New Roman" panose="02020603050405020304" pitchFamily="18" charset="0"/>
+              </a:rPr>
+              <a:t>;         //</a:t>
+            </a:r>
+            <a:r>
+              <a:rPr lang="zh-CN" altLang="en-US" dirty="0">
+                <a:latin typeface="Times New Roman" panose="02020603050405020304" pitchFamily="18" charset="0"/>
+                <a:ea typeface="宋体" panose="02010600030101010101" pitchFamily="2" charset="-122"/>
+                <a:cs typeface="Times New Roman" panose="02020603050405020304" pitchFamily="18" charset="0"/>
+              </a:rPr>
+              <a:t>记录随机数</a:t>
+            </a:r>
+          </a:p>
+          <a:p>
+            <a:pPr marL="0" indent="0">
+              <a:buNone/>
+            </a:pPr>
+            <a:r>
+              <a:rPr lang="zh-CN" altLang="en-US" dirty="0">
+                <a:latin typeface="Times New Roman" panose="02020603050405020304" pitchFamily="18" charset="0"/>
+                <a:ea typeface="宋体" panose="02010600030101010101" pitchFamily="2" charset="-122"/>
+                <a:cs typeface="Times New Roman" panose="02020603050405020304" pitchFamily="18" charset="0"/>
+              </a:rPr>
+              <a:t>     </a:t>
+            </a:r>
+            <a:r>
+              <a:rPr lang="en-US" altLang="zh-CN" dirty="0">
+                <a:latin typeface="Times New Roman" panose="02020603050405020304" pitchFamily="18" charset="0"/>
+                <a:ea typeface="宋体" panose="02010600030101010101" pitchFamily="2" charset="-122"/>
+                <a:cs typeface="Times New Roman" panose="02020603050405020304" pitchFamily="18" charset="0"/>
+              </a:rPr>
+              <a:t>num++;                                     //</a:t>
+            </a:r>
+            <a:r>
+              <a:rPr lang="zh-CN" altLang="en-US" dirty="0">
+                <a:latin typeface="Times New Roman" panose="02020603050405020304" pitchFamily="18" charset="0"/>
+                <a:ea typeface="宋体" panose="02010600030101010101" pitchFamily="2" charset="-122"/>
+                <a:cs typeface="Times New Roman" panose="02020603050405020304" pitchFamily="18" charset="0"/>
+              </a:rPr>
+              <a:t>记录随机数的数量</a:t>
+            </a:r>
+          </a:p>
+          <a:p>
+            <a:pPr marL="0" indent="0">
+              <a:buNone/>
+            </a:pPr>
+            <a:r>
+              <a:rPr lang="en-US" altLang="zh-CN" dirty="0">
+                <a:latin typeface="Times New Roman" panose="02020603050405020304" pitchFamily="18" charset="0"/>
+                <a:ea typeface="宋体" panose="02010600030101010101" pitchFamily="2" charset="-122"/>
+                <a:cs typeface="Times New Roman" panose="02020603050405020304" pitchFamily="18" charset="0"/>
+              </a:rPr>
+              <a:t>}</a:t>
+            </a:r>
+            <a:endParaRPr lang="zh-CN" altLang="en-US" dirty="0">
+              <a:latin typeface="Times New Roman" panose="02020603050405020304" pitchFamily="18" charset="0"/>
+              <a:ea typeface="宋体" panose="02010600030101010101" pitchFamily="2" charset="-122"/>
+              <a:cs typeface="Times New Roman" panose="02020603050405020304" pitchFamily="18" charset="0"/>
+            </a:endParaRPr>
+          </a:p>
+        </p:txBody>
+      </p:sp>
+      <p:sp>
+        <p:nvSpPr>
+          <p:cNvPr id="4" name="页脚占位符 3">
+            <a:extLst>
+              <a:ext uri="{FF2B5EF4-FFF2-40B4-BE49-F238E27FC236}">
+                <a16:creationId xmlns:a16="http://schemas.microsoft.com/office/drawing/2014/main" id="{29C9813E-D410-4C38-97F8-AFFC8910AC26}"/>
+              </a:ext>
+            </a:extLst>
+          </p:cNvPr>
+          <p:cNvSpPr>
+            <a:spLocks noGrp="1"/>
+          </p:cNvSpPr>
+          <p:nvPr>
+            <p:ph type="ftr" sz="quarter" idx="11"/>
+          </p:nvPr>
+        </p:nvSpPr>
+        <p:spPr/>
+        <p:txBody>
+          <a:bodyPr/>
+          <a:lstStyle/>
+          <a:p>
+            <a:r>
+              <a:rPr lang="zh-CN" altLang="en-US"/>
+              <a:t>华东理工大学 罗勇军</a:t>
+            </a:r>
+          </a:p>
+        </p:txBody>
+      </p:sp>
+    </p:spTree>
+    <p:extLst>
+      <p:ext uri="{BB962C8B-B14F-4D97-AF65-F5344CB8AC3E}">
+        <p14:creationId xmlns:p14="http://schemas.microsoft.com/office/powerpoint/2010/main" val="3476120880"/>
+      </p:ext>
+    </p:extLst>
+  </p:cSld>
+  <p:clrMapOvr>
+    <a:masterClrMapping/>
+  </p:clrMapOvr>
+</p:sld>
+</file>
+
+<file path=ppt/slides/slide12.xml><?xml version="1.0" encoding="utf-8"?>
+<p:sld xmlns:a="http://schemas.openxmlformats.org/drawingml/2006/main" xmlns:r="http://schemas.openxmlformats.org/officeDocument/2006/relationships" xmlns:p="http://schemas.openxmlformats.org/presentationml/2006/main">
+  <p:cSld>
+    <p:spTree>
+      <p:nvGrpSpPr>
+        <p:cNvPr id="1" name=""/>
+        <p:cNvGrpSpPr/>
+        <p:nvPr/>
+      </p:nvGrpSpPr>
+      <p:grpSpPr>
+        <a:xfrm>
+          <a:off x="0" y="0"/>
+          <a:ext cx="0" cy="0"/>
+          <a:chOff x="0" y="0"/>
+          <a:chExt cx="0" cy="0"/>
+        </a:xfrm>
+      </p:grpSpPr>
+      <p:sp>
+        <p:nvSpPr>
+          <p:cNvPr id="3" name="内容占位符 2">
+            <a:extLst>
+              <a:ext uri="{FF2B5EF4-FFF2-40B4-BE49-F238E27FC236}">
+                <a16:creationId xmlns:a16="http://schemas.microsoft.com/office/drawing/2014/main" id="{497B83A6-4363-4BC6-AA24-DD8F22915B7D}"/>
+              </a:ext>
+            </a:extLst>
+          </p:cNvPr>
+          <p:cNvSpPr>
+            <a:spLocks noGrp="1"/>
+          </p:cNvSpPr>
+          <p:nvPr>
+            <p:ph idx="1"/>
+          </p:nvPr>
+        </p:nvSpPr>
+        <p:spPr/>
+        <p:txBody>
+          <a:bodyPr/>
+          <a:lstStyle/>
+          <a:p>
+            <a:r>
+              <a:rPr lang="en-US" altLang="zh-CN" dirty="0" err="1">
+                <a:latin typeface="宋体" panose="02010600030101010101" pitchFamily="2" charset="-122"/>
+                <a:ea typeface="宋体" panose="02010600030101010101" pitchFamily="2" charset="-122"/>
+              </a:rPr>
+              <a:t>Hdu</a:t>
+            </a:r>
+            <a:r>
+              <a:rPr lang="en-US" altLang="zh-CN" dirty="0">
+                <a:latin typeface="宋体" panose="02010600030101010101" pitchFamily="2" charset="-122"/>
+                <a:ea typeface="宋体" panose="02010600030101010101" pitchFamily="2" charset="-122"/>
+              </a:rPr>
+              <a:t> 1425</a:t>
+            </a:r>
+            <a:r>
+              <a:rPr lang="zh-CN" altLang="en-US" dirty="0">
+                <a:latin typeface="宋体" panose="02010600030101010101" pitchFamily="2" charset="-122"/>
+                <a:ea typeface="宋体" panose="02010600030101010101" pitchFamily="2" charset="-122"/>
+              </a:rPr>
+              <a:t>的测试数据构造程序：</a:t>
+            </a:r>
+            <a:endParaRPr lang="en-US" altLang="zh-CN" dirty="0">
+              <a:latin typeface="宋体" panose="02010600030101010101" pitchFamily="2" charset="-122"/>
+              <a:ea typeface="宋体" panose="02010600030101010101" pitchFamily="2" charset="-122"/>
+            </a:endParaRPr>
+          </a:p>
+          <a:p>
+            <a:endParaRPr lang="en-US" altLang="zh-CN" dirty="0">
+              <a:latin typeface="宋体" panose="02010600030101010101" pitchFamily="2" charset="-122"/>
+              <a:ea typeface="宋体" panose="02010600030101010101" pitchFamily="2" charset="-122"/>
+            </a:endParaRPr>
+          </a:p>
+          <a:p>
+            <a:endParaRPr lang="en-US" altLang="zh-CN" dirty="0">
+              <a:latin typeface="宋体" panose="02010600030101010101" pitchFamily="2" charset="-122"/>
+              <a:ea typeface="宋体" panose="02010600030101010101" pitchFamily="2" charset="-122"/>
+            </a:endParaRPr>
+          </a:p>
+          <a:p>
+            <a:r>
+              <a:rPr lang="zh-CN" altLang="en-US" dirty="0">
+                <a:latin typeface="宋体" panose="02010600030101010101" pitchFamily="2" charset="-122"/>
+                <a:ea typeface="宋体" panose="02010600030101010101" pitchFamily="2" charset="-122"/>
+              </a:rPr>
+              <a:t>经一次测试，生成的</a:t>
+            </a:r>
+            <a:r>
+              <a:rPr lang="en-US" altLang="zh-CN" dirty="0">
+                <a:latin typeface="宋体" panose="02010600030101010101" pitchFamily="2" charset="-122"/>
+                <a:ea typeface="宋体" panose="02010600030101010101" pitchFamily="2" charset="-122"/>
+              </a:rPr>
+              <a:t>100</a:t>
+            </a:r>
+            <a:r>
+              <a:rPr lang="zh-CN" altLang="en-US" dirty="0">
+                <a:latin typeface="宋体" panose="02010600030101010101" pitchFamily="2" charset="-122"/>
+                <a:ea typeface="宋体" panose="02010600030101010101" pitchFamily="2" charset="-122"/>
+              </a:rPr>
+              <a:t>万个随机数，有约</a:t>
+            </a:r>
+            <a:r>
+              <a:rPr lang="en-US" altLang="zh-CN" dirty="0">
+                <a:latin typeface="宋体" panose="02010600030101010101" pitchFamily="2" charset="-122"/>
+                <a:ea typeface="宋体" panose="02010600030101010101" pitchFamily="2" charset="-122"/>
+              </a:rPr>
+              <a:t>63</a:t>
+            </a:r>
+            <a:r>
+              <a:rPr lang="zh-CN" altLang="en-US" dirty="0">
+                <a:latin typeface="宋体" panose="02010600030101010101" pitchFamily="2" charset="-122"/>
+                <a:ea typeface="宋体" panose="02010600030101010101" pitchFamily="2" charset="-122"/>
+              </a:rPr>
+              <a:t>万个不重复。</a:t>
+            </a:r>
+          </a:p>
+        </p:txBody>
+      </p:sp>
+      <p:sp>
+        <p:nvSpPr>
+          <p:cNvPr id="5" name="页脚占位符 4">
+            <a:extLst>
+              <a:ext uri="{FF2B5EF4-FFF2-40B4-BE49-F238E27FC236}">
+                <a16:creationId xmlns:a16="http://schemas.microsoft.com/office/drawing/2014/main" id="{2AFEA7B6-0BEF-478B-AF74-250B5C764E8F}"/>
+              </a:ext>
+            </a:extLst>
+          </p:cNvPr>
+          <p:cNvSpPr>
+            <a:spLocks noGrp="1"/>
+          </p:cNvSpPr>
+          <p:nvPr>
+            <p:ph type="ftr" sz="quarter" idx="11"/>
+          </p:nvPr>
+        </p:nvSpPr>
+        <p:spPr/>
+        <p:txBody>
+          <a:bodyPr/>
+          <a:lstStyle/>
+          <a:p>
+            <a:r>
+              <a:rPr lang="zh-CN" altLang="en-US"/>
+              <a:t>华东理工大学 罗勇军</a:t>
+            </a:r>
+          </a:p>
+        </p:txBody>
+      </p:sp>
+      <p:graphicFrame>
+        <p:nvGraphicFramePr>
+          <p:cNvPr id="2" name="对象 1">
+            <a:extLst>
+              <a:ext uri="{FF2B5EF4-FFF2-40B4-BE49-F238E27FC236}">
+                <a16:creationId xmlns:a16="http://schemas.microsoft.com/office/drawing/2014/main" id="{F4DA004F-E27E-4EFD-85A4-9CCF2F492945}"/>
+              </a:ext>
+            </a:extLst>
+          </p:cNvPr>
+          <p:cNvGraphicFramePr>
+            <a:graphicFrameLocks noChangeAspect="1"/>
+          </p:cNvGraphicFramePr>
+          <p:nvPr>
+            <p:extLst>
+              <p:ext uri="{D42A27DB-BD31-4B8C-83A1-F6EECF244321}">
+                <p14:modId xmlns:p14="http://schemas.microsoft.com/office/powerpoint/2010/main" val="3487517250"/>
+              </p:ext>
+            </p:extLst>
+          </p:nvPr>
+        </p:nvGraphicFramePr>
+        <p:xfrm>
+          <a:off x="6115050" y="1504950"/>
+          <a:ext cx="2767392" cy="1114682"/>
+        </p:xfrm>
+        <a:graphic>
+          <a:graphicData uri="http://schemas.openxmlformats.org/presentationml/2006/ole">
+            <mc:AlternateContent xmlns:mc="http://schemas.openxmlformats.org/markup-compatibility/2006">
+              <mc:Choice xmlns:v="urn:schemas-microsoft-com:vml" Requires="v">
+                <p:oleObj spid="_x0000_s1217" name="包装程序外壳对象" showAsIcon="1" r:id="rId3" imgW="1591560" imgH="641880" progId="Package">
+                  <p:embed/>
+                </p:oleObj>
+              </mc:Choice>
+              <mc:Fallback>
+                <p:oleObj name="包装程序外壳对象" showAsIcon="1" r:id="rId3" imgW="1591560" imgH="641880" progId="Package">
+                  <p:embed/>
+                  <p:pic>
+                    <p:nvPicPr>
+                      <p:cNvPr id="0" name=""/>
+                      <p:cNvPicPr/>
+                      <p:nvPr/>
+                    </p:nvPicPr>
+                    <p:blipFill>
+                      <a:blip r:embed="rId4"/>
+                      <a:stretch>
+                        <a:fillRect/>
+                      </a:stretch>
+                    </p:blipFill>
+                    <p:spPr>
+                      <a:xfrm>
+                        <a:off x="6115050" y="1504950"/>
+                        <a:ext cx="2767392" cy="1114682"/>
+                      </a:xfrm>
+                      <a:prstGeom prst="rect">
+                        <a:avLst/>
+                      </a:prstGeom>
+                    </p:spPr>
+                  </p:pic>
+                </p:oleObj>
+              </mc:Fallback>
+            </mc:AlternateContent>
+          </a:graphicData>
+        </a:graphic>
+      </p:graphicFrame>
+    </p:spTree>
+    <p:extLst>
+      <p:ext uri="{BB962C8B-B14F-4D97-AF65-F5344CB8AC3E}">
+        <p14:creationId xmlns:p14="http://schemas.microsoft.com/office/powerpoint/2010/main" val="354233977"/>
+      </p:ext>
+    </p:extLst>
+  </p:cSld>
+  <p:clrMapOvr>
+    <a:masterClrMapping/>
+  </p:clrMapOvr>
+</p:sld>
+</file>
+
+<file path=ppt/slides/slide13.xml><?xml version="1.0" encoding="utf-8"?>
 <p:sld xmlns:a="http://schemas.openxmlformats.org/drawingml/2006/main" xmlns:r="http://schemas.openxmlformats.org/officeDocument/2006/relationships" xmlns:p="http://schemas.openxmlformats.org/presentationml/2006/main">
   <p:cSld>
     <p:spTree>
@@ -3964,7 +5196,7 @@
         </p:blipFill>
         <p:spPr>
           <a:xfrm>
-            <a:off x="1295975" y="2883501"/>
+            <a:off x="938315" y="2589473"/>
             <a:ext cx="6770219" cy="675245"/>
           </a:xfrm>
           <a:prstGeom prst="rect">
@@ -3972,10 +5204,413 @@
           </a:prstGeom>
         </p:spPr>
       </p:pic>
+      <p:sp>
+        <p:nvSpPr>
+          <p:cNvPr id="6" name="内容占位符 2">
+            <a:extLst>
+              <a:ext uri="{FF2B5EF4-FFF2-40B4-BE49-F238E27FC236}">
+                <a16:creationId xmlns:a16="http://schemas.microsoft.com/office/drawing/2014/main" id="{787A7649-3F97-4646-9AC5-D639A93624F0}"/>
+              </a:ext>
+            </a:extLst>
+          </p:cNvPr>
+          <p:cNvSpPr txBox="1">
+            <a:spLocks/>
+          </p:cNvSpPr>
+          <p:nvPr/>
+        </p:nvSpPr>
+        <p:spPr>
+          <a:xfrm>
+            <a:off x="938315" y="3429000"/>
+            <a:ext cx="7886700" cy="4351338"/>
+          </a:xfrm>
+          <a:prstGeom prst="rect">
+            <a:avLst/>
+          </a:prstGeom>
+        </p:spPr>
+        <p:txBody>
+          <a:bodyPr vert="horz" lIns="91440" tIns="45720" rIns="91440" bIns="45720" rtlCol="0">
+            <a:normAutofit/>
+          </a:bodyPr>
+          <a:lstStyle>
+            <a:lvl1pPr marL="228600" indent="-228600" algn="l" defTabSz="914400" rtl="0" eaLnBrk="1" latinLnBrk="0" hangingPunct="1">
+              <a:lnSpc>
+                <a:spcPct val="90000"/>
+              </a:lnSpc>
+              <a:spcBef>
+                <a:spcPts val="1000"/>
+              </a:spcBef>
+              <a:buFont typeface="Arial" panose="020B0604020202020204" pitchFamily="34" charset="0"/>
+              <a:buChar char="•"/>
+              <a:defRPr sz="2800" kern="1200">
+                <a:solidFill>
+                  <a:schemeClr val="tx1"/>
+                </a:solidFill>
+                <a:latin typeface="+mn-lt"/>
+                <a:ea typeface="+mn-ea"/>
+                <a:cs typeface="+mn-cs"/>
+              </a:defRPr>
+            </a:lvl1pPr>
+            <a:lvl2pPr marL="685800" indent="-228600" algn="l" defTabSz="914400" rtl="0" eaLnBrk="1" latinLnBrk="0" hangingPunct="1">
+              <a:lnSpc>
+                <a:spcPct val="90000"/>
+              </a:lnSpc>
+              <a:spcBef>
+                <a:spcPts val="500"/>
+              </a:spcBef>
+              <a:buFont typeface="Arial" panose="020B0604020202020204" pitchFamily="34" charset="0"/>
+              <a:buChar char="•"/>
+              <a:defRPr sz="2400" kern="1200">
+                <a:solidFill>
+                  <a:schemeClr val="tx1"/>
+                </a:solidFill>
+                <a:latin typeface="+mn-lt"/>
+                <a:ea typeface="+mn-ea"/>
+                <a:cs typeface="+mn-cs"/>
+              </a:defRPr>
+            </a:lvl2pPr>
+            <a:lvl3pPr marL="1143000" indent="-228600" algn="l" defTabSz="914400" rtl="0" eaLnBrk="1" latinLnBrk="0" hangingPunct="1">
+              <a:lnSpc>
+                <a:spcPct val="90000"/>
+              </a:lnSpc>
+              <a:spcBef>
+                <a:spcPts val="500"/>
+              </a:spcBef>
+              <a:buFont typeface="Arial" panose="020B0604020202020204" pitchFamily="34" charset="0"/>
+              <a:buChar char="•"/>
+              <a:defRPr sz="2000" kern="1200">
+                <a:solidFill>
+                  <a:schemeClr val="tx1"/>
+                </a:solidFill>
+                <a:latin typeface="+mn-lt"/>
+                <a:ea typeface="+mn-ea"/>
+                <a:cs typeface="+mn-cs"/>
+              </a:defRPr>
+            </a:lvl3pPr>
+            <a:lvl4pPr marL="1600200" indent="-228600" algn="l" defTabSz="914400" rtl="0" eaLnBrk="1" latinLnBrk="0" hangingPunct="1">
+              <a:lnSpc>
+                <a:spcPct val="90000"/>
+              </a:lnSpc>
+              <a:spcBef>
+                <a:spcPts val="500"/>
+              </a:spcBef>
+              <a:buFont typeface="Arial" panose="020B0604020202020204" pitchFamily="34" charset="0"/>
+              <a:buChar char="•"/>
+              <a:defRPr sz="1800" kern="1200">
+                <a:solidFill>
+                  <a:schemeClr val="tx1"/>
+                </a:solidFill>
+                <a:latin typeface="+mn-lt"/>
+                <a:ea typeface="+mn-ea"/>
+                <a:cs typeface="+mn-cs"/>
+              </a:defRPr>
+            </a:lvl4pPr>
+            <a:lvl5pPr marL="2057400" indent="-228600" algn="l" defTabSz="914400" rtl="0" eaLnBrk="1" latinLnBrk="0" hangingPunct="1">
+              <a:lnSpc>
+                <a:spcPct val="90000"/>
+              </a:lnSpc>
+              <a:spcBef>
+                <a:spcPts val="500"/>
+              </a:spcBef>
+              <a:buFont typeface="Arial" panose="020B0604020202020204" pitchFamily="34" charset="0"/>
+              <a:buChar char="•"/>
+              <a:defRPr sz="1800" kern="1200">
+                <a:solidFill>
+                  <a:schemeClr val="tx1"/>
+                </a:solidFill>
+                <a:latin typeface="+mn-lt"/>
+                <a:ea typeface="+mn-ea"/>
+                <a:cs typeface="+mn-cs"/>
+              </a:defRPr>
+            </a:lvl5pPr>
+            <a:lvl6pPr marL="2514600" indent="-228600" algn="l" defTabSz="914400" rtl="0" eaLnBrk="1" latinLnBrk="0" hangingPunct="1">
+              <a:lnSpc>
+                <a:spcPct val="90000"/>
+              </a:lnSpc>
+              <a:spcBef>
+                <a:spcPts val="500"/>
+              </a:spcBef>
+              <a:buFont typeface="Arial" panose="020B0604020202020204" pitchFamily="34" charset="0"/>
+              <a:buChar char="•"/>
+              <a:defRPr sz="1800" kern="1200">
+                <a:solidFill>
+                  <a:schemeClr val="tx1"/>
+                </a:solidFill>
+                <a:latin typeface="+mn-lt"/>
+                <a:ea typeface="+mn-ea"/>
+                <a:cs typeface="+mn-cs"/>
+              </a:defRPr>
+            </a:lvl6pPr>
+            <a:lvl7pPr marL="2971800" indent="-228600" algn="l" defTabSz="914400" rtl="0" eaLnBrk="1" latinLnBrk="0" hangingPunct="1">
+              <a:lnSpc>
+                <a:spcPct val="90000"/>
+              </a:lnSpc>
+              <a:spcBef>
+                <a:spcPts val="500"/>
+              </a:spcBef>
+              <a:buFont typeface="Arial" panose="020B0604020202020204" pitchFamily="34" charset="0"/>
+              <a:buChar char="•"/>
+              <a:defRPr sz="1800" kern="1200">
+                <a:solidFill>
+                  <a:schemeClr val="tx1"/>
+                </a:solidFill>
+                <a:latin typeface="+mn-lt"/>
+                <a:ea typeface="+mn-ea"/>
+                <a:cs typeface="+mn-cs"/>
+              </a:defRPr>
+            </a:lvl7pPr>
+            <a:lvl8pPr marL="3429000" indent="-228600" algn="l" defTabSz="914400" rtl="0" eaLnBrk="1" latinLnBrk="0" hangingPunct="1">
+              <a:lnSpc>
+                <a:spcPct val="90000"/>
+              </a:lnSpc>
+              <a:spcBef>
+                <a:spcPts val="500"/>
+              </a:spcBef>
+              <a:buFont typeface="Arial" panose="020B0604020202020204" pitchFamily="34" charset="0"/>
+              <a:buChar char="•"/>
+              <a:defRPr sz="1800" kern="1200">
+                <a:solidFill>
+                  <a:schemeClr val="tx1"/>
+                </a:solidFill>
+                <a:latin typeface="+mn-lt"/>
+                <a:ea typeface="+mn-ea"/>
+                <a:cs typeface="+mn-cs"/>
+              </a:defRPr>
+            </a:lvl8pPr>
+            <a:lvl9pPr marL="3886200" indent="-228600" algn="l" defTabSz="914400" rtl="0" eaLnBrk="1" latinLnBrk="0" hangingPunct="1">
+              <a:lnSpc>
+                <a:spcPct val="90000"/>
+              </a:lnSpc>
+              <a:spcBef>
+                <a:spcPts val="500"/>
+              </a:spcBef>
+              <a:buFont typeface="Arial" panose="020B0604020202020204" pitchFamily="34" charset="0"/>
+              <a:buChar char="•"/>
+              <a:defRPr sz="1800" kern="1200">
+                <a:solidFill>
+                  <a:schemeClr val="tx1"/>
+                </a:solidFill>
+                <a:latin typeface="+mn-lt"/>
+                <a:ea typeface="+mn-ea"/>
+                <a:cs typeface="+mn-cs"/>
+              </a:defRPr>
+            </a:lvl9pPr>
+          </a:lstStyle>
+          <a:p>
+            <a:pPr marL="0" indent="0">
+              <a:buFont typeface="Arial" panose="020B0604020202020204" pitchFamily="34" charset="0"/>
+              <a:buNone/>
+            </a:pPr>
+            <a:r>
+              <a:rPr lang="zh-CN" altLang="en-US" dirty="0">
+                <a:latin typeface="DejaVu Sans Mono" panose="020B0609030804020204" pitchFamily="49" charset="0"/>
+                <a:ea typeface="DejaVu Sans Mono" panose="020B0609030804020204" pitchFamily="49" charset="0"/>
+              </a:rPr>
+              <a:t>或：</a:t>
+            </a:r>
+            <a:endParaRPr lang="en-US" altLang="zh-CN" dirty="0">
+              <a:latin typeface="DejaVu Sans Mono" panose="020B0609030804020204" pitchFamily="49" charset="0"/>
+              <a:ea typeface="DejaVu Sans Mono" panose="020B0609030804020204" pitchFamily="49" charset="0"/>
+            </a:endParaRPr>
+          </a:p>
+          <a:p>
+            <a:pPr marL="0" indent="0">
+              <a:buFont typeface="Arial" panose="020B0604020202020204" pitchFamily="34" charset="0"/>
+              <a:buNone/>
+            </a:pPr>
+            <a:r>
+              <a:rPr lang="zh-CN" altLang="en-US" dirty="0">
+                <a:latin typeface="DejaVu Sans Mono" panose="020B0609030804020204" pitchFamily="49" charset="0"/>
+                <a:ea typeface="DejaVu Sans Mono" panose="020B0609030804020204" pitchFamily="49" charset="0"/>
+              </a:rPr>
+              <a:t>生成输入文件 </a:t>
+            </a:r>
+            <a:r>
+              <a:rPr lang="en-US" altLang="zh-CN" dirty="0">
+                <a:latin typeface="DejaVu Sans Mono" panose="020B0609030804020204" pitchFamily="49" charset="0"/>
+                <a:ea typeface="DejaVu Sans Mono" panose="020B0609030804020204" pitchFamily="49" charset="0"/>
+              </a:rPr>
+              <a:t>data.in</a:t>
+            </a:r>
+            <a:r>
+              <a:rPr lang="zh-CN" altLang="en-US" dirty="0">
+                <a:latin typeface="DejaVu Sans Mono" panose="020B0609030804020204" pitchFamily="49" charset="0"/>
+                <a:ea typeface="DejaVu Sans Mono" panose="020B0609030804020204" pitchFamily="49" charset="0"/>
+              </a:rPr>
+              <a:t>：</a:t>
+            </a:r>
+            <a:endParaRPr lang="en-US" altLang="zh-CN" dirty="0">
+              <a:latin typeface="DejaVu Sans Mono" panose="020B0609030804020204" pitchFamily="49" charset="0"/>
+              <a:ea typeface="DejaVu Sans Mono" panose="020B0609030804020204" pitchFamily="49" charset="0"/>
+            </a:endParaRPr>
+          </a:p>
+          <a:p>
+            <a:pPr marL="0" indent="0">
+              <a:buFont typeface="Arial" panose="020B0604020202020204" pitchFamily="34" charset="0"/>
+              <a:buNone/>
+            </a:pPr>
+            <a:r>
+              <a:rPr lang="en-US" altLang="zh-CN" dirty="0" err="1">
+                <a:latin typeface="DejaVu Sans Mono" panose="020B0609030804020204" pitchFamily="49" charset="0"/>
+                <a:ea typeface="DejaVu Sans Mono" panose="020B0609030804020204" pitchFamily="49" charset="0"/>
+              </a:rPr>
+              <a:t>freopen</a:t>
+            </a:r>
+            <a:r>
+              <a:rPr lang="en-US" altLang="zh-CN" dirty="0">
+                <a:latin typeface="DejaVu Sans Mono" panose="020B0609030804020204" pitchFamily="49" charset="0"/>
+                <a:ea typeface="DejaVu Sans Mono" panose="020B0609030804020204" pitchFamily="49" charset="0"/>
+              </a:rPr>
+              <a:t>(“data.in”, “w”, </a:t>
+            </a:r>
+            <a:r>
+              <a:rPr lang="en-US" altLang="zh-CN" dirty="0" err="1">
+                <a:latin typeface="DejaVu Sans Mono" panose="020B0609030804020204" pitchFamily="49" charset="0"/>
+                <a:ea typeface="DejaVu Sans Mono" panose="020B0609030804020204" pitchFamily="49" charset="0"/>
+              </a:rPr>
+              <a:t>stdout</a:t>
+            </a:r>
+            <a:r>
+              <a:rPr lang="en-US" altLang="zh-CN" dirty="0">
+                <a:latin typeface="DejaVu Sans Mono" panose="020B0609030804020204" pitchFamily="49" charset="0"/>
+                <a:ea typeface="DejaVu Sans Mono" panose="020B0609030804020204" pitchFamily="49" charset="0"/>
+              </a:rPr>
+              <a:t>);</a:t>
+            </a:r>
+            <a:endParaRPr lang="en-US" altLang="zh-CN" dirty="0">
+              <a:solidFill>
+                <a:srgbClr val="0070C0"/>
+              </a:solidFill>
+              <a:latin typeface="DejaVu Sans Mono" panose="020B0609030804020204" pitchFamily="49" charset="0"/>
+              <a:ea typeface="DejaVu Sans Mono" panose="020B0609030804020204" pitchFamily="49" charset="0"/>
+            </a:endParaRPr>
+          </a:p>
+          <a:p>
+            <a:pPr marL="0" indent="0">
+              <a:buFont typeface="Arial" panose="020B0604020202020204" pitchFamily="34" charset="0"/>
+              <a:buNone/>
+            </a:pPr>
+            <a:r>
+              <a:rPr lang="zh-CN" altLang="en-US" dirty="0">
+                <a:latin typeface="DejaVu Sans Mono" panose="020B0609030804020204" pitchFamily="49" charset="0"/>
+                <a:ea typeface="宋体" panose="02010600030101010101" pitchFamily="2" charset="-122"/>
+              </a:rPr>
+              <a:t>根据输入生成输出文件 </a:t>
+            </a:r>
+            <a:r>
+              <a:rPr lang="en-US" altLang="zh-CN" dirty="0" err="1">
+                <a:latin typeface="DejaVu Sans Mono" panose="020B0609030804020204" pitchFamily="49" charset="0"/>
+                <a:ea typeface="宋体" panose="02010600030101010101" pitchFamily="2" charset="-122"/>
+              </a:rPr>
+              <a:t>data.out</a:t>
+            </a:r>
+            <a:r>
+              <a:rPr lang="zh-CN" altLang="en-US" dirty="0">
+                <a:latin typeface="DejaVu Sans Mono" panose="020B0609030804020204" pitchFamily="49" charset="0"/>
+                <a:ea typeface="宋体" panose="02010600030101010101" pitchFamily="2" charset="-122"/>
+              </a:rPr>
+              <a:t>：</a:t>
+            </a:r>
+            <a:endParaRPr lang="en-US" altLang="zh-CN" dirty="0">
+              <a:latin typeface="DejaVu Sans Mono" panose="020B0609030804020204" pitchFamily="49" charset="0"/>
+              <a:ea typeface="宋体" panose="02010600030101010101" pitchFamily="2" charset="-122"/>
+            </a:endParaRPr>
+          </a:p>
+          <a:p>
+            <a:pPr marL="0" indent="0">
+              <a:buNone/>
+            </a:pPr>
+            <a:r>
+              <a:rPr lang="en-US" altLang="zh-CN" dirty="0" err="1">
+                <a:latin typeface="DejaVu Sans Mono" panose="020B0609030804020204" pitchFamily="49" charset="0"/>
+                <a:ea typeface="DejaVu Sans Mono" panose="020B0609030804020204" pitchFamily="49" charset="0"/>
+              </a:rPr>
+              <a:t>freopen</a:t>
+            </a:r>
+            <a:r>
+              <a:rPr lang="en-US" altLang="zh-CN" dirty="0">
+                <a:latin typeface="DejaVu Sans Mono" panose="020B0609030804020204" pitchFamily="49" charset="0"/>
+                <a:ea typeface="DejaVu Sans Mono" panose="020B0609030804020204" pitchFamily="49" charset="0"/>
+              </a:rPr>
+              <a:t>(“data.in”, “r”, stdin);</a:t>
+            </a:r>
+            <a:endParaRPr lang="en-US" altLang="zh-CN" dirty="0">
+              <a:solidFill>
+                <a:srgbClr val="0070C0"/>
+              </a:solidFill>
+              <a:latin typeface="DejaVu Sans Mono" panose="020B0609030804020204" pitchFamily="49" charset="0"/>
+              <a:ea typeface="DejaVu Sans Mono" panose="020B0609030804020204" pitchFamily="49" charset="0"/>
+            </a:endParaRPr>
+          </a:p>
+          <a:p>
+            <a:pPr marL="0" indent="0">
+              <a:buNone/>
+            </a:pPr>
+            <a:r>
+              <a:rPr lang="en-US" altLang="zh-CN" dirty="0" err="1">
+                <a:latin typeface="DejaVu Sans Mono" panose="020B0609030804020204" pitchFamily="49" charset="0"/>
+                <a:ea typeface="DejaVu Sans Mono" panose="020B0609030804020204" pitchFamily="49" charset="0"/>
+              </a:rPr>
+              <a:t>freopen</a:t>
+            </a:r>
+            <a:r>
+              <a:rPr lang="en-US" altLang="zh-CN" dirty="0">
+                <a:latin typeface="DejaVu Sans Mono" panose="020B0609030804020204" pitchFamily="49" charset="0"/>
+                <a:ea typeface="DejaVu Sans Mono" panose="020B0609030804020204" pitchFamily="49" charset="0"/>
+              </a:rPr>
+              <a:t>(“</a:t>
+            </a:r>
+            <a:r>
+              <a:rPr lang="en-US" altLang="zh-CN" dirty="0" err="1">
+                <a:latin typeface="DejaVu Sans Mono" panose="020B0609030804020204" pitchFamily="49" charset="0"/>
+                <a:ea typeface="DejaVu Sans Mono" panose="020B0609030804020204" pitchFamily="49" charset="0"/>
+              </a:rPr>
+              <a:t>data.out</a:t>
+            </a:r>
+            <a:r>
+              <a:rPr lang="en-US" altLang="zh-CN" dirty="0">
+                <a:latin typeface="DejaVu Sans Mono" panose="020B0609030804020204" pitchFamily="49" charset="0"/>
+                <a:ea typeface="DejaVu Sans Mono" panose="020B0609030804020204" pitchFamily="49" charset="0"/>
+              </a:rPr>
+              <a:t>”, “w”, </a:t>
+            </a:r>
+            <a:r>
+              <a:rPr lang="en-US" altLang="zh-CN" dirty="0" err="1">
+                <a:latin typeface="DejaVu Sans Mono" panose="020B0609030804020204" pitchFamily="49" charset="0"/>
+                <a:ea typeface="DejaVu Sans Mono" panose="020B0609030804020204" pitchFamily="49" charset="0"/>
+              </a:rPr>
+              <a:t>stdout</a:t>
+            </a:r>
+            <a:r>
+              <a:rPr lang="en-US" altLang="zh-CN" dirty="0">
+                <a:latin typeface="DejaVu Sans Mono" panose="020B0609030804020204" pitchFamily="49" charset="0"/>
+                <a:ea typeface="DejaVu Sans Mono" panose="020B0609030804020204" pitchFamily="49" charset="0"/>
+              </a:rPr>
+              <a:t>);</a:t>
+            </a:r>
+            <a:endParaRPr lang="en-US" altLang="zh-CN" dirty="0">
+              <a:solidFill>
+                <a:srgbClr val="0070C0"/>
+              </a:solidFill>
+              <a:latin typeface="DejaVu Sans Mono" panose="020B0609030804020204" pitchFamily="49" charset="0"/>
+              <a:ea typeface="DejaVu Sans Mono" panose="020B0609030804020204" pitchFamily="49" charset="0"/>
+            </a:endParaRPr>
+          </a:p>
+          <a:p>
+            <a:pPr marL="0" indent="0">
+              <a:buFont typeface="Arial" panose="020B0604020202020204" pitchFamily="34" charset="0"/>
+              <a:buNone/>
+            </a:pPr>
+            <a:endParaRPr lang="zh-CN" altLang="en-US" dirty="0">
+              <a:latin typeface="DejaVu Sans Mono" panose="020B0609030804020204" pitchFamily="49" charset="0"/>
+              <a:ea typeface="宋体" panose="02010600030101010101" pitchFamily="2" charset="-122"/>
+            </a:endParaRPr>
+          </a:p>
+        </p:txBody>
+      </p:sp>
     </p:spTree>
     <p:extLst>
       <p:ext uri="{BB962C8B-B14F-4D97-AF65-F5344CB8AC3E}">
-        <p14:creationId xmlns:p14="http://schemas.microsoft.com/office/powerpoint/2010/main" val="1864170137"/>
+        <p14:creationId xmlns:p14="http://schemas.microsoft.com/office/powerpoint/2010/main" val="2675381043"/>
       </p:ext>
     </p:extLst>
   </p:cSld>
@@ -3985,7 +5620,7 @@
 </p:sld>
 </file>
 
-<file path=ppt/slides/slide11.xml><?xml version="1.0" encoding="utf-8"?>
+<file path=ppt/slides/slide14.xml><?xml version="1.0" encoding="utf-8"?>
 <p:sld xmlns:a="http://schemas.openxmlformats.org/drawingml/2006/main" xmlns:r="http://schemas.openxmlformats.org/officeDocument/2006/relationships" xmlns:p="http://schemas.openxmlformats.org/presentationml/2006/main">
   <p:cSld>
     <p:spTree>
@@ -4376,7 +6011,7 @@
           <a:graphicData uri="http://schemas.openxmlformats.org/presentationml/2006/ole">
             <mc:AlternateContent xmlns:mc="http://schemas.openxmlformats.org/markup-compatibility/2006">
               <mc:Choice xmlns:v="urn:schemas-microsoft-com:vml" Requires="v">
-                <p:oleObj spid="_x0000_s2344" name="包装程序外壳对象" showAsIcon="1" r:id="rId3" imgW="1611360" imgH="641880" progId="Package">
+                <p:oleObj spid="_x0000_s2431" name="包装程序外壳对象" showAsIcon="1" r:id="rId3" imgW="1611360" imgH="641880" progId="Package">
                   <p:embed/>
                 </p:oleObj>
               </mc:Choice>
@@ -4439,7 +6074,7 @@
           <a:graphicData uri="http://schemas.openxmlformats.org/presentationml/2006/ole">
             <mc:AlternateContent xmlns:mc="http://schemas.openxmlformats.org/markup-compatibility/2006">
               <mc:Choice xmlns:v="urn:schemas-microsoft-com:vml" Requires="v">
-                <p:oleObj spid="_x0000_s2345" name="包装程序外壳对象" showAsIcon="1" r:id="rId5" imgW="1884600" imgH="641880" progId="Package">
+                <p:oleObj spid="_x0000_s2432" name="包装程序外壳对象" showAsIcon="1" r:id="rId5" imgW="1884600" imgH="641880" progId="Package">
                   <p:embed/>
                 </p:oleObj>
               </mc:Choice>
@@ -4502,7 +6137,7 @@
           <a:graphicData uri="http://schemas.openxmlformats.org/presentationml/2006/ole">
             <mc:AlternateContent xmlns:mc="http://schemas.openxmlformats.org/markup-compatibility/2006">
               <mc:Choice xmlns:v="urn:schemas-microsoft-com:vml" Requires="v">
-                <p:oleObj spid="_x0000_s2346" name="包装程序外壳对象" showAsIcon="1" r:id="rId7" imgW="1659960" imgH="641880" progId="Package">
+                <p:oleObj spid="_x0000_s2433" name="包装程序外壳对象" showAsIcon="1" r:id="rId7" imgW="1659960" imgH="641880" progId="Package">
                   <p:embed/>
                 </p:oleObj>
               </mc:Choice>
@@ -4550,7 +6185,7 @@
 </p:sld>
 </file>
 
-<file path=ppt/slides/slide12.xml><?xml version="1.0" encoding="utf-8"?>
+<file path=ppt/slides/slide15.xml><?xml version="1.0" encoding="utf-8"?>
 <p:sld xmlns:a="http://schemas.openxmlformats.org/drawingml/2006/main" xmlns:r="http://schemas.openxmlformats.org/officeDocument/2006/relationships" xmlns:p="http://schemas.openxmlformats.org/presentationml/2006/main">
   <p:cSld>
     <p:spTree>
@@ -4769,7 +6404,7 @@
 </p:sld>
 </file>
 
-<file path=ppt/slides/slide13.xml><?xml version="1.0" encoding="utf-8"?>
+<file path=ppt/slides/slide16.xml><?xml version="1.0" encoding="utf-8"?>
 <p:sld xmlns:a="http://schemas.openxmlformats.org/drawingml/2006/main" xmlns:r="http://schemas.openxmlformats.org/officeDocument/2006/relationships" xmlns:p="http://schemas.openxmlformats.org/presentationml/2006/main">
   <p:cSld>
     <p:spTree>
@@ -4927,7 +6562,7 @@
           <a:lstStyle/>
           <a:p>
             <a:r>
-              <a:rPr lang="zh-CN" altLang="en-US"/>
+              <a:rPr lang="zh-CN" altLang="en-US" dirty="0"/>
               <a:t>华东理工大学 罗勇军</a:t>
             </a:r>
           </a:p>
@@ -5176,6 +6811,182 @@
     <p:extLst>
       <p:ext uri="{BB962C8B-B14F-4D97-AF65-F5344CB8AC3E}">
         <p14:creationId xmlns:p14="http://schemas.microsoft.com/office/powerpoint/2010/main" val="2023107539"/>
+      </p:ext>
+    </p:extLst>
+  </p:cSld>
+  <p:clrMapOvr>
+    <a:masterClrMapping/>
+  </p:clrMapOvr>
+</p:sld>
+</file>
+
+<file path=ppt/slides/slide17.xml><?xml version="1.0" encoding="utf-8"?>
+<p:sld xmlns:a="http://schemas.openxmlformats.org/drawingml/2006/main" xmlns:r="http://schemas.openxmlformats.org/officeDocument/2006/relationships" xmlns:p="http://schemas.openxmlformats.org/presentationml/2006/main">
+  <p:cSld>
+    <p:spTree>
+      <p:nvGrpSpPr>
+        <p:cNvPr id="1" name=""/>
+        <p:cNvGrpSpPr/>
+        <p:nvPr/>
+      </p:nvGrpSpPr>
+      <p:grpSpPr>
+        <a:xfrm>
+          <a:off x="0" y="0"/>
+          <a:ext cx="0" cy="0"/>
+          <a:chOff x="0" y="0"/>
+          <a:chExt cx="0" cy="0"/>
+        </a:xfrm>
+      </p:grpSpPr>
+      <p:sp>
+        <p:nvSpPr>
+          <p:cNvPr id="8" name="页脚占位符 7">
+            <a:extLst>
+              <a:ext uri="{FF2B5EF4-FFF2-40B4-BE49-F238E27FC236}">
+                <a16:creationId xmlns:a16="http://schemas.microsoft.com/office/drawing/2014/main" id="{C8533028-12AC-49BA-8FF5-7CAB92F014C0}"/>
+              </a:ext>
+            </a:extLst>
+          </p:cNvPr>
+          <p:cNvSpPr>
+            <a:spLocks noGrp="1"/>
+          </p:cNvSpPr>
+          <p:nvPr>
+            <p:ph type="ftr" sz="quarter" idx="11"/>
+          </p:nvPr>
+        </p:nvSpPr>
+        <p:spPr/>
+        <p:txBody>
+          <a:bodyPr/>
+          <a:lstStyle/>
+          <a:p>
+            <a:r>
+              <a:rPr lang="zh-CN" altLang="en-US" dirty="0"/>
+              <a:t>华东理工大学 罗勇军</a:t>
+            </a:r>
+          </a:p>
+        </p:txBody>
+      </p:sp>
+      <p:sp>
+        <p:nvSpPr>
+          <p:cNvPr id="11" name="文本框 10">
+            <a:extLst>
+              <a:ext uri="{FF2B5EF4-FFF2-40B4-BE49-F238E27FC236}">
+                <a16:creationId xmlns:a16="http://schemas.microsoft.com/office/drawing/2014/main" id="{AEAF7063-AE43-4714-9F16-D17A6F20BB62}"/>
+              </a:ext>
+            </a:extLst>
+          </p:cNvPr>
+          <p:cNvSpPr txBox="1"/>
+          <p:nvPr/>
+        </p:nvSpPr>
+        <p:spPr>
+          <a:xfrm>
+            <a:off x="396668" y="656947"/>
+            <a:ext cx="7936636" cy="1569660"/>
+          </a:xfrm>
+          <a:prstGeom prst="rect">
+            <a:avLst/>
+          </a:prstGeom>
+          <a:noFill/>
+        </p:spPr>
+        <p:txBody>
+          <a:bodyPr wrap="square" rtlCol="0">
+            <a:spAutoFit/>
+          </a:bodyPr>
+          <a:lstStyle/>
+          <a:p>
+            <a:r>
+              <a:rPr lang="en-US" altLang="zh-CN" sz="2400" dirty="0"/>
+              <a:t>Python</a:t>
+            </a:r>
+            <a:r>
+              <a:rPr lang="zh-CN" altLang="en-US" sz="2400" dirty="0"/>
+              <a:t>的竞赛用</a:t>
+            </a:r>
+            <a:endParaRPr lang="en-US" altLang="zh-CN" sz="2400" dirty="0"/>
+          </a:p>
+          <a:p>
+            <a:r>
+              <a:rPr lang="zh-CN" altLang="en-US" sz="2400" dirty="0"/>
+              <a:t>随机数据的程序库，洛谷出的 </a:t>
+            </a:r>
+            <a:r>
+              <a:rPr lang="en-US" altLang="zh-CN" sz="2400" b="1" i="0" dirty="0" err="1">
+                <a:solidFill>
+                  <a:srgbClr val="24292E"/>
+                </a:solidFill>
+                <a:effectLst/>
+                <a:latin typeface="-apple-system"/>
+              </a:rPr>
+              <a:t>CYaRon</a:t>
+            </a:r>
+            <a:endParaRPr lang="en-US" altLang="zh-CN" sz="2400" dirty="0"/>
+          </a:p>
+          <a:p>
+            <a:r>
+              <a:rPr lang="en-US" altLang="zh-CN" sz="2400" dirty="0" err="1"/>
+              <a:t>Github</a:t>
+            </a:r>
+            <a:r>
+              <a:rPr lang="zh-CN" altLang="en-US" sz="2400" dirty="0"/>
+              <a:t>：</a:t>
+            </a:r>
+            <a:r>
+              <a:rPr lang="en-US" altLang="zh-CN" sz="2400" b="0" i="0" u="none" strike="noStrike" dirty="0">
+                <a:solidFill>
+                  <a:srgbClr val="0366D6"/>
+                </a:solidFill>
+                <a:effectLst/>
+                <a:latin typeface="-apple-system"/>
+                <a:hlinkClick r:id="rId2"/>
+              </a:rPr>
+              <a:t>https://github.com/luogu-dev/cyaron</a:t>
+            </a:r>
+            <a:endParaRPr lang="en-US" altLang="zh-CN" sz="2400" b="0" i="0" u="none" strike="noStrike" dirty="0">
+              <a:solidFill>
+                <a:srgbClr val="0366D6"/>
+              </a:solidFill>
+              <a:effectLst/>
+              <a:latin typeface="-apple-system"/>
+            </a:endParaRPr>
+          </a:p>
+          <a:p>
+            <a:endParaRPr lang="zh-CN" altLang="en-US" sz="2400" dirty="0"/>
+          </a:p>
+        </p:txBody>
+      </p:sp>
+      <p:pic>
+        <p:nvPicPr>
+          <p:cNvPr id="12" name="图片 11">
+            <a:extLst>
+              <a:ext uri="{FF2B5EF4-FFF2-40B4-BE49-F238E27FC236}">
+                <a16:creationId xmlns:a16="http://schemas.microsoft.com/office/drawing/2014/main" id="{CAAB8E40-7E7C-47A9-97D4-0F3CCE08D9C3}"/>
+              </a:ext>
+            </a:extLst>
+          </p:cNvPr>
+          <p:cNvPicPr>
+            <a:picLocks noChangeAspect="1"/>
+          </p:cNvPicPr>
+          <p:nvPr/>
+        </p:nvPicPr>
+        <p:blipFill>
+          <a:blip r:embed="rId3"/>
+          <a:stretch>
+            <a:fillRect/>
+          </a:stretch>
+        </p:blipFill>
+        <p:spPr>
+          <a:xfrm>
+            <a:off x="810696" y="2226607"/>
+            <a:ext cx="6066667" cy="3866667"/>
+          </a:xfrm>
+          <a:prstGeom prst="rect">
+            <a:avLst/>
+          </a:prstGeom>
+        </p:spPr>
+      </p:pic>
+    </p:spTree>
+    <p:extLst>
+      <p:ext uri="{BB962C8B-B14F-4D97-AF65-F5344CB8AC3E}">
+        <p14:creationId xmlns:p14="http://schemas.microsoft.com/office/powerpoint/2010/main" val="518375451"/>
       </p:ext>
     </p:extLst>
   </p:cSld>
@@ -5681,7 +7492,7 @@
           <a:lstStyle/>
           <a:p>
             <a:r>
-              <a:rPr lang="zh-CN" altLang="en-US">
+              <a:rPr lang="zh-CN" altLang="en-US" dirty="0">
                 <a:latin typeface="宋体" panose="02010600030101010101" pitchFamily="2" charset="-122"/>
                 <a:ea typeface="宋体" panose="02010600030101010101" pitchFamily="2" charset="-122"/>
               </a:rPr>
@@ -5738,6 +7549,1498 @@
         </p:nvSpPr>
         <p:spPr>
           <a:xfrm>
+            <a:off x="522117" y="-310689"/>
+            <a:ext cx="8305286" cy="1325563"/>
+          </a:xfrm>
+        </p:spPr>
+        <p:txBody>
+          <a:bodyPr>
+            <a:normAutofit/>
+          </a:bodyPr>
+          <a:lstStyle/>
+          <a:p>
+            <a:r>
+              <a:rPr lang="zh-CN" altLang="en-US" sz="3200" dirty="0">
+                <a:solidFill>
+                  <a:srgbClr val="0070C0"/>
+                </a:solidFill>
+                <a:latin typeface="Times New Roman" panose="02020603050405020304" pitchFamily="18" charset="0"/>
+                <a:ea typeface="宋体" panose="02010600030101010101" pitchFamily="2" charset="-122"/>
+                <a:cs typeface="Times New Roman" panose="02020603050405020304" pitchFamily="18" charset="0"/>
+              </a:rPr>
+              <a:t>如何使用</a:t>
+            </a:r>
+            <a:r>
+              <a:rPr lang="en-US" altLang="zh-CN" sz="3200" dirty="0">
+                <a:solidFill>
+                  <a:srgbClr val="0070C0"/>
+                </a:solidFill>
+                <a:latin typeface="Times New Roman" panose="02020603050405020304" pitchFamily="18" charset="0"/>
+                <a:ea typeface="宋体" panose="02010600030101010101" pitchFamily="2" charset="-122"/>
+                <a:cs typeface="Times New Roman" panose="02020603050405020304" pitchFamily="18" charset="0"/>
+              </a:rPr>
+              <a:t>rand</a:t>
+            </a:r>
+            <a:r>
+              <a:rPr lang="zh-CN" altLang="en-US" sz="3200" dirty="0">
+                <a:solidFill>
+                  <a:srgbClr val="0070C0"/>
+                </a:solidFill>
+                <a:latin typeface="Times New Roman" panose="02020603050405020304" pitchFamily="18" charset="0"/>
+                <a:ea typeface="宋体" panose="02010600030101010101" pitchFamily="2" charset="-122"/>
+                <a:cs typeface="Times New Roman" panose="02020603050405020304" pitchFamily="18" charset="0"/>
+              </a:rPr>
+              <a:t>函数。</a:t>
+            </a:r>
+          </a:p>
+        </p:txBody>
+      </p:sp>
+      <p:sp>
+        <p:nvSpPr>
+          <p:cNvPr id="3" name="内容占位符 2">
+            <a:extLst>
+              <a:ext uri="{FF2B5EF4-FFF2-40B4-BE49-F238E27FC236}">
+                <a16:creationId xmlns:a16="http://schemas.microsoft.com/office/drawing/2014/main" id="{7B754062-E8E7-4F1C-9A7D-A3D2C77F759C}"/>
+              </a:ext>
+            </a:extLst>
+          </p:cNvPr>
+          <p:cNvSpPr>
+            <a:spLocks noGrp="1"/>
+          </p:cNvSpPr>
+          <p:nvPr>
+            <p:ph idx="1"/>
+          </p:nvPr>
+        </p:nvSpPr>
+        <p:spPr>
+          <a:xfrm>
+            <a:off x="628650" y="659767"/>
+            <a:ext cx="7886700" cy="4351338"/>
+          </a:xfrm>
+        </p:spPr>
+        <p:txBody>
+          <a:bodyPr>
+            <a:noAutofit/>
+          </a:bodyPr>
+          <a:lstStyle/>
+          <a:p>
+            <a:r>
+              <a:rPr lang="en-US" altLang="zh-CN" dirty="0">
+                <a:latin typeface="Times New Roman" panose="02020603050405020304" pitchFamily="18" charset="0"/>
+                <a:ea typeface="宋体" panose="02010600030101010101" pitchFamily="2" charset="-122"/>
+                <a:cs typeface="Times New Roman" panose="02020603050405020304" pitchFamily="18" charset="0"/>
+              </a:rPr>
+              <a:t>rand()</a:t>
+            </a:r>
+            <a:r>
+              <a:rPr lang="zh-CN" altLang="en-US" dirty="0">
+                <a:latin typeface="Times New Roman" panose="02020603050405020304" pitchFamily="18" charset="0"/>
+                <a:ea typeface="宋体" panose="02010600030101010101" pitchFamily="2" charset="-122"/>
+                <a:cs typeface="Times New Roman" panose="02020603050405020304" pitchFamily="18" charset="0"/>
+              </a:rPr>
+              <a:t>：产生一个的数字</a:t>
+            </a:r>
+            <a:r>
+              <a:rPr lang="en-US" altLang="zh-CN" dirty="0">
+                <a:latin typeface="Times New Roman" panose="02020603050405020304" pitchFamily="18" charset="0"/>
+                <a:ea typeface="宋体" panose="02010600030101010101" pitchFamily="2" charset="-122"/>
+                <a:cs typeface="Times New Roman" panose="02020603050405020304" pitchFamily="18" charset="0"/>
+              </a:rPr>
+              <a:t> [0, RAND_MAX]</a:t>
+            </a:r>
+          </a:p>
+          <a:p>
+            <a:r>
+              <a:rPr lang="zh-CN" altLang="en-US" dirty="0">
+                <a:latin typeface="Times New Roman" panose="02020603050405020304" pitchFamily="18" charset="0"/>
+                <a:ea typeface="宋体" panose="02010600030101010101" pitchFamily="2" charset="-122"/>
+                <a:cs typeface="Times New Roman" panose="02020603050405020304" pitchFamily="18" charset="0"/>
+              </a:rPr>
+              <a:t>需要配合随机随机种子一起使用</a:t>
+            </a:r>
+            <a:endParaRPr lang="en-US" altLang="zh-CN" dirty="0">
+              <a:latin typeface="Times New Roman" panose="02020603050405020304" pitchFamily="18" charset="0"/>
+              <a:ea typeface="宋体" panose="02010600030101010101" pitchFamily="2" charset="-122"/>
+              <a:cs typeface="Times New Roman" panose="02020603050405020304" pitchFamily="18" charset="0"/>
+            </a:endParaRPr>
+          </a:p>
+          <a:p>
+            <a:r>
+              <a:rPr lang="en-US" altLang="zh-CN" dirty="0">
+                <a:solidFill>
+                  <a:srgbClr val="FF0000"/>
+                </a:solidFill>
+                <a:latin typeface="Times New Roman" panose="02020603050405020304" pitchFamily="18" charset="0"/>
+                <a:ea typeface="宋体" panose="02010600030101010101" pitchFamily="2" charset="-122"/>
+                <a:cs typeface="Times New Roman" panose="02020603050405020304" pitchFamily="18" charset="0"/>
+              </a:rPr>
+              <a:t>RAND_MAX=2</a:t>
+            </a:r>
+            <a:r>
+              <a:rPr lang="en-US" altLang="zh-CN" sz="3200" baseline="50000" dirty="0">
+                <a:solidFill>
+                  <a:srgbClr val="FF0000"/>
+                </a:solidFill>
+                <a:latin typeface="Times New Roman" panose="02020603050405020304" pitchFamily="18" charset="0"/>
+                <a:ea typeface="宋体" panose="02010600030101010101" pitchFamily="2" charset="-122"/>
+                <a:cs typeface="Times New Roman" panose="02020603050405020304" pitchFamily="18" charset="0"/>
+              </a:rPr>
+              <a:t>15</a:t>
+            </a:r>
+            <a:r>
+              <a:rPr lang="en-US" altLang="zh-CN" dirty="0">
+                <a:solidFill>
+                  <a:srgbClr val="FF0000"/>
+                </a:solidFill>
+                <a:latin typeface="Times New Roman" panose="02020603050405020304" pitchFamily="18" charset="0"/>
+                <a:ea typeface="宋体" panose="02010600030101010101" pitchFamily="2" charset="-122"/>
+                <a:cs typeface="Times New Roman" panose="02020603050405020304" pitchFamily="18" charset="0"/>
+              </a:rPr>
+              <a:t>-1=32767</a:t>
+            </a:r>
+          </a:p>
+        </p:txBody>
+      </p:sp>
+      <p:sp>
+        <p:nvSpPr>
+          <p:cNvPr id="4" name="页脚占位符 3">
+            <a:extLst>
+              <a:ext uri="{FF2B5EF4-FFF2-40B4-BE49-F238E27FC236}">
+                <a16:creationId xmlns:a16="http://schemas.microsoft.com/office/drawing/2014/main" id="{8204B7F5-1BA7-4084-988F-081BAE25D469}"/>
+              </a:ext>
+            </a:extLst>
+          </p:cNvPr>
+          <p:cNvSpPr>
+            <a:spLocks noGrp="1"/>
+          </p:cNvSpPr>
+          <p:nvPr>
+            <p:ph type="ftr" sz="quarter" idx="11"/>
+          </p:nvPr>
+        </p:nvSpPr>
+        <p:spPr/>
+        <p:txBody>
+          <a:bodyPr/>
+          <a:lstStyle/>
+          <a:p>
+            <a:r>
+              <a:rPr lang="zh-CN" altLang="en-US">
+                <a:latin typeface="Times New Roman" panose="02020603050405020304" pitchFamily="18" charset="0"/>
+                <a:ea typeface="宋体" panose="02010600030101010101" pitchFamily="2" charset="-122"/>
+                <a:cs typeface="Times New Roman" panose="02020603050405020304" pitchFamily="18" charset="0"/>
+              </a:rPr>
+              <a:t>华东理工大学 罗勇军</a:t>
+            </a:r>
+          </a:p>
+        </p:txBody>
+      </p:sp>
+      <p:sp>
+        <p:nvSpPr>
+          <p:cNvPr id="6" name="文本框 5">
+            <a:extLst>
+              <a:ext uri="{FF2B5EF4-FFF2-40B4-BE49-F238E27FC236}">
+                <a16:creationId xmlns:a16="http://schemas.microsoft.com/office/drawing/2014/main" id="{7AFAF206-2283-43EB-B574-30D7C134C54E}"/>
+              </a:ext>
+            </a:extLst>
+          </p:cNvPr>
+          <p:cNvSpPr txBox="1"/>
+          <p:nvPr/>
+        </p:nvSpPr>
+        <p:spPr>
+          <a:xfrm>
+            <a:off x="390617" y="2289493"/>
+            <a:ext cx="7886700" cy="4431983"/>
+          </a:xfrm>
+          <a:prstGeom prst="rect">
+            <a:avLst/>
+          </a:prstGeom>
+          <a:noFill/>
+        </p:spPr>
+        <p:txBody>
+          <a:bodyPr wrap="square">
+            <a:spAutoFit/>
+          </a:bodyPr>
+          <a:lstStyle/>
+          <a:p>
+            <a:r>
+              <a:rPr lang="en-US" altLang="zh-CN" sz="1600" b="1" dirty="0">
+                <a:solidFill>
+                  <a:srgbClr val="C678DD"/>
+                </a:solidFill>
+                <a:effectLst/>
+                <a:latin typeface="DejaVu Sans Mono, Consolas,  Courier New"/>
+              </a:rPr>
+              <a:t>#include</a:t>
+            </a:r>
+            <a:r>
+              <a:rPr lang="en-US" altLang="zh-CN" sz="1600" b="1" dirty="0">
+                <a:solidFill>
+                  <a:srgbClr val="ABB2BF"/>
+                </a:solidFill>
+                <a:effectLst/>
+                <a:latin typeface="DejaVu Sans Mono, Consolas,  Courier New"/>
+              </a:rPr>
+              <a:t> </a:t>
+            </a:r>
+            <a:r>
+              <a:rPr lang="en-US" altLang="zh-CN" sz="1600" b="1" dirty="0">
+                <a:solidFill>
+                  <a:srgbClr val="98C379"/>
+                </a:solidFill>
+                <a:effectLst/>
+                <a:latin typeface="DejaVu Sans Mono, Consolas,  Courier New"/>
+              </a:rPr>
+              <a:t>&lt;</a:t>
+            </a:r>
+            <a:r>
+              <a:rPr lang="en-US" altLang="zh-CN" sz="1600" b="1" dirty="0" err="1">
+                <a:solidFill>
+                  <a:srgbClr val="98C379"/>
+                </a:solidFill>
+                <a:effectLst/>
+                <a:latin typeface="DejaVu Sans Mono, Consolas,  Courier New"/>
+              </a:rPr>
+              <a:t>ctime</a:t>
+            </a:r>
+            <a:r>
+              <a:rPr lang="en-US" altLang="zh-CN" sz="1600" b="1" dirty="0">
+                <a:solidFill>
+                  <a:srgbClr val="98C379"/>
+                </a:solidFill>
+                <a:effectLst/>
+                <a:latin typeface="DejaVu Sans Mono, Consolas,  Courier New"/>
+              </a:rPr>
+              <a:t>&gt;</a:t>
+            </a:r>
+            <a:endParaRPr lang="en-US" altLang="zh-CN" sz="1600" b="1" dirty="0">
+              <a:solidFill>
+                <a:srgbClr val="ABB2BF"/>
+              </a:solidFill>
+              <a:effectLst/>
+              <a:latin typeface="DejaVu Sans Mono, Consolas,  Courier New"/>
+            </a:endParaRPr>
+          </a:p>
+          <a:p>
+            <a:r>
+              <a:rPr lang="en-US" altLang="zh-CN" sz="1600" b="1" dirty="0">
+                <a:solidFill>
+                  <a:srgbClr val="C678DD"/>
+                </a:solidFill>
+                <a:effectLst/>
+                <a:latin typeface="DejaVu Sans Mono, Consolas,  Courier New"/>
+              </a:rPr>
+              <a:t>#include</a:t>
+            </a:r>
+            <a:r>
+              <a:rPr lang="en-US" altLang="zh-CN" sz="1600" b="1" dirty="0">
+                <a:solidFill>
+                  <a:srgbClr val="ABB2BF"/>
+                </a:solidFill>
+                <a:effectLst/>
+                <a:latin typeface="DejaVu Sans Mono, Consolas,  Courier New"/>
+              </a:rPr>
+              <a:t> </a:t>
+            </a:r>
+            <a:r>
+              <a:rPr lang="en-US" altLang="zh-CN" sz="1600" b="1" dirty="0">
+                <a:solidFill>
+                  <a:srgbClr val="98C379"/>
+                </a:solidFill>
+                <a:effectLst/>
+                <a:latin typeface="DejaVu Sans Mono, Consolas,  Courier New"/>
+              </a:rPr>
+              <a:t>&lt;iostream&gt;</a:t>
+            </a:r>
+            <a:endParaRPr lang="en-US" altLang="zh-CN" sz="1600" b="1" dirty="0">
+              <a:solidFill>
+                <a:srgbClr val="ABB2BF"/>
+              </a:solidFill>
+              <a:effectLst/>
+              <a:latin typeface="DejaVu Sans Mono, Consolas,  Courier New"/>
+            </a:endParaRPr>
+          </a:p>
+          <a:p>
+            <a:r>
+              <a:rPr lang="en-US" altLang="zh-CN" sz="1600" b="1" dirty="0">
+                <a:solidFill>
+                  <a:srgbClr val="C678DD"/>
+                </a:solidFill>
+                <a:effectLst/>
+                <a:latin typeface="DejaVu Sans Mono, Consolas,  Courier New"/>
+              </a:rPr>
+              <a:t>using</a:t>
+            </a:r>
+            <a:r>
+              <a:rPr lang="en-US" altLang="zh-CN" sz="1600" b="1" dirty="0">
+                <a:solidFill>
+                  <a:srgbClr val="ABB2BF"/>
+                </a:solidFill>
+                <a:effectLst/>
+                <a:latin typeface="DejaVu Sans Mono, Consolas,  Courier New"/>
+              </a:rPr>
+              <a:t> </a:t>
+            </a:r>
+            <a:r>
+              <a:rPr lang="en-US" altLang="zh-CN" sz="1600" b="1" dirty="0">
+                <a:solidFill>
+                  <a:srgbClr val="C678DD"/>
+                </a:solidFill>
+                <a:effectLst/>
+                <a:latin typeface="DejaVu Sans Mono, Consolas,  Courier New"/>
+              </a:rPr>
+              <a:t>namespace</a:t>
+            </a:r>
+            <a:r>
+              <a:rPr lang="en-US" altLang="zh-CN" sz="1600" b="1" dirty="0">
+                <a:solidFill>
+                  <a:srgbClr val="ABB2BF"/>
+                </a:solidFill>
+                <a:effectLst/>
+                <a:latin typeface="DejaVu Sans Mono, Consolas,  Courier New"/>
+              </a:rPr>
+              <a:t> std;</a:t>
+            </a:r>
+          </a:p>
+          <a:p>
+            <a:r>
+              <a:rPr lang="en-US" altLang="zh-CN" sz="1600" b="1" i="1" dirty="0">
+                <a:solidFill>
+                  <a:srgbClr val="5C6370"/>
+                </a:solidFill>
+                <a:effectLst/>
+                <a:latin typeface="DejaVu Sans Mono, Consolas,  Courier New"/>
+              </a:rPr>
+              <a:t>// </a:t>
+            </a:r>
+            <a:r>
+              <a:rPr lang="zh-CN" altLang="en-US" sz="1600" b="1" i="1" dirty="0">
+                <a:solidFill>
+                  <a:srgbClr val="5C6370"/>
+                </a:solidFill>
+                <a:effectLst/>
+                <a:latin typeface="DejaVu Sans Mono, Consolas,  Courier New"/>
+              </a:rPr>
+              <a:t>产生</a:t>
+            </a:r>
+            <a:r>
+              <a:rPr lang="en-US" altLang="zh-CN" sz="1600" b="1" i="1" dirty="0">
+                <a:solidFill>
+                  <a:srgbClr val="5C6370"/>
+                </a:solidFill>
+                <a:effectLst/>
+                <a:latin typeface="DejaVu Sans Mono, Consolas,  Courier New"/>
+              </a:rPr>
+              <a:t>[l, r]</a:t>
+            </a:r>
+            <a:r>
+              <a:rPr lang="zh-CN" altLang="en-US" sz="1600" b="1" i="1" dirty="0">
+                <a:solidFill>
+                  <a:srgbClr val="5C6370"/>
+                </a:solidFill>
+                <a:effectLst/>
+                <a:latin typeface="DejaVu Sans Mono, Consolas,  Courier New"/>
+              </a:rPr>
+              <a:t>的随机数</a:t>
+            </a:r>
+            <a:endParaRPr lang="zh-CN" altLang="en-US" sz="1600" b="1" dirty="0">
+              <a:solidFill>
+                <a:srgbClr val="ABB2BF"/>
+              </a:solidFill>
+              <a:effectLst/>
+              <a:latin typeface="DejaVu Sans Mono, Consolas,  Courier New"/>
+            </a:endParaRPr>
+          </a:p>
+          <a:p>
+            <a:r>
+              <a:rPr lang="en-US" altLang="zh-CN" sz="1600" b="1" dirty="0">
+                <a:solidFill>
+                  <a:srgbClr val="C678DD"/>
+                </a:solidFill>
+                <a:effectLst/>
+                <a:latin typeface="DejaVu Sans Mono, Consolas,  Courier New"/>
+              </a:rPr>
+              <a:t>int</a:t>
+            </a:r>
+            <a:r>
+              <a:rPr lang="en-US" altLang="zh-CN" sz="1600" b="1" dirty="0">
+                <a:solidFill>
+                  <a:srgbClr val="ABB2BF"/>
+                </a:solidFill>
+                <a:effectLst/>
+                <a:latin typeface="DejaVu Sans Mono, Consolas,  Courier New"/>
+              </a:rPr>
+              <a:t> </a:t>
+            </a:r>
+            <a:r>
+              <a:rPr lang="en-US" altLang="zh-CN" sz="1600" b="1" dirty="0" err="1">
+                <a:solidFill>
+                  <a:srgbClr val="61AFEF"/>
+                </a:solidFill>
+                <a:effectLst/>
+                <a:latin typeface="DejaVu Sans Mono, Consolas,  Courier New"/>
+              </a:rPr>
+              <a:t>rnd</a:t>
+            </a:r>
+            <a:r>
+              <a:rPr lang="en-US" altLang="zh-CN" sz="1600" b="1" dirty="0">
+                <a:solidFill>
+                  <a:srgbClr val="ABB2BF"/>
+                </a:solidFill>
+                <a:effectLst/>
+                <a:latin typeface="DejaVu Sans Mono, Consolas,  Courier New"/>
+              </a:rPr>
+              <a:t>(</a:t>
+            </a:r>
+            <a:r>
+              <a:rPr lang="en-US" altLang="zh-CN" sz="1600" b="1" dirty="0">
+                <a:solidFill>
+                  <a:srgbClr val="C678DD"/>
+                </a:solidFill>
+                <a:effectLst/>
+                <a:latin typeface="DejaVu Sans Mono, Consolas,  Courier New"/>
+              </a:rPr>
+              <a:t>int</a:t>
+            </a:r>
+            <a:r>
+              <a:rPr lang="en-US" altLang="zh-CN" sz="1600" b="1" dirty="0">
+                <a:solidFill>
+                  <a:srgbClr val="ABB2BF"/>
+                </a:solidFill>
+                <a:effectLst/>
+                <a:latin typeface="DejaVu Sans Mono, Consolas,  Courier New"/>
+              </a:rPr>
+              <a:t> l, </a:t>
+            </a:r>
+            <a:r>
+              <a:rPr lang="en-US" altLang="zh-CN" sz="1600" b="1" dirty="0">
+                <a:solidFill>
+                  <a:srgbClr val="C678DD"/>
+                </a:solidFill>
+                <a:effectLst/>
+                <a:latin typeface="DejaVu Sans Mono, Consolas,  Courier New"/>
+              </a:rPr>
+              <a:t>int</a:t>
+            </a:r>
+            <a:r>
+              <a:rPr lang="en-US" altLang="zh-CN" sz="1600" b="1" dirty="0">
+                <a:solidFill>
+                  <a:srgbClr val="ABB2BF"/>
+                </a:solidFill>
+                <a:effectLst/>
+                <a:latin typeface="DejaVu Sans Mono, Consolas,  Courier New"/>
+              </a:rPr>
+              <a:t> r) {</a:t>
+            </a:r>
+          </a:p>
+          <a:p>
+            <a:r>
+              <a:rPr lang="en-US" altLang="zh-CN" sz="1600" b="1" dirty="0">
+                <a:solidFill>
+                  <a:srgbClr val="ABB2BF"/>
+                </a:solidFill>
+                <a:effectLst/>
+                <a:latin typeface="DejaVu Sans Mono, Consolas,  Courier New"/>
+              </a:rPr>
+              <a:t>    </a:t>
+            </a:r>
+            <a:r>
+              <a:rPr lang="en-US" altLang="zh-CN" sz="1600" b="1" dirty="0">
+                <a:solidFill>
+                  <a:srgbClr val="C678DD"/>
+                </a:solidFill>
+                <a:effectLst/>
+                <a:latin typeface="DejaVu Sans Mono, Consolas,  Courier New"/>
+              </a:rPr>
+              <a:t>return</a:t>
+            </a:r>
+            <a:r>
+              <a:rPr lang="en-US" altLang="zh-CN" sz="1600" b="1" dirty="0">
+                <a:solidFill>
+                  <a:srgbClr val="ABB2BF"/>
+                </a:solidFill>
+                <a:effectLst/>
+                <a:latin typeface="DejaVu Sans Mono, Consolas,  Courier New"/>
+              </a:rPr>
+              <a:t> </a:t>
+            </a:r>
+            <a:r>
+              <a:rPr lang="en-US" altLang="zh-CN" sz="1600" b="1" dirty="0">
+                <a:solidFill>
+                  <a:srgbClr val="61AFEF"/>
+                </a:solidFill>
+                <a:effectLst/>
+                <a:latin typeface="DejaVu Sans Mono, Consolas,  Courier New"/>
+              </a:rPr>
+              <a:t>rand</a:t>
+            </a:r>
+            <a:r>
+              <a:rPr lang="en-US" altLang="zh-CN" sz="1600" b="1" dirty="0">
+                <a:solidFill>
+                  <a:srgbClr val="ABB2BF"/>
+                </a:solidFill>
+                <a:effectLst/>
+                <a:latin typeface="DejaVu Sans Mono, Consolas,  Courier New"/>
+              </a:rPr>
+              <a:t>() </a:t>
+            </a:r>
+            <a:r>
+              <a:rPr lang="en-US" altLang="zh-CN" sz="1600" b="1" dirty="0">
+                <a:solidFill>
+                  <a:srgbClr val="C678DD"/>
+                </a:solidFill>
+                <a:effectLst/>
+                <a:latin typeface="DejaVu Sans Mono, Consolas,  Courier New"/>
+              </a:rPr>
+              <a:t>%</a:t>
+            </a:r>
+            <a:r>
+              <a:rPr lang="en-US" altLang="zh-CN" sz="1600" b="1" dirty="0">
+                <a:solidFill>
+                  <a:srgbClr val="ABB2BF"/>
+                </a:solidFill>
+                <a:effectLst/>
+                <a:latin typeface="DejaVu Sans Mono, Consolas,  Courier New"/>
+              </a:rPr>
+              <a:t> (r </a:t>
+            </a:r>
+            <a:r>
+              <a:rPr lang="en-US" altLang="zh-CN" sz="1600" b="1" dirty="0">
+                <a:solidFill>
+                  <a:srgbClr val="C678DD"/>
+                </a:solidFill>
+                <a:effectLst/>
+                <a:latin typeface="DejaVu Sans Mono, Consolas,  Courier New"/>
+              </a:rPr>
+              <a:t>-</a:t>
+            </a:r>
+            <a:r>
+              <a:rPr lang="en-US" altLang="zh-CN" sz="1600" b="1" dirty="0">
+                <a:solidFill>
+                  <a:srgbClr val="ABB2BF"/>
+                </a:solidFill>
+                <a:effectLst/>
+                <a:latin typeface="DejaVu Sans Mono, Consolas,  Courier New"/>
+              </a:rPr>
+              <a:t> l </a:t>
+            </a:r>
+            <a:r>
+              <a:rPr lang="en-US" altLang="zh-CN" sz="1600" b="1" dirty="0">
+                <a:solidFill>
+                  <a:srgbClr val="C678DD"/>
+                </a:solidFill>
+                <a:effectLst/>
+                <a:latin typeface="DejaVu Sans Mono, Consolas,  Courier New"/>
+              </a:rPr>
+              <a:t>+</a:t>
+            </a:r>
+            <a:r>
+              <a:rPr lang="en-US" altLang="zh-CN" sz="1600" b="1" dirty="0">
+                <a:solidFill>
+                  <a:srgbClr val="ABB2BF"/>
+                </a:solidFill>
+                <a:effectLst/>
+                <a:latin typeface="DejaVu Sans Mono, Consolas,  Courier New"/>
+              </a:rPr>
+              <a:t> </a:t>
+            </a:r>
+            <a:r>
+              <a:rPr lang="en-US" altLang="zh-CN" sz="1600" b="1" dirty="0">
+                <a:solidFill>
+                  <a:srgbClr val="D19A66"/>
+                </a:solidFill>
+                <a:effectLst/>
+                <a:latin typeface="DejaVu Sans Mono, Consolas,  Courier New"/>
+              </a:rPr>
+              <a:t>1</a:t>
+            </a:r>
+            <a:r>
+              <a:rPr lang="en-US" altLang="zh-CN" sz="1600" b="1" dirty="0">
+                <a:solidFill>
+                  <a:srgbClr val="ABB2BF"/>
+                </a:solidFill>
+                <a:effectLst/>
+                <a:latin typeface="DejaVu Sans Mono, Consolas,  Courier New"/>
+              </a:rPr>
+              <a:t>) </a:t>
+            </a:r>
+            <a:r>
+              <a:rPr lang="en-US" altLang="zh-CN" sz="1600" b="1" dirty="0">
+                <a:solidFill>
+                  <a:srgbClr val="C678DD"/>
+                </a:solidFill>
+                <a:effectLst/>
+                <a:latin typeface="DejaVu Sans Mono, Consolas,  Courier New"/>
+              </a:rPr>
+              <a:t>+</a:t>
+            </a:r>
+            <a:r>
+              <a:rPr lang="en-US" altLang="zh-CN" sz="1600" b="1" dirty="0">
+                <a:solidFill>
+                  <a:srgbClr val="ABB2BF"/>
+                </a:solidFill>
+                <a:effectLst/>
+                <a:latin typeface="DejaVu Sans Mono, Consolas,  Courier New"/>
+              </a:rPr>
+              <a:t> l;</a:t>
+            </a:r>
+          </a:p>
+          <a:p>
+            <a:r>
+              <a:rPr lang="en-US" altLang="zh-CN" sz="1600" b="1" dirty="0">
+                <a:solidFill>
+                  <a:srgbClr val="ABB2BF"/>
+                </a:solidFill>
+                <a:effectLst/>
+                <a:latin typeface="DejaVu Sans Mono, Consolas,  Courier New"/>
+              </a:rPr>
+              <a:t>}</a:t>
+            </a:r>
+          </a:p>
+          <a:p>
+            <a:r>
+              <a:rPr lang="en-US" altLang="zh-CN" sz="1600" b="1" dirty="0">
+                <a:solidFill>
+                  <a:srgbClr val="C678DD"/>
+                </a:solidFill>
+                <a:effectLst/>
+                <a:latin typeface="DejaVu Sans Mono, Consolas,  Courier New"/>
+              </a:rPr>
+              <a:t>int</a:t>
+            </a:r>
+            <a:r>
+              <a:rPr lang="en-US" altLang="zh-CN" sz="1600" b="1" dirty="0">
+                <a:solidFill>
+                  <a:srgbClr val="ABB2BF"/>
+                </a:solidFill>
+                <a:effectLst/>
+                <a:latin typeface="DejaVu Sans Mono, Consolas,  Courier New"/>
+              </a:rPr>
+              <a:t> </a:t>
+            </a:r>
+            <a:r>
+              <a:rPr lang="en-US" altLang="zh-CN" sz="1600" b="1" dirty="0">
+                <a:solidFill>
+                  <a:srgbClr val="61AFEF"/>
+                </a:solidFill>
+                <a:effectLst/>
+                <a:latin typeface="DejaVu Sans Mono, Consolas,  Courier New"/>
+              </a:rPr>
+              <a:t>main</a:t>
+            </a:r>
+            <a:r>
+              <a:rPr lang="en-US" altLang="zh-CN" sz="1600" b="1" dirty="0">
+                <a:solidFill>
+                  <a:srgbClr val="ABB2BF"/>
+                </a:solidFill>
+                <a:effectLst/>
+                <a:latin typeface="DejaVu Sans Mono, Consolas,  Courier New"/>
+              </a:rPr>
+              <a:t>(</a:t>
+            </a:r>
+            <a:r>
+              <a:rPr lang="en-US" altLang="zh-CN" sz="1600" b="1" dirty="0">
+                <a:solidFill>
+                  <a:srgbClr val="C678DD"/>
+                </a:solidFill>
+                <a:effectLst/>
+                <a:latin typeface="DejaVu Sans Mono, Consolas,  Courier New"/>
+              </a:rPr>
+              <a:t>void</a:t>
+            </a:r>
+            <a:r>
+              <a:rPr lang="en-US" altLang="zh-CN" sz="1600" b="1" dirty="0">
+                <a:solidFill>
+                  <a:srgbClr val="ABB2BF"/>
+                </a:solidFill>
+                <a:effectLst/>
+                <a:latin typeface="DejaVu Sans Mono, Consolas,  Courier New"/>
+              </a:rPr>
+              <a:t>) {</a:t>
+            </a:r>
+          </a:p>
+          <a:p>
+            <a:r>
+              <a:rPr lang="en-US" altLang="zh-CN" sz="1600" b="1" i="1" dirty="0">
+                <a:solidFill>
+                  <a:srgbClr val="5C6370"/>
+                </a:solidFill>
+                <a:effectLst/>
+                <a:latin typeface="DejaVu Sans Mono, Consolas,  Courier New"/>
+              </a:rPr>
+              <a:t>    // </a:t>
+            </a:r>
+            <a:r>
+              <a:rPr lang="zh-CN" altLang="en-US" sz="1600" b="1" i="1" dirty="0">
+                <a:solidFill>
+                  <a:srgbClr val="5C6370"/>
+                </a:solidFill>
+                <a:effectLst/>
+                <a:latin typeface="DejaVu Sans Mono, Consolas,  Courier New"/>
+              </a:rPr>
+              <a:t>随机种子</a:t>
+            </a:r>
+            <a:endParaRPr lang="zh-CN" altLang="en-US" sz="1600" b="1" dirty="0">
+              <a:solidFill>
+                <a:srgbClr val="ABB2BF"/>
+              </a:solidFill>
+              <a:effectLst/>
+              <a:latin typeface="DejaVu Sans Mono, Consolas,  Courier New"/>
+            </a:endParaRPr>
+          </a:p>
+          <a:p>
+            <a:r>
+              <a:rPr lang="zh-CN" altLang="en-US" sz="1600" b="1" dirty="0">
+                <a:solidFill>
+                  <a:srgbClr val="ABB2BF"/>
+                </a:solidFill>
+                <a:effectLst/>
+                <a:latin typeface="DejaVu Sans Mono, Consolas,  Courier New"/>
+              </a:rPr>
+              <a:t>    </a:t>
+            </a:r>
+            <a:r>
+              <a:rPr lang="en-US" altLang="zh-CN" sz="1600" b="1" dirty="0" err="1">
+                <a:solidFill>
+                  <a:srgbClr val="61AFEF"/>
+                </a:solidFill>
+                <a:effectLst/>
+                <a:latin typeface="DejaVu Sans Mono, Consolas,  Courier New"/>
+              </a:rPr>
+              <a:t>srand</a:t>
+            </a:r>
+            <a:r>
+              <a:rPr lang="en-US" altLang="zh-CN" sz="1600" b="1" dirty="0">
+                <a:solidFill>
+                  <a:srgbClr val="ABB2BF"/>
+                </a:solidFill>
+                <a:effectLst/>
+                <a:latin typeface="DejaVu Sans Mono, Consolas,  Courier New"/>
+              </a:rPr>
+              <a:t>((</a:t>
+            </a:r>
+            <a:r>
+              <a:rPr lang="en-US" altLang="zh-CN" sz="1600" b="1" dirty="0">
+                <a:solidFill>
+                  <a:srgbClr val="C678DD"/>
+                </a:solidFill>
+                <a:effectLst/>
+                <a:latin typeface="DejaVu Sans Mono, Consolas,  Courier New"/>
+              </a:rPr>
+              <a:t>unsigned</a:t>
+            </a:r>
+            <a:r>
+              <a:rPr lang="en-US" altLang="zh-CN" sz="1600" b="1" dirty="0">
+                <a:solidFill>
+                  <a:srgbClr val="ABB2BF"/>
+                </a:solidFill>
+                <a:effectLst/>
+                <a:latin typeface="DejaVu Sans Mono, Consolas,  Courier New"/>
+              </a:rPr>
+              <a:t>)</a:t>
+            </a:r>
+            <a:r>
+              <a:rPr lang="en-US" altLang="zh-CN" sz="1600" b="1" dirty="0">
+                <a:solidFill>
+                  <a:srgbClr val="61AFEF"/>
+                </a:solidFill>
+                <a:effectLst/>
+                <a:latin typeface="DejaVu Sans Mono, Consolas,  Courier New"/>
+              </a:rPr>
+              <a:t>time</a:t>
+            </a:r>
+            <a:r>
+              <a:rPr lang="en-US" altLang="zh-CN" sz="1600" b="1" dirty="0">
+                <a:solidFill>
+                  <a:srgbClr val="ABB2BF"/>
+                </a:solidFill>
+                <a:effectLst/>
+                <a:latin typeface="DejaVu Sans Mono, Consolas,  Courier New"/>
+              </a:rPr>
+              <a:t>(</a:t>
+            </a:r>
+            <a:r>
+              <a:rPr lang="en-US" altLang="zh-CN" sz="1600" b="1" dirty="0">
+                <a:solidFill>
+                  <a:srgbClr val="D19A66"/>
+                </a:solidFill>
+                <a:effectLst/>
+                <a:latin typeface="DejaVu Sans Mono, Consolas,  Courier New"/>
+              </a:rPr>
+              <a:t>NULL</a:t>
+            </a:r>
+            <a:r>
+              <a:rPr lang="en-US" altLang="zh-CN" sz="1600" b="1" dirty="0">
+                <a:solidFill>
+                  <a:srgbClr val="ABB2BF"/>
+                </a:solidFill>
+                <a:effectLst/>
+                <a:latin typeface="DejaVu Sans Mono, Consolas,  Courier New"/>
+              </a:rPr>
+              <a:t>));</a:t>
+            </a:r>
+          </a:p>
+          <a:p>
+            <a:r>
+              <a:rPr lang="en-US" altLang="zh-CN" sz="1600" b="1" dirty="0">
+                <a:solidFill>
+                  <a:srgbClr val="ABB2BF"/>
+                </a:solidFill>
+                <a:effectLst/>
+                <a:latin typeface="DejaVu Sans Mono, Consolas,  Courier New"/>
+              </a:rPr>
+              <a:t>    </a:t>
+            </a:r>
+            <a:r>
+              <a:rPr lang="en-US" altLang="zh-CN" sz="1600" b="1" dirty="0">
+                <a:solidFill>
+                  <a:srgbClr val="C678DD"/>
+                </a:solidFill>
+                <a:effectLst/>
+                <a:latin typeface="DejaVu Sans Mono, Consolas,  Courier New"/>
+              </a:rPr>
+              <a:t>int</a:t>
+            </a:r>
+            <a:r>
+              <a:rPr lang="en-US" altLang="zh-CN" sz="1600" b="1" dirty="0">
+                <a:solidFill>
+                  <a:srgbClr val="ABB2BF"/>
+                </a:solidFill>
+                <a:effectLst/>
+                <a:latin typeface="DejaVu Sans Mono, Consolas,  Courier New"/>
+              </a:rPr>
+              <a:t> n </a:t>
+            </a:r>
+            <a:r>
+              <a:rPr lang="en-US" altLang="zh-CN" sz="1600" b="1" dirty="0">
+                <a:solidFill>
+                  <a:srgbClr val="C678DD"/>
+                </a:solidFill>
+                <a:effectLst/>
+                <a:latin typeface="DejaVu Sans Mono, Consolas,  Courier New"/>
+              </a:rPr>
+              <a:t>=</a:t>
+            </a:r>
+            <a:r>
+              <a:rPr lang="en-US" altLang="zh-CN" sz="1600" b="1" dirty="0">
+                <a:solidFill>
+                  <a:srgbClr val="ABB2BF"/>
+                </a:solidFill>
+                <a:effectLst/>
+                <a:latin typeface="DejaVu Sans Mono, Consolas,  Courier New"/>
+              </a:rPr>
+              <a:t> </a:t>
+            </a:r>
+            <a:r>
+              <a:rPr lang="en-US" altLang="zh-CN" sz="1600" b="1" dirty="0" err="1">
+                <a:solidFill>
+                  <a:srgbClr val="61AFEF"/>
+                </a:solidFill>
+                <a:effectLst/>
+                <a:latin typeface="DejaVu Sans Mono, Consolas,  Courier New"/>
+              </a:rPr>
+              <a:t>rnd</a:t>
+            </a:r>
+            <a:r>
+              <a:rPr lang="en-US" altLang="zh-CN" sz="1600" b="1" dirty="0">
+                <a:solidFill>
+                  <a:srgbClr val="ABB2BF"/>
+                </a:solidFill>
+                <a:effectLst/>
+                <a:latin typeface="DejaVu Sans Mono, Consolas,  Courier New"/>
+              </a:rPr>
+              <a:t>(</a:t>
+            </a:r>
+            <a:r>
+              <a:rPr lang="en-US" altLang="zh-CN" sz="1600" b="1" dirty="0">
+                <a:solidFill>
+                  <a:srgbClr val="D19A66"/>
+                </a:solidFill>
+                <a:effectLst/>
+                <a:latin typeface="DejaVu Sans Mono, Consolas,  Courier New"/>
+              </a:rPr>
+              <a:t>0</a:t>
+            </a:r>
+            <a:r>
+              <a:rPr lang="en-US" altLang="zh-CN" sz="1600" b="1" dirty="0">
+                <a:solidFill>
+                  <a:srgbClr val="ABB2BF"/>
+                </a:solidFill>
+                <a:effectLst/>
+                <a:latin typeface="DejaVu Sans Mono, Consolas,  Courier New"/>
+              </a:rPr>
+              <a:t>, </a:t>
+            </a:r>
+            <a:r>
+              <a:rPr lang="en-US" altLang="zh-CN" sz="1600" b="1" dirty="0">
+                <a:solidFill>
+                  <a:srgbClr val="D19A66"/>
+                </a:solidFill>
+                <a:effectLst/>
+                <a:latin typeface="DejaVu Sans Mono, Consolas,  Courier New"/>
+              </a:rPr>
+              <a:t>20</a:t>
+            </a:r>
+            <a:r>
+              <a:rPr lang="en-US" altLang="zh-CN" sz="1600" b="1" dirty="0">
+                <a:solidFill>
+                  <a:srgbClr val="ABB2BF"/>
+                </a:solidFill>
+                <a:effectLst/>
+                <a:latin typeface="DejaVu Sans Mono, Consolas,  Courier New"/>
+              </a:rPr>
+              <a:t>);</a:t>
+            </a:r>
+          </a:p>
+          <a:p>
+            <a:r>
+              <a:rPr lang="en-US" altLang="zh-CN" sz="1600" b="1" dirty="0">
+                <a:solidFill>
+                  <a:srgbClr val="ABB2BF"/>
+                </a:solidFill>
+                <a:effectLst/>
+                <a:latin typeface="DejaVu Sans Mono, Consolas,  Courier New"/>
+              </a:rPr>
+              <a:t>    </a:t>
+            </a:r>
+            <a:r>
+              <a:rPr lang="en-US" altLang="zh-CN" sz="1600" b="1" dirty="0" err="1">
+                <a:solidFill>
+                  <a:srgbClr val="ABB2BF"/>
+                </a:solidFill>
+                <a:effectLst/>
+                <a:latin typeface="DejaVu Sans Mono, Consolas,  Courier New"/>
+              </a:rPr>
+              <a:t>cout</a:t>
+            </a:r>
+            <a:r>
+              <a:rPr lang="en-US" altLang="zh-CN" sz="1600" b="1" dirty="0">
+                <a:solidFill>
+                  <a:srgbClr val="ABB2BF"/>
+                </a:solidFill>
+                <a:effectLst/>
+                <a:latin typeface="DejaVu Sans Mono, Consolas,  Courier New"/>
+              </a:rPr>
+              <a:t> </a:t>
+            </a:r>
+            <a:r>
+              <a:rPr lang="en-US" altLang="zh-CN" sz="1600" b="1" dirty="0">
+                <a:solidFill>
+                  <a:srgbClr val="C678DD"/>
+                </a:solidFill>
+                <a:effectLst/>
+                <a:latin typeface="DejaVu Sans Mono, Consolas,  Courier New"/>
+              </a:rPr>
+              <a:t>&lt;&lt;</a:t>
+            </a:r>
+            <a:r>
+              <a:rPr lang="en-US" altLang="zh-CN" sz="1600" b="1" dirty="0">
+                <a:solidFill>
+                  <a:srgbClr val="ABB2BF"/>
+                </a:solidFill>
+                <a:effectLst/>
+                <a:latin typeface="DejaVu Sans Mono, Consolas,  Courier New"/>
+              </a:rPr>
+              <a:t> n </a:t>
+            </a:r>
+            <a:r>
+              <a:rPr lang="en-US" altLang="zh-CN" sz="1600" b="1" dirty="0">
+                <a:solidFill>
+                  <a:srgbClr val="C678DD"/>
+                </a:solidFill>
+                <a:effectLst/>
+                <a:latin typeface="DejaVu Sans Mono, Consolas,  Courier New"/>
+              </a:rPr>
+              <a:t>&lt;&lt;</a:t>
+            </a:r>
+            <a:r>
+              <a:rPr lang="en-US" altLang="zh-CN" sz="1600" b="1" dirty="0">
+                <a:solidFill>
+                  <a:srgbClr val="ABB2BF"/>
+                </a:solidFill>
+                <a:effectLst/>
+                <a:latin typeface="DejaVu Sans Mono, Consolas,  Courier New"/>
+              </a:rPr>
+              <a:t> </a:t>
+            </a:r>
+            <a:r>
+              <a:rPr lang="en-US" altLang="zh-CN" sz="1600" b="1" dirty="0" err="1">
+                <a:solidFill>
+                  <a:srgbClr val="ABB2BF"/>
+                </a:solidFill>
+                <a:effectLst/>
+                <a:latin typeface="DejaVu Sans Mono, Consolas,  Courier New"/>
+              </a:rPr>
+              <a:t>endl</a:t>
+            </a:r>
+            <a:r>
+              <a:rPr lang="en-US" altLang="zh-CN" sz="1600" b="1" dirty="0">
+                <a:solidFill>
+                  <a:srgbClr val="ABB2BF"/>
+                </a:solidFill>
+                <a:effectLst/>
+                <a:latin typeface="DejaVu Sans Mono, Consolas,  Courier New"/>
+              </a:rPr>
+              <a:t>;</a:t>
+            </a:r>
+          </a:p>
+          <a:p>
+            <a:r>
+              <a:rPr lang="en-US" altLang="zh-CN" sz="1600" b="1" dirty="0">
+                <a:solidFill>
+                  <a:srgbClr val="ABB2BF"/>
+                </a:solidFill>
+                <a:effectLst/>
+                <a:latin typeface="DejaVu Sans Mono, Consolas,  Courier New"/>
+              </a:rPr>
+              <a:t>    </a:t>
+            </a:r>
+            <a:r>
+              <a:rPr lang="en-US" altLang="zh-CN" sz="1600" b="1" dirty="0">
+                <a:solidFill>
+                  <a:srgbClr val="C678DD"/>
+                </a:solidFill>
+                <a:effectLst/>
+                <a:latin typeface="DejaVu Sans Mono, Consolas,  Courier New"/>
+              </a:rPr>
+              <a:t>for</a:t>
+            </a:r>
+            <a:r>
+              <a:rPr lang="en-US" altLang="zh-CN" sz="1600" b="1" dirty="0">
+                <a:solidFill>
+                  <a:srgbClr val="ABB2BF"/>
+                </a:solidFill>
+                <a:effectLst/>
+                <a:latin typeface="DejaVu Sans Mono, Consolas,  Courier New"/>
+              </a:rPr>
+              <a:t> (</a:t>
+            </a:r>
+            <a:r>
+              <a:rPr lang="en-US" altLang="zh-CN" sz="1600" b="1" dirty="0">
+                <a:solidFill>
+                  <a:srgbClr val="C678DD"/>
+                </a:solidFill>
+                <a:effectLst/>
+                <a:latin typeface="DejaVu Sans Mono, Consolas,  Courier New"/>
+              </a:rPr>
+              <a:t>int</a:t>
+            </a:r>
+            <a:r>
+              <a:rPr lang="en-US" altLang="zh-CN" sz="1600" b="1" dirty="0">
+                <a:solidFill>
+                  <a:srgbClr val="ABB2BF"/>
+                </a:solidFill>
+                <a:effectLst/>
+                <a:latin typeface="DejaVu Sans Mono, Consolas,  Courier New"/>
+              </a:rPr>
+              <a:t> </a:t>
+            </a:r>
+            <a:r>
+              <a:rPr lang="en-US" altLang="zh-CN" sz="1600" b="1" dirty="0" err="1">
+                <a:solidFill>
+                  <a:srgbClr val="ABB2BF"/>
+                </a:solidFill>
+                <a:effectLst/>
+                <a:latin typeface="DejaVu Sans Mono, Consolas,  Courier New"/>
+              </a:rPr>
+              <a:t>i</a:t>
+            </a:r>
+            <a:r>
+              <a:rPr lang="en-US" altLang="zh-CN" sz="1600" b="1" dirty="0">
+                <a:solidFill>
+                  <a:srgbClr val="ABB2BF"/>
+                </a:solidFill>
+                <a:effectLst/>
+                <a:latin typeface="DejaVu Sans Mono, Consolas,  Courier New"/>
+              </a:rPr>
+              <a:t> </a:t>
+            </a:r>
+            <a:r>
+              <a:rPr lang="en-US" altLang="zh-CN" sz="1600" b="1" dirty="0">
+                <a:solidFill>
+                  <a:srgbClr val="C678DD"/>
+                </a:solidFill>
+                <a:effectLst/>
+                <a:latin typeface="DejaVu Sans Mono, Consolas,  Courier New"/>
+              </a:rPr>
+              <a:t>=</a:t>
+            </a:r>
+            <a:r>
+              <a:rPr lang="en-US" altLang="zh-CN" sz="1600" b="1" dirty="0">
+                <a:solidFill>
+                  <a:srgbClr val="ABB2BF"/>
+                </a:solidFill>
+                <a:effectLst/>
+                <a:latin typeface="DejaVu Sans Mono, Consolas,  Courier New"/>
+              </a:rPr>
+              <a:t> </a:t>
+            </a:r>
+            <a:r>
+              <a:rPr lang="en-US" altLang="zh-CN" sz="1600" b="1" dirty="0">
+                <a:solidFill>
+                  <a:srgbClr val="D19A66"/>
+                </a:solidFill>
+                <a:effectLst/>
+                <a:latin typeface="DejaVu Sans Mono, Consolas,  Courier New"/>
+              </a:rPr>
+              <a:t>0</a:t>
+            </a:r>
+            <a:r>
+              <a:rPr lang="en-US" altLang="zh-CN" sz="1600" b="1" dirty="0">
+                <a:solidFill>
+                  <a:srgbClr val="ABB2BF"/>
+                </a:solidFill>
+                <a:effectLst/>
+                <a:latin typeface="DejaVu Sans Mono, Consolas,  Courier New"/>
+              </a:rPr>
+              <a:t>; </a:t>
+            </a:r>
+            <a:r>
+              <a:rPr lang="en-US" altLang="zh-CN" sz="1600" b="1" dirty="0" err="1">
+                <a:solidFill>
+                  <a:srgbClr val="ABB2BF"/>
+                </a:solidFill>
+                <a:effectLst/>
+                <a:latin typeface="DejaVu Sans Mono, Consolas,  Courier New"/>
+              </a:rPr>
+              <a:t>i</a:t>
+            </a:r>
+            <a:r>
+              <a:rPr lang="en-US" altLang="zh-CN" sz="1600" b="1" dirty="0">
+                <a:solidFill>
+                  <a:srgbClr val="ABB2BF"/>
+                </a:solidFill>
+                <a:effectLst/>
+                <a:latin typeface="DejaVu Sans Mono, Consolas,  Courier New"/>
+              </a:rPr>
+              <a:t> </a:t>
+            </a:r>
+            <a:r>
+              <a:rPr lang="en-US" altLang="zh-CN" sz="1600" b="1" dirty="0">
+                <a:solidFill>
+                  <a:srgbClr val="C678DD"/>
+                </a:solidFill>
+                <a:effectLst/>
+                <a:latin typeface="DejaVu Sans Mono, Consolas,  Courier New"/>
+              </a:rPr>
+              <a:t>&lt;</a:t>
+            </a:r>
+            <a:r>
+              <a:rPr lang="en-US" altLang="zh-CN" sz="1600" b="1" dirty="0">
+                <a:solidFill>
+                  <a:srgbClr val="ABB2BF"/>
+                </a:solidFill>
+                <a:effectLst/>
+                <a:latin typeface="DejaVu Sans Mono, Consolas,  Courier New"/>
+              </a:rPr>
+              <a:t> n; </a:t>
+            </a:r>
+            <a:r>
+              <a:rPr lang="en-US" altLang="zh-CN" sz="1600" b="1" dirty="0" err="1">
+                <a:solidFill>
+                  <a:srgbClr val="ABB2BF"/>
+                </a:solidFill>
+                <a:effectLst/>
+                <a:latin typeface="DejaVu Sans Mono, Consolas,  Courier New"/>
+              </a:rPr>
+              <a:t>i</a:t>
+            </a:r>
+            <a:r>
+              <a:rPr lang="en-US" altLang="zh-CN" sz="1600" b="1" dirty="0">
+                <a:solidFill>
+                  <a:srgbClr val="C678DD"/>
+                </a:solidFill>
+                <a:effectLst/>
+                <a:latin typeface="DejaVu Sans Mono, Consolas,  Courier New"/>
+              </a:rPr>
+              <a:t>++</a:t>
+            </a:r>
+            <a:r>
+              <a:rPr lang="en-US" altLang="zh-CN" sz="1600" b="1" dirty="0">
+                <a:solidFill>
+                  <a:srgbClr val="ABB2BF"/>
+                </a:solidFill>
+                <a:effectLst/>
+                <a:latin typeface="DejaVu Sans Mono, Consolas,  Courier New"/>
+              </a:rPr>
+              <a:t>) {</a:t>
+            </a:r>
+          </a:p>
+          <a:p>
+            <a:r>
+              <a:rPr lang="en-US" altLang="zh-CN" sz="1600" b="1" dirty="0">
+                <a:solidFill>
+                  <a:srgbClr val="ABB2BF"/>
+                </a:solidFill>
+                <a:effectLst/>
+                <a:latin typeface="DejaVu Sans Mono, Consolas,  Courier New"/>
+              </a:rPr>
+              <a:t>        </a:t>
+            </a:r>
+            <a:r>
+              <a:rPr lang="en-US" altLang="zh-CN" sz="1600" b="1" dirty="0" err="1">
+                <a:solidFill>
+                  <a:srgbClr val="ABB2BF"/>
+                </a:solidFill>
+                <a:effectLst/>
+                <a:latin typeface="DejaVu Sans Mono, Consolas,  Courier New"/>
+              </a:rPr>
+              <a:t>cout</a:t>
+            </a:r>
+            <a:r>
+              <a:rPr lang="en-US" altLang="zh-CN" sz="1600" b="1" dirty="0">
+                <a:solidFill>
+                  <a:srgbClr val="ABB2BF"/>
+                </a:solidFill>
+                <a:effectLst/>
+                <a:latin typeface="DejaVu Sans Mono, Consolas,  Courier New"/>
+              </a:rPr>
+              <a:t> </a:t>
+            </a:r>
+            <a:r>
+              <a:rPr lang="en-US" altLang="zh-CN" sz="1600" b="1" dirty="0">
+                <a:solidFill>
+                  <a:srgbClr val="C678DD"/>
+                </a:solidFill>
+                <a:effectLst/>
+                <a:latin typeface="DejaVu Sans Mono, Consolas,  Courier New"/>
+              </a:rPr>
+              <a:t>&lt;&lt;</a:t>
+            </a:r>
+            <a:r>
+              <a:rPr lang="en-US" altLang="zh-CN" sz="1600" b="1" dirty="0">
+                <a:solidFill>
+                  <a:srgbClr val="ABB2BF"/>
+                </a:solidFill>
+                <a:effectLst/>
+                <a:latin typeface="DejaVu Sans Mono, Consolas,  Courier New"/>
+              </a:rPr>
+              <a:t> </a:t>
+            </a:r>
+            <a:r>
+              <a:rPr lang="en-US" altLang="zh-CN" sz="1600" b="1" dirty="0" err="1">
+                <a:solidFill>
+                  <a:srgbClr val="61AFEF"/>
+                </a:solidFill>
+                <a:effectLst/>
+                <a:latin typeface="DejaVu Sans Mono, Consolas,  Courier New"/>
+              </a:rPr>
+              <a:t>rnd</a:t>
+            </a:r>
+            <a:r>
+              <a:rPr lang="en-US" altLang="zh-CN" sz="1600" b="1" dirty="0">
+                <a:solidFill>
+                  <a:srgbClr val="ABB2BF"/>
+                </a:solidFill>
+                <a:effectLst/>
+                <a:latin typeface="DejaVu Sans Mono, Consolas,  Courier New"/>
+              </a:rPr>
+              <a:t>(</a:t>
+            </a:r>
+            <a:r>
+              <a:rPr lang="en-US" altLang="zh-CN" sz="1600" b="1" dirty="0">
+                <a:solidFill>
+                  <a:srgbClr val="D19A66"/>
+                </a:solidFill>
+                <a:effectLst/>
+                <a:latin typeface="DejaVu Sans Mono, Consolas,  Courier New"/>
+              </a:rPr>
+              <a:t>4</a:t>
+            </a:r>
+            <a:r>
+              <a:rPr lang="en-US" altLang="zh-CN" sz="1600" b="1" dirty="0">
+                <a:solidFill>
+                  <a:srgbClr val="ABB2BF"/>
+                </a:solidFill>
+                <a:effectLst/>
+                <a:latin typeface="DejaVu Sans Mono, Consolas,  Courier New"/>
+              </a:rPr>
+              <a:t>, </a:t>
+            </a:r>
+            <a:r>
+              <a:rPr lang="en-US" altLang="zh-CN" sz="1600" b="1" dirty="0">
+                <a:solidFill>
+                  <a:srgbClr val="D19A66"/>
+                </a:solidFill>
+                <a:effectLst/>
+                <a:latin typeface="DejaVu Sans Mono, Consolas,  Courier New"/>
+              </a:rPr>
+              <a:t>10</a:t>
+            </a:r>
+            <a:r>
+              <a:rPr lang="en-US" altLang="zh-CN" sz="1600" b="1" dirty="0">
+                <a:solidFill>
+                  <a:srgbClr val="ABB2BF"/>
+                </a:solidFill>
+                <a:effectLst/>
+                <a:latin typeface="DejaVu Sans Mono, Consolas,  Courier New"/>
+              </a:rPr>
+              <a:t>) </a:t>
+            </a:r>
+            <a:r>
+              <a:rPr lang="en-US" altLang="zh-CN" sz="1600" b="1" dirty="0">
+                <a:solidFill>
+                  <a:srgbClr val="C678DD"/>
+                </a:solidFill>
+                <a:effectLst/>
+                <a:latin typeface="DejaVu Sans Mono, Consolas,  Courier New"/>
+              </a:rPr>
+              <a:t>&lt;&lt;</a:t>
+            </a:r>
+            <a:r>
+              <a:rPr lang="en-US" altLang="zh-CN" sz="1600" b="1" dirty="0">
+                <a:solidFill>
+                  <a:srgbClr val="ABB2BF"/>
+                </a:solidFill>
+                <a:effectLst/>
+                <a:latin typeface="DejaVu Sans Mono, Consolas,  Courier New"/>
+              </a:rPr>
+              <a:t> </a:t>
+            </a:r>
+            <a:r>
+              <a:rPr lang="en-US" altLang="zh-CN" sz="1600" b="1" dirty="0" err="1">
+                <a:solidFill>
+                  <a:srgbClr val="ABB2BF"/>
+                </a:solidFill>
+                <a:effectLst/>
+                <a:latin typeface="DejaVu Sans Mono, Consolas,  Courier New"/>
+              </a:rPr>
+              <a:t>endl</a:t>
+            </a:r>
+            <a:r>
+              <a:rPr lang="en-US" altLang="zh-CN" sz="1600" b="1" dirty="0">
+                <a:solidFill>
+                  <a:srgbClr val="ABB2BF"/>
+                </a:solidFill>
+                <a:effectLst/>
+                <a:latin typeface="DejaVu Sans Mono, Consolas,  Courier New"/>
+              </a:rPr>
+              <a:t>;</a:t>
+            </a:r>
+          </a:p>
+          <a:p>
+            <a:r>
+              <a:rPr lang="en-US" altLang="zh-CN" sz="1600" b="1" dirty="0">
+                <a:solidFill>
+                  <a:srgbClr val="ABB2BF"/>
+                </a:solidFill>
+                <a:effectLst/>
+                <a:latin typeface="DejaVu Sans Mono, Consolas,  Courier New"/>
+              </a:rPr>
+              <a:t>    }</a:t>
+            </a:r>
+          </a:p>
+          <a:p>
+            <a:r>
+              <a:rPr lang="en-US" altLang="zh-CN" sz="1600" b="1" dirty="0">
+                <a:solidFill>
+                  <a:srgbClr val="ABB2BF"/>
+                </a:solidFill>
+                <a:effectLst/>
+                <a:latin typeface="DejaVu Sans Mono, Consolas,  Courier New"/>
+              </a:rPr>
+              <a:t>    </a:t>
+            </a:r>
+            <a:r>
+              <a:rPr lang="en-US" altLang="zh-CN" sz="1600" b="1" dirty="0">
+                <a:solidFill>
+                  <a:srgbClr val="C678DD"/>
+                </a:solidFill>
+                <a:effectLst/>
+                <a:latin typeface="DejaVu Sans Mono, Consolas,  Courier New"/>
+              </a:rPr>
+              <a:t>return</a:t>
+            </a:r>
+            <a:r>
+              <a:rPr lang="en-US" altLang="zh-CN" sz="1600" b="1" dirty="0">
+                <a:solidFill>
+                  <a:srgbClr val="ABB2BF"/>
+                </a:solidFill>
+                <a:effectLst/>
+                <a:latin typeface="DejaVu Sans Mono, Consolas,  Courier New"/>
+              </a:rPr>
+              <a:t> </a:t>
+            </a:r>
+            <a:r>
+              <a:rPr lang="en-US" altLang="zh-CN" sz="1600" b="1" dirty="0">
+                <a:solidFill>
+                  <a:srgbClr val="D19A66"/>
+                </a:solidFill>
+                <a:effectLst/>
+                <a:latin typeface="DejaVu Sans Mono, Consolas,  Courier New"/>
+              </a:rPr>
+              <a:t>0</a:t>
+            </a:r>
+            <a:r>
+              <a:rPr lang="en-US" altLang="zh-CN" sz="1600" b="1" dirty="0">
+                <a:solidFill>
+                  <a:srgbClr val="ABB2BF"/>
+                </a:solidFill>
+                <a:effectLst/>
+                <a:latin typeface="DejaVu Sans Mono, Consolas,  Courier New"/>
+              </a:rPr>
+              <a:t>;</a:t>
+            </a:r>
+          </a:p>
+          <a:p>
+            <a:r>
+              <a:rPr lang="en-US" altLang="zh-CN" sz="1600" b="1" dirty="0">
+                <a:solidFill>
+                  <a:srgbClr val="ABB2BF"/>
+                </a:solidFill>
+                <a:effectLst/>
+                <a:latin typeface="DejaVu Sans Mono, Consolas,  Courier New"/>
+              </a:rPr>
+              <a:t>}</a:t>
+            </a:r>
+          </a:p>
+        </p:txBody>
+      </p:sp>
+    </p:spTree>
+    <p:extLst>
+      <p:ext uri="{BB962C8B-B14F-4D97-AF65-F5344CB8AC3E}">
+        <p14:creationId xmlns:p14="http://schemas.microsoft.com/office/powerpoint/2010/main" val="3129138296"/>
+      </p:ext>
+    </p:extLst>
+  </p:cSld>
+  <p:clrMapOvr>
+    <a:masterClrMapping/>
+  </p:clrMapOvr>
+</p:sld>
+</file>
+
+<file path=ppt/slides/slide5.xml><?xml version="1.0" encoding="utf-8"?>
+<p:sld xmlns:a="http://schemas.openxmlformats.org/drawingml/2006/main" xmlns:r="http://schemas.openxmlformats.org/officeDocument/2006/relationships" xmlns:p="http://schemas.openxmlformats.org/presentationml/2006/main">
+  <p:cSld>
+    <p:spTree>
+      <p:nvGrpSpPr>
+        <p:cNvPr id="1" name=""/>
+        <p:cNvGrpSpPr/>
+        <p:nvPr/>
+      </p:nvGrpSpPr>
+      <p:grpSpPr>
+        <a:xfrm>
+          <a:off x="0" y="0"/>
+          <a:ext cx="0" cy="0"/>
+          <a:chOff x="0" y="0"/>
+          <a:chExt cx="0" cy="0"/>
+        </a:xfrm>
+      </p:grpSpPr>
+      <p:sp>
+        <p:nvSpPr>
+          <p:cNvPr id="2" name="标题 1">
+            <a:extLst>
+              <a:ext uri="{FF2B5EF4-FFF2-40B4-BE49-F238E27FC236}">
+                <a16:creationId xmlns:a16="http://schemas.microsoft.com/office/drawing/2014/main" id="{DE6FF1A9-6069-43F6-84FE-4FACC5677CA1}"/>
+              </a:ext>
+            </a:extLst>
+          </p:cNvPr>
+          <p:cNvSpPr>
+            <a:spLocks noGrp="1"/>
+          </p:cNvSpPr>
+          <p:nvPr>
+            <p:ph type="title"/>
+          </p:nvPr>
+        </p:nvSpPr>
+        <p:spPr>
+          <a:xfrm>
             <a:off x="628649" y="365126"/>
             <a:ext cx="8305286" cy="1325563"/>
           </a:xfrm>
@@ -5945,7 +9248,7 @@
     </p:spTree>
     <p:extLst>
       <p:ext uri="{BB962C8B-B14F-4D97-AF65-F5344CB8AC3E}">
-        <p14:creationId xmlns:p14="http://schemas.microsoft.com/office/powerpoint/2010/main" val="3129138296"/>
+        <p14:creationId xmlns:p14="http://schemas.microsoft.com/office/powerpoint/2010/main" val="3989052124"/>
       </p:ext>
     </p:extLst>
   </p:cSld>
@@ -5955,7 +9258,7 @@
 </p:sld>
 </file>
 
-<file path=ppt/slides/slide5.xml><?xml version="1.0" encoding="utf-8"?>
+<file path=ppt/slides/slide6.xml><?xml version="1.0" encoding="utf-8"?>
 <p:sld xmlns:a="http://schemas.openxmlformats.org/drawingml/2006/main" xmlns:r="http://schemas.openxmlformats.org/officeDocument/2006/relationships" xmlns:p="http://schemas.openxmlformats.org/presentationml/2006/main">
   <p:cSld>
     <p:spTree>
@@ -6269,7 +9572,7 @@
           <a:lstStyle/>
           <a:p>
             <a:r>
-              <a:rPr lang="zh-CN" altLang="en-US">
+              <a:rPr lang="zh-CN" altLang="en-US" dirty="0">
                 <a:latin typeface="Times New Roman" panose="02020603050405020304" pitchFamily="18" charset="0"/>
                 <a:ea typeface="宋体" panose="02010600030101010101" pitchFamily="2" charset="-122"/>
                 <a:cs typeface="Times New Roman" panose="02020603050405020304" pitchFamily="18" charset="0"/>
@@ -6282,7 +9585,7 @@
     </p:spTree>
     <p:extLst>
       <p:ext uri="{BB962C8B-B14F-4D97-AF65-F5344CB8AC3E}">
-        <p14:creationId xmlns:p14="http://schemas.microsoft.com/office/powerpoint/2010/main" val="3297020803"/>
+        <p14:creationId xmlns:p14="http://schemas.microsoft.com/office/powerpoint/2010/main" val="2150582244"/>
       </p:ext>
     </p:extLst>
   </p:cSld>
@@ -6292,7 +9595,7 @@
 </p:sld>
 </file>
 
-<file path=ppt/slides/slide6.xml><?xml version="1.0" encoding="utf-8"?>
+<file path=ppt/slides/slide7.xml><?xml version="1.0" encoding="utf-8"?>
 <p:sld xmlns:a="http://schemas.openxmlformats.org/drawingml/2006/main" xmlns:r="http://schemas.openxmlformats.org/officeDocument/2006/relationships" xmlns:p="http://schemas.openxmlformats.org/presentationml/2006/main">
   <p:cSld>
     <p:spTree>
@@ -6550,324 +9853,6 @@
 </p:sld>
 </file>
 
-<file path=ppt/slides/slide7.xml><?xml version="1.0" encoding="utf-8"?>
-<p:sld xmlns:a="http://schemas.openxmlformats.org/drawingml/2006/main" xmlns:r="http://schemas.openxmlformats.org/officeDocument/2006/relationships" xmlns:p="http://schemas.openxmlformats.org/presentationml/2006/main">
-  <p:cSld>
-    <p:spTree>
-      <p:nvGrpSpPr>
-        <p:cNvPr id="1" name=""/>
-        <p:cNvGrpSpPr/>
-        <p:nvPr/>
-      </p:nvGrpSpPr>
-      <p:grpSpPr>
-        <a:xfrm>
-          <a:off x="0" y="0"/>
-          <a:ext cx="0" cy="0"/>
-          <a:chOff x="0" y="0"/>
-          <a:chExt cx="0" cy="0"/>
-        </a:xfrm>
-      </p:grpSpPr>
-      <p:sp>
-        <p:nvSpPr>
-          <p:cNvPr id="2" name="标题 1">
-            <a:extLst>
-              <a:ext uri="{FF2B5EF4-FFF2-40B4-BE49-F238E27FC236}">
-                <a16:creationId xmlns:a16="http://schemas.microsoft.com/office/drawing/2014/main" id="{DE6FF1A9-6069-43F6-84FE-4FACC5677CA1}"/>
-              </a:ext>
-            </a:extLst>
-          </p:cNvPr>
-          <p:cNvSpPr>
-            <a:spLocks noGrp="1"/>
-          </p:cNvSpPr>
-          <p:nvPr>
-            <p:ph type="title"/>
-          </p:nvPr>
-        </p:nvSpPr>
-        <p:spPr>
-          <a:xfrm>
-            <a:off x="628649" y="365126"/>
-            <a:ext cx="8045793" cy="1325563"/>
-          </a:xfrm>
-        </p:spPr>
-        <p:txBody>
-          <a:bodyPr>
-            <a:normAutofit/>
-          </a:bodyPr>
-          <a:lstStyle/>
-          <a:p>
-            <a:pPr marL="571500" indent="-571500">
-              <a:buFont typeface="Wingdings" panose="05000000000000000000" pitchFamily="2" charset="2"/>
-              <a:buChar char="u"/>
-            </a:pPr>
-            <a:r>
-              <a:rPr lang="zh-CN" altLang="en-US" sz="3600" dirty="0">
-                <a:solidFill>
-                  <a:srgbClr val="0070C0"/>
-                </a:solidFill>
-                <a:latin typeface="宋体" panose="02010600030101010101" pitchFamily="2" charset="-122"/>
-                <a:ea typeface="宋体" panose="02010600030101010101" pitchFamily="2" charset="-122"/>
-              </a:rPr>
-              <a:t>问题</a:t>
-            </a:r>
-            <a:r>
-              <a:rPr lang="en-US" altLang="zh-CN" sz="3600" dirty="0">
-                <a:solidFill>
-                  <a:srgbClr val="0070C0"/>
-                </a:solidFill>
-                <a:latin typeface="宋体" panose="02010600030101010101" pitchFamily="2" charset="-122"/>
-                <a:ea typeface="宋体" panose="02010600030101010101" pitchFamily="2" charset="-122"/>
-              </a:rPr>
-              <a:t>2</a:t>
-            </a:r>
-            <a:r>
-              <a:rPr lang="zh-CN" altLang="en-US" sz="3600" dirty="0">
-                <a:solidFill>
-                  <a:srgbClr val="0070C0"/>
-                </a:solidFill>
-                <a:latin typeface="宋体" panose="02010600030101010101" pitchFamily="2" charset="-122"/>
-                <a:ea typeface="宋体" panose="02010600030101010101" pitchFamily="2" charset="-122"/>
-              </a:rPr>
-              <a:t>：如何去掉重复的随机数</a:t>
-            </a:r>
-          </a:p>
-        </p:txBody>
-      </p:sp>
-      <p:sp>
-        <p:nvSpPr>
-          <p:cNvPr id="3" name="内容占位符 2">
-            <a:extLst>
-              <a:ext uri="{FF2B5EF4-FFF2-40B4-BE49-F238E27FC236}">
-                <a16:creationId xmlns:a16="http://schemas.microsoft.com/office/drawing/2014/main" id="{7B754062-E8E7-4F1C-9A7D-A3D2C77F759C}"/>
-              </a:ext>
-            </a:extLst>
-          </p:cNvPr>
-          <p:cNvSpPr>
-            <a:spLocks noGrp="1"/>
-          </p:cNvSpPr>
-          <p:nvPr>
-            <p:ph idx="1"/>
-          </p:nvPr>
-        </p:nvSpPr>
-        <p:spPr/>
-        <p:txBody>
-          <a:bodyPr>
-            <a:normAutofit/>
-          </a:bodyPr>
-          <a:lstStyle/>
-          <a:p>
-            <a:r>
-              <a:rPr lang="zh-CN" altLang="en-US" dirty="0">
-                <a:latin typeface="宋体" panose="02010600030101010101" pitchFamily="2" charset="-122"/>
-                <a:ea typeface="宋体" panose="02010600030101010101" pitchFamily="2" charset="-122"/>
-              </a:rPr>
-              <a:t>如何去掉</a:t>
-            </a:r>
-            <a:r>
-              <a:rPr lang="en-US" altLang="zh-CN" dirty="0">
-                <a:latin typeface="宋体" panose="02010600030101010101" pitchFamily="2" charset="-122"/>
-                <a:ea typeface="宋体" panose="02010600030101010101" pitchFamily="2" charset="-122"/>
-              </a:rPr>
-              <a:t>100</a:t>
-            </a:r>
-            <a:r>
-              <a:rPr lang="zh-CN" altLang="en-US" dirty="0">
-                <a:latin typeface="宋体" panose="02010600030101010101" pitchFamily="2" charset="-122"/>
-                <a:ea typeface="宋体" panose="02010600030101010101" pitchFamily="2" charset="-122"/>
-              </a:rPr>
-              <a:t>万个数中的重复数字？而且不改变顺序。</a:t>
-            </a:r>
-            <a:endParaRPr lang="en-US" altLang="zh-CN" dirty="0">
-              <a:latin typeface="宋体" panose="02010600030101010101" pitchFamily="2" charset="-122"/>
-              <a:ea typeface="宋体" panose="02010600030101010101" pitchFamily="2" charset="-122"/>
-            </a:endParaRPr>
-          </a:p>
-          <a:p>
-            <a:pPr marL="914400" lvl="2" indent="0">
-              <a:buNone/>
-            </a:pPr>
-            <a:r>
-              <a:rPr lang="zh-CN" altLang="en-US" sz="2800" dirty="0">
-                <a:latin typeface="宋体" panose="02010600030101010101" pitchFamily="2" charset="-122"/>
-                <a:ea typeface="宋体" panose="02010600030101010101" pitchFamily="2" charset="-122"/>
-              </a:rPr>
-              <a:t>数太多，不可能用简单的暴力法；</a:t>
-            </a:r>
-            <a:endParaRPr lang="en-US" altLang="zh-CN" sz="2800" dirty="0">
-              <a:latin typeface="宋体" panose="02010600030101010101" pitchFamily="2" charset="-122"/>
-              <a:ea typeface="宋体" panose="02010600030101010101" pitchFamily="2" charset="-122"/>
-            </a:endParaRPr>
-          </a:p>
-          <a:p>
-            <a:pPr marL="914400" lvl="2" indent="0">
-              <a:buNone/>
-            </a:pPr>
-            <a:r>
-              <a:rPr lang="zh-CN" altLang="en-US" sz="2800" dirty="0">
-                <a:latin typeface="宋体" panose="02010600030101010101" pitchFamily="2" charset="-122"/>
-                <a:ea typeface="宋体" panose="02010600030101010101" pitchFamily="2" charset="-122"/>
-              </a:rPr>
-              <a:t>用</a:t>
-            </a:r>
-            <a:r>
-              <a:rPr lang="en-US" altLang="zh-CN" sz="2800" dirty="0">
-                <a:solidFill>
-                  <a:srgbClr val="FF0000"/>
-                </a:solidFill>
-                <a:latin typeface="宋体" panose="02010600030101010101" pitchFamily="2" charset="-122"/>
-                <a:ea typeface="宋体" panose="02010600030101010101" pitchFamily="2" charset="-122"/>
-              </a:rPr>
-              <a:t>unique()</a:t>
-            </a:r>
-            <a:r>
-              <a:rPr lang="zh-CN" altLang="en-US" sz="2800" dirty="0">
-                <a:latin typeface="宋体" panose="02010600030101010101" pitchFamily="2" charset="-122"/>
-                <a:ea typeface="宋体" panose="02010600030101010101" pitchFamily="2" charset="-122"/>
-              </a:rPr>
-              <a:t>去重会改变顺序。</a:t>
-            </a:r>
-            <a:endParaRPr lang="en-US" altLang="zh-CN" sz="2800" dirty="0">
-              <a:latin typeface="宋体" panose="02010600030101010101" pitchFamily="2" charset="-122"/>
-              <a:ea typeface="宋体" panose="02010600030101010101" pitchFamily="2" charset="-122"/>
-            </a:endParaRPr>
-          </a:p>
-          <a:p>
-            <a:endParaRPr lang="en-US" altLang="zh-CN" dirty="0">
-              <a:latin typeface="宋体" panose="02010600030101010101" pitchFamily="2" charset="-122"/>
-              <a:ea typeface="宋体" panose="02010600030101010101" pitchFamily="2" charset="-122"/>
-            </a:endParaRPr>
-          </a:p>
-          <a:p>
-            <a:r>
-              <a:rPr lang="zh-CN" altLang="en-US" dirty="0">
-                <a:latin typeface="宋体" panose="02010600030101010101" pitchFamily="2" charset="-122"/>
-                <a:ea typeface="宋体" panose="02010600030101010101" pitchFamily="2" charset="-122"/>
-              </a:rPr>
-              <a:t>简单又最快的方法：</a:t>
-            </a:r>
-            <a:r>
-              <a:rPr lang="en-US" altLang="zh-CN" dirty="0">
-                <a:latin typeface="宋体" panose="02010600030101010101" pitchFamily="2" charset="-122"/>
-                <a:ea typeface="宋体" panose="02010600030101010101" pitchFamily="2" charset="-122"/>
-              </a:rPr>
-              <a:t>hash</a:t>
-            </a:r>
-            <a:r>
-              <a:rPr lang="zh-CN" altLang="en-US" dirty="0">
-                <a:latin typeface="宋体" panose="02010600030101010101" pitchFamily="2" charset="-122"/>
-                <a:ea typeface="宋体" panose="02010600030101010101" pitchFamily="2" charset="-122"/>
-              </a:rPr>
-              <a:t>，用一个</a:t>
-            </a:r>
-            <a:r>
-              <a:rPr lang="en-US" altLang="zh-CN" dirty="0">
-                <a:latin typeface="宋体" panose="02010600030101010101" pitchFamily="2" charset="-122"/>
-                <a:ea typeface="宋体" panose="02010600030101010101" pitchFamily="2" charset="-122"/>
-              </a:rPr>
-              <a:t>hash</a:t>
-            </a:r>
-            <a:r>
-              <a:rPr lang="zh-CN" altLang="en-US" dirty="0">
-                <a:latin typeface="宋体" panose="02010600030101010101" pitchFamily="2" charset="-122"/>
-                <a:ea typeface="宋体" panose="02010600030101010101" pitchFamily="2" charset="-122"/>
-              </a:rPr>
-              <a:t>数组判断重复。（</a:t>
-            </a:r>
-            <a:r>
-              <a:rPr lang="zh-CN" altLang="en-US" dirty="0">
-                <a:solidFill>
-                  <a:srgbClr val="FF0000"/>
-                </a:solidFill>
-                <a:latin typeface="宋体" panose="02010600030101010101" pitchFamily="2" charset="-122"/>
-                <a:ea typeface="宋体" panose="02010600030101010101" pitchFamily="2" charset="-122"/>
-              </a:rPr>
-              <a:t>不过</a:t>
-            </a:r>
-            <a:r>
-              <a:rPr lang="zh-CN" altLang="en-US" dirty="0">
-                <a:latin typeface="宋体" panose="02010600030101010101" pitchFamily="2" charset="-122"/>
-                <a:ea typeface="宋体" panose="02010600030101010101" pitchFamily="2" charset="-122"/>
-              </a:rPr>
-              <a:t>，这个方法的问题是：产生的随机数都在</a:t>
-            </a:r>
-            <a:r>
-              <a:rPr lang="en-US" altLang="zh-CN" dirty="0">
-                <a:latin typeface="宋体" panose="02010600030101010101" pitchFamily="2" charset="-122"/>
-                <a:ea typeface="宋体" panose="02010600030101010101" pitchFamily="2" charset="-122"/>
-              </a:rPr>
-              <a:t>[0,100</a:t>
-            </a:r>
-            <a:r>
-              <a:rPr lang="zh-CN" altLang="en-US" dirty="0">
-                <a:latin typeface="宋体" panose="02010600030101010101" pitchFamily="2" charset="-122"/>
-                <a:ea typeface="宋体" panose="02010600030101010101" pitchFamily="2" charset="-122"/>
-              </a:rPr>
-              <a:t>万</a:t>
-            </a:r>
-            <a:r>
-              <a:rPr lang="en-US" altLang="zh-CN" dirty="0">
-                <a:latin typeface="宋体" panose="02010600030101010101" pitchFamily="2" charset="-122"/>
-                <a:ea typeface="宋体" panose="02010600030101010101" pitchFamily="2" charset="-122"/>
-              </a:rPr>
-              <a:t>]</a:t>
-            </a:r>
-            <a:r>
-              <a:rPr lang="zh-CN" altLang="en-US" dirty="0">
-                <a:latin typeface="宋体" panose="02010600030101010101" pitchFamily="2" charset="-122"/>
-                <a:ea typeface="宋体" panose="02010600030101010101" pitchFamily="2" charset="-122"/>
-              </a:rPr>
-              <a:t>之内）</a:t>
-            </a:r>
-            <a:endParaRPr lang="en-US" altLang="zh-CN" dirty="0">
-              <a:latin typeface="宋体" panose="02010600030101010101" pitchFamily="2" charset="-122"/>
-              <a:ea typeface="宋体" panose="02010600030101010101" pitchFamily="2" charset="-122"/>
-            </a:endParaRPr>
-          </a:p>
-        </p:txBody>
-      </p:sp>
-      <p:sp>
-        <p:nvSpPr>
-          <p:cNvPr id="4" name="页脚占位符 3">
-            <a:extLst>
-              <a:ext uri="{FF2B5EF4-FFF2-40B4-BE49-F238E27FC236}">
-                <a16:creationId xmlns:a16="http://schemas.microsoft.com/office/drawing/2014/main" id="{4FB44CC9-A572-463C-B93D-2403BB0E9621}"/>
-              </a:ext>
-            </a:extLst>
-          </p:cNvPr>
-          <p:cNvSpPr>
-            <a:spLocks noGrp="1"/>
-          </p:cNvSpPr>
-          <p:nvPr>
-            <p:ph type="ftr" sz="quarter" idx="11"/>
-          </p:nvPr>
-        </p:nvSpPr>
-        <p:spPr/>
-        <p:txBody>
-          <a:bodyPr/>
-          <a:lstStyle/>
-          <a:p>
-            <a:r>
-              <a:rPr lang="zh-CN" altLang="en-US">
-                <a:latin typeface="宋体" panose="02010600030101010101" pitchFamily="2" charset="-122"/>
-                <a:ea typeface="宋体" panose="02010600030101010101" pitchFamily="2" charset="-122"/>
-              </a:rPr>
-              <a:t>华东理工大学 罗勇军</a:t>
-            </a:r>
-          </a:p>
-        </p:txBody>
-      </p:sp>
-    </p:spTree>
-    <p:extLst>
-      <p:ext uri="{BB962C8B-B14F-4D97-AF65-F5344CB8AC3E}">
-        <p14:creationId xmlns:p14="http://schemas.microsoft.com/office/powerpoint/2010/main" val="1969854513"/>
-      </p:ext>
-    </p:extLst>
-  </p:cSld>
-  <p:clrMapOvr>
-    <a:masterClrMapping/>
-  </p:clrMapOvr>
-</p:sld>
-</file>
-
 <file path=ppt/slides/slide8.xml><?xml version="1.0" encoding="utf-8"?>
 <p:sld xmlns:a="http://schemas.openxmlformats.org/drawingml/2006/main" xmlns:r="http://schemas.openxmlformats.org/officeDocument/2006/relationships" xmlns:p="http://schemas.openxmlformats.org/presentationml/2006/main">
   <p:cSld>
@@ -6887,68 +9872,6 @@
       </p:grpSpPr>
       <p:sp>
         <p:nvSpPr>
-          <p:cNvPr id="2" name="标题 1">
-            <a:extLst>
-              <a:ext uri="{FF2B5EF4-FFF2-40B4-BE49-F238E27FC236}">
-                <a16:creationId xmlns:a16="http://schemas.microsoft.com/office/drawing/2014/main" id="{DE6FF1A9-6069-43F6-84FE-4FACC5677CA1}"/>
-              </a:ext>
-            </a:extLst>
-          </p:cNvPr>
-          <p:cNvSpPr>
-            <a:spLocks noGrp="1"/>
-          </p:cNvSpPr>
-          <p:nvPr>
-            <p:ph type="title"/>
-          </p:nvPr>
-        </p:nvSpPr>
-        <p:spPr>
-          <a:xfrm>
-            <a:off x="549103" y="686402"/>
-            <a:ext cx="8045793" cy="685198"/>
-          </a:xfrm>
-        </p:spPr>
-        <p:txBody>
-          <a:bodyPr>
-            <a:normAutofit/>
-          </a:bodyPr>
-          <a:lstStyle/>
-          <a:p>
-            <a:pPr algn="ctr"/>
-            <a:r>
-              <a:rPr lang="zh-CN" altLang="en-US" sz="3600" dirty="0">
-                <a:solidFill>
-                  <a:srgbClr val="0070C0"/>
-                </a:solidFill>
-                <a:latin typeface="宋体" panose="02010600030101010101" pitchFamily="2" charset="-122"/>
-                <a:ea typeface="宋体" panose="02010600030101010101" pitchFamily="2" charset="-122"/>
-              </a:rPr>
-              <a:t>用</a:t>
-            </a:r>
-            <a:r>
-              <a:rPr lang="en-US" altLang="zh-CN" sz="3600" dirty="0">
-                <a:solidFill>
-                  <a:srgbClr val="0070C0"/>
-                </a:solidFill>
-                <a:latin typeface="宋体" panose="02010600030101010101" pitchFamily="2" charset="-122"/>
-                <a:ea typeface="宋体" panose="02010600030101010101" pitchFamily="2" charset="-122"/>
-              </a:rPr>
-              <a:t>hash</a:t>
-            </a:r>
-            <a:r>
-              <a:rPr lang="zh-CN" altLang="en-US" sz="3600" dirty="0">
-                <a:solidFill>
-                  <a:srgbClr val="0070C0"/>
-                </a:solidFill>
-                <a:latin typeface="宋体" panose="02010600030101010101" pitchFamily="2" charset="-122"/>
-                <a:ea typeface="宋体" panose="02010600030101010101" pitchFamily="2" charset="-122"/>
-              </a:rPr>
-              <a:t>判重和去重</a:t>
-            </a:r>
-          </a:p>
-        </p:txBody>
-      </p:sp>
-      <p:sp>
-        <p:nvSpPr>
           <p:cNvPr id="3" name="内容占位符 2">
             <a:extLst>
               <a:ext uri="{FF2B5EF4-FFF2-40B4-BE49-F238E27FC236}">
@@ -6965,42 +9888,26 @@
         </p:nvSpPr>
         <p:spPr>
           <a:xfrm>
-            <a:off x="628650" y="1825625"/>
-            <a:ext cx="7886700" cy="4667248"/>
+            <a:off x="543306" y="280910"/>
+            <a:ext cx="7886700" cy="5225493"/>
           </a:xfrm>
         </p:spPr>
         <p:txBody>
           <a:bodyPr>
-            <a:normAutofit fontScale="92500" lnSpcReduction="20000"/>
+            <a:noAutofit/>
           </a:bodyPr>
           <a:lstStyle/>
           <a:p>
-            <a:pPr marL="0" indent="0">
-              <a:buNone/>
-            </a:pPr>
             <a:r>
               <a:rPr lang="en-US" altLang="zh-CN" dirty="0">
+                <a:solidFill>
+                  <a:srgbClr val="FF0000"/>
+                </a:solidFill>
                 <a:latin typeface="Times New Roman" panose="02020603050405020304" pitchFamily="18" charset="0"/>
                 <a:ea typeface="宋体" panose="02010600030101010101" pitchFamily="2" charset="-122"/>
                 <a:cs typeface="Times New Roman" panose="02020603050405020304" pitchFamily="18" charset="0"/>
               </a:rPr>
-              <a:t>int </a:t>
-            </a:r>
-            <a:r>
-              <a:rPr lang="en-US" altLang="zh-CN" dirty="0" err="1">
-                <a:latin typeface="Times New Roman" panose="02020603050405020304" pitchFamily="18" charset="0"/>
-                <a:ea typeface="宋体" panose="02010600030101010101" pitchFamily="2" charset="-122"/>
-                <a:cs typeface="Times New Roman" panose="02020603050405020304" pitchFamily="18" charset="0"/>
-              </a:rPr>
-              <a:t>myhash</a:t>
-            </a:r>
-            <a:r>
-              <a:rPr lang="en-US" altLang="zh-CN" dirty="0">
-                <a:latin typeface="Times New Roman" panose="02020603050405020304" pitchFamily="18" charset="0"/>
-                <a:ea typeface="宋体" panose="02010600030101010101" pitchFamily="2" charset="-122"/>
-                <a:cs typeface="Times New Roman" panose="02020603050405020304" pitchFamily="18" charset="0"/>
-              </a:rPr>
-              <a:t>[MAX];     //hash</a:t>
+              <a:t>C++11 - mt19937_64</a:t>
             </a:r>
             <a:r>
               <a:rPr lang="zh-CN" altLang="en-US" dirty="0">
@@ -7008,7 +9915,7 @@
                 <a:ea typeface="宋体" panose="02010600030101010101" pitchFamily="2" charset="-122"/>
                 <a:cs typeface="Times New Roman" panose="02020603050405020304" pitchFamily="18" charset="0"/>
               </a:rPr>
-              <a:t>表</a:t>
+              <a:t>：</a:t>
             </a:r>
             <a:endParaRPr lang="en-US" altLang="zh-CN" dirty="0">
               <a:latin typeface="Times New Roman" panose="02020603050405020304" pitchFamily="18" charset="0"/>
@@ -7021,12 +9928,28 @@
               <a:buNone/>
             </a:pPr>
             <a:r>
+              <a:rPr lang="zh-CN" altLang="en-US" dirty="0">
+                <a:latin typeface="Times New Roman" panose="02020603050405020304" pitchFamily="18" charset="0"/>
+                <a:ea typeface="宋体" panose="02010600030101010101" pitchFamily="2" charset="-122"/>
+                <a:cs typeface="Times New Roman" panose="02020603050405020304" pitchFamily="18" charset="0"/>
+              </a:rPr>
+              <a:t>和</a:t>
+            </a:r>
+            <a:r>
               <a:rPr lang="en-US" altLang="zh-CN" dirty="0">
                 <a:latin typeface="Times New Roman" panose="02020603050405020304" pitchFamily="18" charset="0"/>
                 <a:ea typeface="宋体" panose="02010600030101010101" pitchFamily="2" charset="-122"/>
                 <a:cs typeface="Times New Roman" panose="02020603050405020304" pitchFamily="18" charset="0"/>
               </a:rPr>
-              <a:t>int </a:t>
+              <a:t>rand()</a:t>
+            </a:r>
+            <a:r>
+              <a:rPr lang="zh-CN" altLang="en-US" dirty="0">
+                <a:latin typeface="Times New Roman" panose="02020603050405020304" pitchFamily="18" charset="0"/>
+                <a:ea typeface="宋体" panose="02010600030101010101" pitchFamily="2" charset="-122"/>
+                <a:cs typeface="Times New Roman" panose="02020603050405020304" pitchFamily="18" charset="0"/>
+              </a:rPr>
+              <a:t>的区别：无上限限制，但是可以自己设定，可以生成</a:t>
             </a:r>
             <a:r>
               <a:rPr lang="en-US" altLang="zh-CN" dirty="0" err="1">
@@ -7034,15 +9957,7 @@
                 <a:ea typeface="宋体" panose="02010600030101010101" pitchFamily="2" charset="-122"/>
                 <a:cs typeface="Times New Roman" panose="02020603050405020304" pitchFamily="18" charset="0"/>
               </a:rPr>
-              <a:t>mynum</a:t>
-            </a:r>
-            <a:r>
-              <a:rPr lang="en-US" altLang="zh-CN" dirty="0">
-                <a:latin typeface="Times New Roman" panose="02020603050405020304" pitchFamily="18" charset="0"/>
-                <a:ea typeface="宋体" panose="02010600030101010101" pitchFamily="2" charset="-122"/>
-                <a:cs typeface="Times New Roman" panose="02020603050405020304" pitchFamily="18" charset="0"/>
-              </a:rPr>
-              <a:t>[MAX];     //</a:t>
+              <a:t>longlong</a:t>
             </a:r>
             <a:r>
               <a:rPr lang="zh-CN" altLang="en-US" dirty="0">
@@ -7050,7 +9965,7 @@
                 <a:ea typeface="宋体" panose="02010600030101010101" pitchFamily="2" charset="-122"/>
                 <a:cs typeface="Times New Roman" panose="02020603050405020304" pitchFamily="18" charset="0"/>
               </a:rPr>
-              <a:t>记录不同的随机数</a:t>
+              <a:t>的超大数字。</a:t>
             </a:r>
             <a:endParaRPr lang="en-US" altLang="zh-CN" dirty="0">
               <a:latin typeface="Times New Roman" panose="02020603050405020304" pitchFamily="18" charset="0"/>
@@ -7062,372 +9977,22 @@
             <a:pPr marL="0" indent="0">
               <a:buNone/>
             </a:pPr>
-            <a:endParaRPr lang="en-US" altLang="zh-CN" dirty="0">
-              <a:latin typeface="Times New Roman" panose="02020603050405020304" pitchFamily="18" charset="0"/>
-              <a:ea typeface="宋体" panose="02010600030101010101" pitchFamily="2" charset="-122"/>
-              <a:cs typeface="Times New Roman" panose="02020603050405020304" pitchFamily="18" charset="0"/>
-            </a:endParaRPr>
-          </a:p>
-          <a:p>
-            <a:pPr marL="0" indent="0">
-              <a:buNone/>
-            </a:pPr>
+            <a:r>
+              <a:rPr lang="en-US" altLang="zh-CN" dirty="0">
+                <a:latin typeface="Times New Roman" panose="02020603050405020304" pitchFamily="18" charset="0"/>
+                <a:ea typeface="宋体" panose="02010600030101010101" pitchFamily="2" charset="-122"/>
+                <a:cs typeface="Times New Roman" panose="02020603050405020304" pitchFamily="18" charset="0"/>
+              </a:rPr>
+              <a:t>1. </a:t>
+            </a:r>
             <a:r>
               <a:rPr lang="zh-CN" altLang="en-US" dirty="0">
                 <a:latin typeface="Times New Roman" panose="02020603050405020304" pitchFamily="18" charset="0"/>
                 <a:ea typeface="宋体" panose="02010600030101010101" pitchFamily="2" charset="-122"/>
                 <a:cs typeface="Times New Roman" panose="02020603050405020304" pitchFamily="18" charset="0"/>
               </a:rPr>
-              <a:t>下面处理随机数</a:t>
-            </a:r>
-            <a:r>
-              <a:rPr lang="en-US" altLang="zh-CN" dirty="0" err="1">
-                <a:latin typeface="Times New Roman" panose="02020603050405020304" pitchFamily="18" charset="0"/>
-                <a:ea typeface="宋体" panose="02010600030101010101" pitchFamily="2" charset="-122"/>
-                <a:cs typeface="Times New Roman" panose="02020603050405020304" pitchFamily="18" charset="0"/>
-              </a:rPr>
-              <a:t>big_rand</a:t>
-            </a:r>
-            <a:r>
-              <a:rPr lang="zh-CN" altLang="en-US" dirty="0">
-                <a:latin typeface="Times New Roman" panose="02020603050405020304" pitchFamily="18" charset="0"/>
-                <a:ea typeface="宋体" panose="02010600030101010101" pitchFamily="2" charset="-122"/>
-                <a:cs typeface="Times New Roman" panose="02020603050405020304" pitchFamily="18" charset="0"/>
-              </a:rPr>
-              <a:t>：</a:t>
-            </a:r>
-            <a:endParaRPr lang="en-US" altLang="zh-CN" dirty="0">
-              <a:latin typeface="Times New Roman" panose="02020603050405020304" pitchFamily="18" charset="0"/>
-              <a:ea typeface="宋体" panose="02010600030101010101" pitchFamily="2" charset="-122"/>
-              <a:cs typeface="Times New Roman" panose="02020603050405020304" pitchFamily="18" charset="0"/>
-            </a:endParaRPr>
-          </a:p>
-          <a:p>
-            <a:pPr marL="0" indent="0">
-              <a:buNone/>
-            </a:pPr>
-            <a:endParaRPr lang="en-US" altLang="zh-CN" dirty="0">
-              <a:latin typeface="Times New Roman" panose="02020603050405020304" pitchFamily="18" charset="0"/>
-              <a:ea typeface="宋体" panose="02010600030101010101" pitchFamily="2" charset="-122"/>
-              <a:cs typeface="Times New Roman" panose="02020603050405020304" pitchFamily="18" charset="0"/>
-            </a:endParaRPr>
-          </a:p>
-          <a:p>
-            <a:pPr marL="0" indent="0">
-              <a:buNone/>
-            </a:pPr>
-            <a:r>
-              <a:rPr lang="en-US" altLang="zh-CN" dirty="0">
-                <a:latin typeface="Times New Roman" panose="02020603050405020304" pitchFamily="18" charset="0"/>
-                <a:ea typeface="宋体" panose="02010600030101010101" pitchFamily="2" charset="-122"/>
-                <a:cs typeface="Times New Roman" panose="02020603050405020304" pitchFamily="18" charset="0"/>
-              </a:rPr>
-              <a:t>if(</a:t>
-            </a:r>
-            <a:r>
-              <a:rPr lang="en-US" altLang="zh-CN" dirty="0" err="1">
-                <a:latin typeface="Times New Roman" panose="02020603050405020304" pitchFamily="18" charset="0"/>
-                <a:ea typeface="宋体" panose="02010600030101010101" pitchFamily="2" charset="-122"/>
-                <a:cs typeface="Times New Roman" panose="02020603050405020304" pitchFamily="18" charset="0"/>
-              </a:rPr>
-              <a:t>myhash</a:t>
-            </a:r>
-            <a:r>
-              <a:rPr lang="en-US" altLang="zh-CN" dirty="0">
-                <a:latin typeface="Times New Roman" panose="02020603050405020304" pitchFamily="18" charset="0"/>
-                <a:ea typeface="宋体" panose="02010600030101010101" pitchFamily="2" charset="-122"/>
-                <a:cs typeface="Times New Roman" panose="02020603050405020304" pitchFamily="18" charset="0"/>
-              </a:rPr>
-              <a:t>[</a:t>
-            </a:r>
-            <a:r>
-              <a:rPr lang="en-US" altLang="zh-CN" dirty="0" err="1">
-                <a:latin typeface="Times New Roman" panose="02020603050405020304" pitchFamily="18" charset="0"/>
-                <a:ea typeface="宋体" panose="02010600030101010101" pitchFamily="2" charset="-122"/>
-                <a:cs typeface="Times New Roman" panose="02020603050405020304" pitchFamily="18" charset="0"/>
-              </a:rPr>
-              <a:t>big_rand</a:t>
-            </a:r>
-            <a:r>
-              <a:rPr lang="en-US" altLang="zh-CN" dirty="0">
-                <a:latin typeface="Times New Roman" panose="02020603050405020304" pitchFamily="18" charset="0"/>
-                <a:ea typeface="宋体" panose="02010600030101010101" pitchFamily="2" charset="-122"/>
-                <a:cs typeface="Times New Roman" panose="02020603050405020304" pitchFamily="18" charset="0"/>
-              </a:rPr>
-              <a:t>] == 0) {      //</a:t>
-            </a:r>
-            <a:r>
-              <a:rPr lang="zh-CN" altLang="en-US" dirty="0">
-                <a:latin typeface="Times New Roman" panose="02020603050405020304" pitchFamily="18" charset="0"/>
-                <a:ea typeface="宋体" panose="02010600030101010101" pitchFamily="2" charset="-122"/>
-                <a:cs typeface="Times New Roman" panose="02020603050405020304" pitchFamily="18" charset="0"/>
-              </a:rPr>
-              <a:t>第</a:t>
-            </a:r>
-            <a:r>
-              <a:rPr lang="en-US" altLang="zh-CN" dirty="0" err="1">
-                <a:latin typeface="Times New Roman" panose="02020603050405020304" pitchFamily="18" charset="0"/>
-                <a:ea typeface="宋体" panose="02010600030101010101" pitchFamily="2" charset="-122"/>
-                <a:cs typeface="Times New Roman" panose="02020603050405020304" pitchFamily="18" charset="0"/>
-              </a:rPr>
-              <a:t>big_rand</a:t>
-            </a:r>
-            <a:r>
-              <a:rPr lang="zh-CN" altLang="en-US" dirty="0">
-                <a:latin typeface="Times New Roman" panose="02020603050405020304" pitchFamily="18" charset="0"/>
-                <a:ea typeface="宋体" panose="02010600030101010101" pitchFamily="2" charset="-122"/>
-                <a:cs typeface="Times New Roman" panose="02020603050405020304" pitchFamily="18" charset="0"/>
-              </a:rPr>
-              <a:t>位置还没有</a:t>
-            </a:r>
-            <a:endParaRPr lang="en-US" altLang="zh-CN" dirty="0">
-              <a:latin typeface="Times New Roman" panose="02020603050405020304" pitchFamily="18" charset="0"/>
-              <a:ea typeface="宋体" panose="02010600030101010101" pitchFamily="2" charset="-122"/>
-              <a:cs typeface="Times New Roman" panose="02020603050405020304" pitchFamily="18" charset="0"/>
-            </a:endParaRPr>
-          </a:p>
-          <a:p>
-            <a:pPr marL="0" indent="0">
-              <a:buNone/>
-            </a:pPr>
-            <a:r>
-              <a:rPr lang="en-US" altLang="zh-CN" dirty="0">
-                <a:latin typeface="Times New Roman" panose="02020603050405020304" pitchFamily="18" charset="0"/>
-                <a:ea typeface="宋体" panose="02010600030101010101" pitchFamily="2" charset="-122"/>
-                <a:cs typeface="Times New Roman" panose="02020603050405020304" pitchFamily="18" charset="0"/>
-              </a:rPr>
-              <a:t>     </a:t>
-            </a:r>
-            <a:r>
-              <a:rPr lang="en-US" altLang="zh-CN" dirty="0" err="1">
-                <a:latin typeface="Times New Roman" panose="02020603050405020304" pitchFamily="18" charset="0"/>
-                <a:ea typeface="宋体" panose="02010600030101010101" pitchFamily="2" charset="-122"/>
-                <a:cs typeface="Times New Roman" panose="02020603050405020304" pitchFamily="18" charset="0"/>
-              </a:rPr>
-              <a:t>myhash</a:t>
-            </a:r>
-            <a:r>
-              <a:rPr lang="en-US" altLang="zh-CN" dirty="0">
-                <a:latin typeface="Times New Roman" panose="02020603050405020304" pitchFamily="18" charset="0"/>
-                <a:ea typeface="宋体" panose="02010600030101010101" pitchFamily="2" charset="-122"/>
-                <a:cs typeface="Times New Roman" panose="02020603050405020304" pitchFamily="18" charset="0"/>
-              </a:rPr>
-              <a:t>[</a:t>
-            </a:r>
-            <a:r>
-              <a:rPr lang="en-US" altLang="zh-CN" dirty="0" err="1">
-                <a:latin typeface="Times New Roman" panose="02020603050405020304" pitchFamily="18" charset="0"/>
-                <a:ea typeface="宋体" panose="02010600030101010101" pitchFamily="2" charset="-122"/>
-                <a:cs typeface="Times New Roman" panose="02020603050405020304" pitchFamily="18" charset="0"/>
-              </a:rPr>
-              <a:t>big_rand</a:t>
-            </a:r>
-            <a:r>
-              <a:rPr lang="en-US" altLang="zh-CN" dirty="0">
-                <a:latin typeface="Times New Roman" panose="02020603050405020304" pitchFamily="18" charset="0"/>
-                <a:ea typeface="宋体" panose="02010600030101010101" pitchFamily="2" charset="-122"/>
-                <a:cs typeface="Times New Roman" panose="02020603050405020304" pitchFamily="18" charset="0"/>
-              </a:rPr>
-              <a:t>]=1;            </a:t>
-            </a:r>
-          </a:p>
-          <a:p>
-            <a:pPr marL="0" indent="0">
-              <a:buNone/>
-            </a:pPr>
-            <a:r>
-              <a:rPr lang="en-US" altLang="zh-CN" dirty="0">
-                <a:latin typeface="Times New Roman" panose="02020603050405020304" pitchFamily="18" charset="0"/>
-                <a:ea typeface="宋体" panose="02010600030101010101" pitchFamily="2" charset="-122"/>
-                <a:cs typeface="Times New Roman" panose="02020603050405020304" pitchFamily="18" charset="0"/>
-              </a:rPr>
-              <a:t>        </a:t>
-            </a:r>
-            <a:r>
-              <a:rPr lang="en-US" altLang="zh-CN" sz="2400" dirty="0">
-                <a:latin typeface="Times New Roman" panose="02020603050405020304" pitchFamily="18" charset="0"/>
-                <a:ea typeface="宋体" panose="02010600030101010101" pitchFamily="2" charset="-122"/>
-                <a:cs typeface="Times New Roman" panose="02020603050405020304" pitchFamily="18" charset="0"/>
-              </a:rPr>
-              <a:t>//</a:t>
-            </a:r>
-            <a:r>
-              <a:rPr lang="zh-CN" altLang="en-US" sz="2400" dirty="0">
-                <a:latin typeface="Times New Roman" panose="02020603050405020304" pitchFamily="18" charset="0"/>
-                <a:ea typeface="宋体" panose="02010600030101010101" pitchFamily="2" charset="-122"/>
-                <a:cs typeface="Times New Roman" panose="02020603050405020304" pitchFamily="18" charset="0"/>
-              </a:rPr>
-              <a:t>随机数</a:t>
-            </a:r>
-            <a:r>
-              <a:rPr lang="en-US" altLang="zh-CN" sz="2400" dirty="0" err="1">
-                <a:latin typeface="Times New Roman" panose="02020603050405020304" pitchFamily="18" charset="0"/>
-                <a:ea typeface="宋体" panose="02010600030101010101" pitchFamily="2" charset="-122"/>
-                <a:cs typeface="Times New Roman" panose="02020603050405020304" pitchFamily="18" charset="0"/>
-              </a:rPr>
-              <a:t>big_rand</a:t>
-            </a:r>
-            <a:r>
-              <a:rPr lang="en-US" altLang="zh-CN" sz="2400" dirty="0">
-                <a:latin typeface="Times New Roman" panose="02020603050405020304" pitchFamily="18" charset="0"/>
-                <a:ea typeface="宋体" panose="02010600030101010101" pitchFamily="2" charset="-122"/>
-                <a:cs typeface="Times New Roman" panose="02020603050405020304" pitchFamily="18" charset="0"/>
-              </a:rPr>
-              <a:t> </a:t>
-            </a:r>
-            <a:r>
-              <a:rPr lang="zh-CN" altLang="en-US" sz="2400" dirty="0">
-                <a:latin typeface="Times New Roman" panose="02020603050405020304" pitchFamily="18" charset="0"/>
-                <a:ea typeface="宋体" panose="02010600030101010101" pitchFamily="2" charset="-122"/>
-                <a:cs typeface="Times New Roman" panose="02020603050405020304" pitchFamily="18" charset="0"/>
-              </a:rPr>
-              <a:t>，登记在</a:t>
-            </a:r>
-            <a:r>
-              <a:rPr lang="en-US" altLang="zh-CN" sz="2400" dirty="0" err="1">
-                <a:latin typeface="Times New Roman" panose="02020603050405020304" pitchFamily="18" charset="0"/>
-                <a:ea typeface="宋体" panose="02010600030101010101" pitchFamily="2" charset="-122"/>
-                <a:cs typeface="Times New Roman" panose="02020603050405020304" pitchFamily="18" charset="0"/>
-              </a:rPr>
-              <a:t>myhash</a:t>
-            </a:r>
-            <a:r>
-              <a:rPr lang="en-US" altLang="zh-CN" sz="2400" dirty="0">
-                <a:latin typeface="Times New Roman" panose="02020603050405020304" pitchFamily="18" charset="0"/>
-                <a:ea typeface="宋体" panose="02010600030101010101" pitchFamily="2" charset="-122"/>
-                <a:cs typeface="Times New Roman" panose="02020603050405020304" pitchFamily="18" charset="0"/>
-              </a:rPr>
-              <a:t>[]</a:t>
-            </a:r>
-            <a:r>
-              <a:rPr lang="zh-CN" altLang="en-US" sz="2400" dirty="0">
-                <a:latin typeface="Times New Roman" panose="02020603050405020304" pitchFamily="18" charset="0"/>
-                <a:ea typeface="宋体" panose="02010600030101010101" pitchFamily="2" charset="-122"/>
-                <a:cs typeface="Times New Roman" panose="02020603050405020304" pitchFamily="18" charset="0"/>
-              </a:rPr>
-              <a:t>的第</a:t>
-            </a:r>
-            <a:r>
-              <a:rPr lang="en-US" altLang="zh-CN" sz="2400" dirty="0" err="1">
-                <a:latin typeface="Times New Roman" panose="02020603050405020304" pitchFamily="18" charset="0"/>
-                <a:ea typeface="宋体" panose="02010600030101010101" pitchFamily="2" charset="-122"/>
-                <a:cs typeface="Times New Roman" panose="02020603050405020304" pitchFamily="18" charset="0"/>
-              </a:rPr>
-              <a:t>big_rand</a:t>
-            </a:r>
-            <a:r>
-              <a:rPr lang="zh-CN" altLang="en-US" sz="2400" dirty="0">
-                <a:latin typeface="Times New Roman" panose="02020603050405020304" pitchFamily="18" charset="0"/>
-                <a:ea typeface="宋体" panose="02010600030101010101" pitchFamily="2" charset="-122"/>
-                <a:cs typeface="Times New Roman" panose="02020603050405020304" pitchFamily="18" charset="0"/>
-              </a:rPr>
-              <a:t>个位置</a:t>
-            </a:r>
-            <a:endParaRPr lang="zh-CN" altLang="en-US" dirty="0">
-              <a:latin typeface="Times New Roman" panose="02020603050405020304" pitchFamily="18" charset="0"/>
-              <a:ea typeface="宋体" panose="02010600030101010101" pitchFamily="2" charset="-122"/>
-              <a:cs typeface="Times New Roman" panose="02020603050405020304" pitchFamily="18" charset="0"/>
-            </a:endParaRPr>
-          </a:p>
-          <a:p>
-            <a:pPr marL="0" indent="0">
-              <a:buNone/>
-            </a:pPr>
-            <a:r>
-              <a:rPr lang="zh-CN" altLang="en-US" dirty="0">
-                <a:latin typeface="Times New Roman" panose="02020603050405020304" pitchFamily="18" charset="0"/>
-                <a:ea typeface="宋体" panose="02010600030101010101" pitchFamily="2" charset="-122"/>
-                <a:cs typeface="Times New Roman" panose="02020603050405020304" pitchFamily="18" charset="0"/>
-              </a:rPr>
-              <a:t>     </a:t>
-            </a:r>
-            <a:r>
-              <a:rPr lang="en-US" altLang="zh-CN" dirty="0" err="1">
-                <a:latin typeface="Times New Roman" panose="02020603050405020304" pitchFamily="18" charset="0"/>
-                <a:ea typeface="宋体" panose="02010600030101010101" pitchFamily="2" charset="-122"/>
-                <a:cs typeface="Times New Roman" panose="02020603050405020304" pitchFamily="18" charset="0"/>
-              </a:rPr>
-              <a:t>mynum</a:t>
-            </a:r>
-            <a:r>
-              <a:rPr lang="en-US" altLang="zh-CN" dirty="0">
-                <a:latin typeface="Times New Roman" panose="02020603050405020304" pitchFamily="18" charset="0"/>
-                <a:ea typeface="宋体" panose="02010600030101010101" pitchFamily="2" charset="-122"/>
-                <a:cs typeface="Times New Roman" panose="02020603050405020304" pitchFamily="18" charset="0"/>
-              </a:rPr>
-              <a:t>[num]= </a:t>
-            </a:r>
-            <a:r>
-              <a:rPr lang="en-US" altLang="zh-CN" dirty="0" err="1">
-                <a:latin typeface="Times New Roman" panose="02020603050405020304" pitchFamily="18" charset="0"/>
-                <a:ea typeface="宋体" panose="02010600030101010101" pitchFamily="2" charset="-122"/>
-                <a:cs typeface="Times New Roman" panose="02020603050405020304" pitchFamily="18" charset="0"/>
-              </a:rPr>
-              <a:t>big_rand</a:t>
-            </a:r>
-            <a:r>
-              <a:rPr lang="en-US" altLang="zh-CN" dirty="0">
-                <a:latin typeface="Times New Roman" panose="02020603050405020304" pitchFamily="18" charset="0"/>
-                <a:ea typeface="宋体" panose="02010600030101010101" pitchFamily="2" charset="-122"/>
-                <a:cs typeface="Times New Roman" panose="02020603050405020304" pitchFamily="18" charset="0"/>
-              </a:rPr>
-              <a:t>;         //</a:t>
-            </a:r>
-            <a:r>
-              <a:rPr lang="zh-CN" altLang="en-US" dirty="0">
-                <a:latin typeface="Times New Roman" panose="02020603050405020304" pitchFamily="18" charset="0"/>
-                <a:ea typeface="宋体" panose="02010600030101010101" pitchFamily="2" charset="-122"/>
-                <a:cs typeface="Times New Roman" panose="02020603050405020304" pitchFamily="18" charset="0"/>
-              </a:rPr>
-              <a:t>记录随机数</a:t>
-            </a:r>
-          </a:p>
-          <a:p>
-            <a:pPr marL="0" indent="0">
-              <a:buNone/>
-            </a:pPr>
-            <a:r>
-              <a:rPr lang="zh-CN" altLang="en-US" dirty="0">
-                <a:latin typeface="Times New Roman" panose="02020603050405020304" pitchFamily="18" charset="0"/>
-                <a:ea typeface="宋体" panose="02010600030101010101" pitchFamily="2" charset="-122"/>
-                <a:cs typeface="Times New Roman" panose="02020603050405020304" pitchFamily="18" charset="0"/>
-              </a:rPr>
-              <a:t>     </a:t>
-            </a:r>
-            <a:r>
-              <a:rPr lang="en-US" altLang="zh-CN" dirty="0">
-                <a:latin typeface="Times New Roman" panose="02020603050405020304" pitchFamily="18" charset="0"/>
-                <a:ea typeface="宋体" panose="02010600030101010101" pitchFamily="2" charset="-122"/>
-                <a:cs typeface="Times New Roman" panose="02020603050405020304" pitchFamily="18" charset="0"/>
-              </a:rPr>
-              <a:t>num++;                                     //</a:t>
-            </a:r>
-            <a:r>
-              <a:rPr lang="zh-CN" altLang="en-US" dirty="0">
-                <a:latin typeface="Times New Roman" panose="02020603050405020304" pitchFamily="18" charset="0"/>
-                <a:ea typeface="宋体" panose="02010600030101010101" pitchFamily="2" charset="-122"/>
-                <a:cs typeface="Times New Roman" panose="02020603050405020304" pitchFamily="18" charset="0"/>
-              </a:rPr>
-              <a:t>记录随机数的数量</a:t>
-            </a:r>
-          </a:p>
-          <a:p>
-            <a:pPr marL="0" indent="0">
-              <a:buNone/>
-            </a:pPr>
-            <a:r>
-              <a:rPr lang="en-US" altLang="zh-CN" dirty="0">
-                <a:latin typeface="Times New Roman" panose="02020603050405020304" pitchFamily="18" charset="0"/>
-                <a:ea typeface="宋体" panose="02010600030101010101" pitchFamily="2" charset="-122"/>
-                <a:cs typeface="Times New Roman" panose="02020603050405020304" pitchFamily="18" charset="0"/>
-              </a:rPr>
-              <a:t>}</a:t>
-            </a:r>
-            <a:endParaRPr lang="zh-CN" altLang="en-US" dirty="0">
-              <a:latin typeface="Times New Roman" panose="02020603050405020304" pitchFamily="18" charset="0"/>
-              <a:ea typeface="宋体" panose="02010600030101010101" pitchFamily="2" charset="-122"/>
-              <a:cs typeface="Times New Roman" panose="02020603050405020304" pitchFamily="18" charset="0"/>
-            </a:endParaRPr>
+              <a:t>生成无范围的大数字</a:t>
+            </a:r>
           </a:p>
         </p:txBody>
       </p:sp>
@@ -7436,7 +10001,7 @@
           <p:cNvPr id="4" name="页脚占位符 3">
             <a:extLst>
               <a:ext uri="{FF2B5EF4-FFF2-40B4-BE49-F238E27FC236}">
-                <a16:creationId xmlns:a16="http://schemas.microsoft.com/office/drawing/2014/main" id="{29C9813E-D410-4C38-97F8-AFFC8910AC26}"/>
+                <a16:creationId xmlns:a16="http://schemas.microsoft.com/office/drawing/2014/main" id="{8204B7F5-1BA7-4084-988F-081BAE25D469}"/>
               </a:ext>
             </a:extLst>
           </p:cNvPr>
@@ -7453,8 +10018,638 @@
           <a:lstStyle/>
           <a:p>
             <a:r>
-              <a:rPr lang="zh-CN" altLang="en-US"/>
+              <a:rPr lang="zh-CN" altLang="en-US">
+                <a:latin typeface="Times New Roman" panose="02020603050405020304" pitchFamily="18" charset="0"/>
+                <a:ea typeface="宋体" panose="02010600030101010101" pitchFamily="2" charset="-122"/>
+                <a:cs typeface="Times New Roman" panose="02020603050405020304" pitchFamily="18" charset="0"/>
+              </a:rPr>
               <a:t>华东理工大学 罗勇军</a:t>
+            </a:r>
+          </a:p>
+        </p:txBody>
+      </p:sp>
+      <p:sp>
+        <p:nvSpPr>
+          <p:cNvPr id="5" name="文本框 4">
+            <a:extLst>
+              <a:ext uri="{FF2B5EF4-FFF2-40B4-BE49-F238E27FC236}">
+                <a16:creationId xmlns:a16="http://schemas.microsoft.com/office/drawing/2014/main" id="{06C6D363-31FF-4133-B7C5-63BE307431D3}"/>
+              </a:ext>
+            </a:extLst>
+          </p:cNvPr>
+          <p:cNvSpPr txBox="1"/>
+          <p:nvPr/>
+        </p:nvSpPr>
+        <p:spPr>
+          <a:xfrm>
+            <a:off x="713994" y="2386033"/>
+            <a:ext cx="7716012" cy="3785652"/>
+          </a:xfrm>
+          <a:prstGeom prst="rect">
+            <a:avLst/>
+          </a:prstGeom>
+          <a:noFill/>
+        </p:spPr>
+        <p:txBody>
+          <a:bodyPr wrap="square">
+            <a:spAutoFit/>
+          </a:bodyPr>
+          <a:lstStyle/>
+          <a:p>
+            <a:r>
+              <a:rPr lang="en-US" altLang="zh-CN" sz="2000" b="1" dirty="0">
+                <a:solidFill>
+                  <a:srgbClr val="C678DD"/>
+                </a:solidFill>
+                <a:effectLst/>
+                <a:latin typeface="DejaVu Sans Mono, Consolas,  Courier New"/>
+              </a:rPr>
+              <a:t>#include</a:t>
+            </a:r>
+            <a:r>
+              <a:rPr lang="en-US" altLang="zh-CN" sz="2000" b="1" dirty="0">
+                <a:solidFill>
+                  <a:srgbClr val="ABB2BF"/>
+                </a:solidFill>
+                <a:effectLst/>
+                <a:latin typeface="DejaVu Sans Mono, Consolas,  Courier New"/>
+              </a:rPr>
+              <a:t> </a:t>
+            </a:r>
+            <a:r>
+              <a:rPr lang="en-US" altLang="zh-CN" sz="2000" b="1" dirty="0">
+                <a:solidFill>
+                  <a:srgbClr val="98C379"/>
+                </a:solidFill>
+                <a:effectLst/>
+                <a:latin typeface="DejaVu Sans Mono, Consolas,  Courier New"/>
+              </a:rPr>
+              <a:t>&lt;iostream&gt;</a:t>
+            </a:r>
+            <a:endParaRPr lang="en-US" altLang="zh-CN" sz="2000" b="1" dirty="0">
+              <a:solidFill>
+                <a:srgbClr val="ABB2BF"/>
+              </a:solidFill>
+              <a:effectLst/>
+              <a:latin typeface="DejaVu Sans Mono, Consolas,  Courier New"/>
+            </a:endParaRPr>
+          </a:p>
+          <a:p>
+            <a:r>
+              <a:rPr lang="en-US" altLang="zh-CN" sz="2000" b="1" dirty="0">
+                <a:solidFill>
+                  <a:srgbClr val="C678DD"/>
+                </a:solidFill>
+                <a:effectLst/>
+                <a:latin typeface="DejaVu Sans Mono, Consolas,  Courier New"/>
+              </a:rPr>
+              <a:t>#include</a:t>
+            </a:r>
+            <a:r>
+              <a:rPr lang="en-US" altLang="zh-CN" sz="2000" b="1" dirty="0">
+                <a:solidFill>
+                  <a:srgbClr val="ABB2BF"/>
+                </a:solidFill>
+                <a:effectLst/>
+                <a:latin typeface="DejaVu Sans Mono, Consolas,  Courier New"/>
+              </a:rPr>
+              <a:t> </a:t>
+            </a:r>
+            <a:r>
+              <a:rPr lang="en-US" altLang="zh-CN" sz="2000" b="1" dirty="0">
+                <a:solidFill>
+                  <a:srgbClr val="98C379"/>
+                </a:solidFill>
+                <a:effectLst/>
+                <a:latin typeface="DejaVu Sans Mono, Consolas,  Courier New"/>
+              </a:rPr>
+              <a:t>&lt;chrono&gt;</a:t>
+            </a:r>
+            <a:endParaRPr lang="en-US" altLang="zh-CN" sz="2000" b="1" dirty="0">
+              <a:solidFill>
+                <a:srgbClr val="ABB2BF"/>
+              </a:solidFill>
+              <a:effectLst/>
+              <a:latin typeface="DejaVu Sans Mono, Consolas,  Courier New"/>
+            </a:endParaRPr>
+          </a:p>
+          <a:p>
+            <a:r>
+              <a:rPr lang="en-US" altLang="zh-CN" sz="2000" b="1" dirty="0">
+                <a:solidFill>
+                  <a:srgbClr val="C678DD"/>
+                </a:solidFill>
+                <a:effectLst/>
+                <a:latin typeface="DejaVu Sans Mono, Consolas,  Courier New"/>
+              </a:rPr>
+              <a:t>#include</a:t>
+            </a:r>
+            <a:r>
+              <a:rPr lang="en-US" altLang="zh-CN" sz="2000" b="1" dirty="0">
+                <a:solidFill>
+                  <a:srgbClr val="ABB2BF"/>
+                </a:solidFill>
+                <a:effectLst/>
+                <a:latin typeface="DejaVu Sans Mono, Consolas,  Courier New"/>
+              </a:rPr>
+              <a:t> </a:t>
+            </a:r>
+            <a:r>
+              <a:rPr lang="en-US" altLang="zh-CN" sz="2000" b="1" dirty="0">
+                <a:solidFill>
+                  <a:srgbClr val="98C379"/>
+                </a:solidFill>
+                <a:effectLst/>
+                <a:latin typeface="DejaVu Sans Mono, Consolas,  Courier New"/>
+              </a:rPr>
+              <a:t>&lt;random&gt;</a:t>
+            </a:r>
+            <a:endParaRPr lang="en-US" altLang="zh-CN" sz="2000" b="1" dirty="0">
+              <a:solidFill>
+                <a:srgbClr val="ABB2BF"/>
+              </a:solidFill>
+              <a:effectLst/>
+              <a:latin typeface="DejaVu Sans Mono, Consolas,  Courier New"/>
+            </a:endParaRPr>
+          </a:p>
+          <a:p>
+            <a:r>
+              <a:rPr lang="en-US" altLang="zh-CN" sz="2000" b="1" dirty="0">
+                <a:solidFill>
+                  <a:srgbClr val="C678DD"/>
+                </a:solidFill>
+                <a:effectLst/>
+                <a:latin typeface="DejaVu Sans Mono, Consolas,  Courier New"/>
+              </a:rPr>
+              <a:t>using</a:t>
+            </a:r>
+            <a:r>
+              <a:rPr lang="en-US" altLang="zh-CN" sz="2000" b="1" dirty="0">
+                <a:solidFill>
+                  <a:srgbClr val="ABB2BF"/>
+                </a:solidFill>
+                <a:effectLst/>
+                <a:latin typeface="DejaVu Sans Mono, Consolas,  Courier New"/>
+              </a:rPr>
+              <a:t> </a:t>
+            </a:r>
+            <a:r>
+              <a:rPr lang="en-US" altLang="zh-CN" sz="2000" b="1" dirty="0">
+                <a:solidFill>
+                  <a:srgbClr val="C678DD"/>
+                </a:solidFill>
+                <a:effectLst/>
+                <a:latin typeface="DejaVu Sans Mono, Consolas,  Courier New"/>
+              </a:rPr>
+              <a:t>namespace</a:t>
+            </a:r>
+            <a:r>
+              <a:rPr lang="en-US" altLang="zh-CN" sz="2000" b="1" dirty="0">
+                <a:solidFill>
+                  <a:srgbClr val="ABB2BF"/>
+                </a:solidFill>
+                <a:effectLst/>
+                <a:latin typeface="DejaVu Sans Mono, Consolas,  Courier New"/>
+              </a:rPr>
+              <a:t> std;</a:t>
+            </a:r>
+          </a:p>
+          <a:p>
+            <a:r>
+              <a:rPr lang="en-US" altLang="zh-CN" sz="2000" b="1" dirty="0">
+                <a:solidFill>
+                  <a:srgbClr val="C678DD"/>
+                </a:solidFill>
+                <a:effectLst/>
+                <a:latin typeface="DejaVu Sans Mono, Consolas,  Courier New"/>
+              </a:rPr>
+              <a:t>int</a:t>
+            </a:r>
+            <a:r>
+              <a:rPr lang="en-US" altLang="zh-CN" sz="2000" b="1" dirty="0">
+                <a:solidFill>
+                  <a:srgbClr val="ABB2BF"/>
+                </a:solidFill>
+                <a:effectLst/>
+                <a:latin typeface="DejaVu Sans Mono, Consolas,  Courier New"/>
+              </a:rPr>
+              <a:t> </a:t>
+            </a:r>
+            <a:r>
+              <a:rPr lang="en-US" altLang="zh-CN" sz="2000" b="1" dirty="0">
+                <a:solidFill>
+                  <a:srgbClr val="61AFEF"/>
+                </a:solidFill>
+                <a:effectLst/>
+                <a:latin typeface="DejaVu Sans Mono, Consolas,  Courier New"/>
+              </a:rPr>
+              <a:t>main</a:t>
+            </a:r>
+            <a:r>
+              <a:rPr lang="en-US" altLang="zh-CN" sz="2000" b="1" dirty="0">
+                <a:solidFill>
+                  <a:srgbClr val="ABB2BF"/>
+                </a:solidFill>
+                <a:effectLst/>
+                <a:latin typeface="DejaVu Sans Mono, Consolas,  Courier New"/>
+              </a:rPr>
+              <a:t>(){</a:t>
+            </a:r>
+          </a:p>
+          <a:p>
+            <a:r>
+              <a:rPr lang="en-US" altLang="zh-CN" sz="2000" b="1" i="1" dirty="0">
+                <a:solidFill>
+                  <a:srgbClr val="5C6370"/>
+                </a:solidFill>
+                <a:effectLst/>
+                <a:latin typeface="DejaVu Sans Mono, Consolas,  Courier New"/>
+              </a:rPr>
+              <a:t>    // </a:t>
+            </a:r>
+            <a:r>
+              <a:rPr lang="zh-CN" altLang="en-US" sz="2000" b="1" i="1" dirty="0">
+                <a:solidFill>
+                  <a:srgbClr val="5C6370"/>
+                </a:solidFill>
+                <a:effectLst/>
+                <a:latin typeface="DejaVu Sans Mono, Consolas,  Courier New"/>
+              </a:rPr>
+              <a:t>随机数种子</a:t>
+            </a:r>
+            <a:endParaRPr lang="zh-CN" altLang="en-US" sz="2000" b="1" dirty="0">
+              <a:solidFill>
+                <a:srgbClr val="ABB2BF"/>
+              </a:solidFill>
+              <a:effectLst/>
+              <a:latin typeface="DejaVu Sans Mono, Consolas,  Courier New"/>
+            </a:endParaRPr>
+          </a:p>
+          <a:p>
+            <a:r>
+              <a:rPr lang="zh-CN" altLang="en-US" sz="2000" b="1" dirty="0">
+                <a:solidFill>
+                  <a:srgbClr val="ABB2BF"/>
+                </a:solidFill>
+                <a:effectLst/>
+                <a:latin typeface="DejaVu Sans Mono, Consolas,  Courier New"/>
+              </a:rPr>
+              <a:t>    </a:t>
+            </a:r>
+            <a:r>
+              <a:rPr lang="en-US" altLang="zh-CN" sz="2000" b="1" dirty="0">
+                <a:solidFill>
+                  <a:srgbClr val="C678DD"/>
+                </a:solidFill>
+                <a:effectLst/>
+                <a:latin typeface="DejaVu Sans Mono, Consolas,  Courier New"/>
+              </a:rPr>
+              <a:t>unsigned</a:t>
+            </a:r>
+            <a:r>
+              <a:rPr lang="en-US" altLang="zh-CN" sz="2000" b="1" dirty="0">
+                <a:solidFill>
+                  <a:srgbClr val="ABB2BF"/>
+                </a:solidFill>
+                <a:effectLst/>
+                <a:latin typeface="DejaVu Sans Mono, Consolas,  Courier New"/>
+              </a:rPr>
+              <a:t> seed </a:t>
+            </a:r>
+            <a:r>
+              <a:rPr lang="en-US" altLang="zh-CN" sz="2000" b="1" dirty="0">
+                <a:solidFill>
+                  <a:srgbClr val="C678DD"/>
+                </a:solidFill>
+                <a:effectLst/>
+                <a:latin typeface="DejaVu Sans Mono, Consolas,  Courier New"/>
+              </a:rPr>
+              <a:t>=</a:t>
+            </a:r>
+            <a:r>
+              <a:rPr lang="en-US" altLang="zh-CN" sz="2000" b="1" dirty="0">
+                <a:solidFill>
+                  <a:srgbClr val="ABB2BF"/>
+                </a:solidFill>
+                <a:effectLst/>
+                <a:latin typeface="DejaVu Sans Mono, Consolas,  Courier New"/>
+              </a:rPr>
+              <a:t> std::chrono::</a:t>
+            </a:r>
+            <a:r>
+              <a:rPr lang="en-US" altLang="zh-CN" sz="2000" b="1" dirty="0" err="1">
+                <a:solidFill>
+                  <a:srgbClr val="ABB2BF"/>
+                </a:solidFill>
+                <a:effectLst/>
+                <a:latin typeface="DejaVu Sans Mono, Consolas,  Courier New"/>
+              </a:rPr>
+              <a:t>system_clock</a:t>
+            </a:r>
+            <a:r>
+              <a:rPr lang="en-US" altLang="zh-CN" sz="2000" b="1" dirty="0">
+                <a:solidFill>
+                  <a:srgbClr val="ABB2BF"/>
+                </a:solidFill>
+                <a:effectLst/>
+                <a:latin typeface="DejaVu Sans Mono, Consolas,  Courier New"/>
+              </a:rPr>
+              <a:t>::</a:t>
+            </a:r>
+            <a:r>
+              <a:rPr lang="en-US" altLang="zh-CN" sz="2000" b="1" dirty="0">
+                <a:solidFill>
+                  <a:srgbClr val="61AFEF"/>
+                </a:solidFill>
+                <a:effectLst/>
+                <a:latin typeface="DejaVu Sans Mono, Consolas,  Courier New"/>
+              </a:rPr>
+              <a:t>now</a:t>
+            </a:r>
+            <a:r>
+              <a:rPr lang="en-US" altLang="zh-CN" sz="2000" b="1" dirty="0">
+                <a:solidFill>
+                  <a:srgbClr val="ABB2BF"/>
+                </a:solidFill>
+                <a:effectLst/>
+                <a:latin typeface="DejaVu Sans Mono, Consolas,  Courier New"/>
+              </a:rPr>
+              <a:t>().</a:t>
+            </a:r>
+            <a:r>
+              <a:rPr lang="en-US" altLang="zh-CN" sz="2000" b="1" dirty="0" err="1">
+                <a:solidFill>
+                  <a:srgbClr val="61AFEF"/>
+                </a:solidFill>
+                <a:effectLst/>
+                <a:latin typeface="DejaVu Sans Mono, Consolas,  Courier New"/>
+              </a:rPr>
+              <a:t>time_since_epoch</a:t>
+            </a:r>
+            <a:r>
+              <a:rPr lang="en-US" altLang="zh-CN" sz="2000" b="1" dirty="0">
+                <a:solidFill>
+                  <a:srgbClr val="ABB2BF"/>
+                </a:solidFill>
+                <a:effectLst/>
+                <a:latin typeface="DejaVu Sans Mono, Consolas,  Courier New"/>
+              </a:rPr>
+              <a:t>().</a:t>
+            </a:r>
+            <a:r>
+              <a:rPr lang="en-US" altLang="zh-CN" sz="2000" b="1" dirty="0">
+                <a:solidFill>
+                  <a:srgbClr val="61AFEF"/>
+                </a:solidFill>
+                <a:effectLst/>
+                <a:latin typeface="DejaVu Sans Mono, Consolas,  Courier New"/>
+              </a:rPr>
+              <a:t>count</a:t>
+            </a:r>
+            <a:r>
+              <a:rPr lang="en-US" altLang="zh-CN" sz="2000" b="1" dirty="0">
+                <a:solidFill>
+                  <a:srgbClr val="ABB2BF"/>
+                </a:solidFill>
+                <a:effectLst/>
+                <a:latin typeface="DejaVu Sans Mono, Consolas,  Courier New"/>
+              </a:rPr>
+              <a:t>();</a:t>
+            </a:r>
+          </a:p>
+          <a:p>
+            <a:r>
+              <a:rPr lang="en-US" altLang="zh-CN" sz="2000" b="1" dirty="0">
+                <a:solidFill>
+                  <a:srgbClr val="ABB2BF"/>
+                </a:solidFill>
+                <a:effectLst/>
+                <a:latin typeface="DejaVu Sans Mono, Consolas,  Courier New"/>
+              </a:rPr>
+              <a:t>    mt19937_64 </a:t>
+            </a:r>
+            <a:r>
+              <a:rPr lang="en-US" altLang="zh-CN" sz="2000" b="1" dirty="0" err="1">
+                <a:solidFill>
+                  <a:srgbClr val="61AFEF"/>
+                </a:solidFill>
+                <a:effectLst/>
+                <a:latin typeface="DejaVu Sans Mono, Consolas,  Courier New"/>
+              </a:rPr>
+              <a:t>rand_num</a:t>
+            </a:r>
+            <a:r>
+              <a:rPr lang="en-US" altLang="zh-CN" sz="2000" b="1" dirty="0">
+                <a:solidFill>
+                  <a:srgbClr val="ABB2BF"/>
+                </a:solidFill>
+                <a:effectLst/>
+                <a:latin typeface="DejaVu Sans Mono, Consolas,  Courier New"/>
+              </a:rPr>
+              <a:t>(seed);</a:t>
+            </a:r>
+            <a:r>
+              <a:rPr lang="en-US" altLang="zh-CN" sz="2000" b="1" i="1" dirty="0">
+                <a:solidFill>
+                  <a:srgbClr val="5C6370"/>
+                </a:solidFill>
+                <a:effectLst/>
+                <a:latin typeface="DejaVu Sans Mono, Consolas,  Courier New"/>
+              </a:rPr>
+              <a:t>   // </a:t>
+            </a:r>
+            <a:r>
+              <a:rPr lang="zh-CN" altLang="en-US" sz="2000" b="1" i="1" dirty="0">
+                <a:solidFill>
+                  <a:srgbClr val="5C6370"/>
+                </a:solidFill>
+                <a:effectLst/>
+                <a:latin typeface="DejaVu Sans Mono, Consolas,  Courier New"/>
+              </a:rPr>
+              <a:t>大随机数</a:t>
+            </a:r>
+            <a:endParaRPr lang="zh-CN" altLang="en-US" sz="2000" b="1" dirty="0">
+              <a:solidFill>
+                <a:srgbClr val="ABB2BF"/>
+              </a:solidFill>
+              <a:effectLst/>
+              <a:latin typeface="DejaVu Sans Mono, Consolas,  Courier New"/>
+            </a:endParaRPr>
+          </a:p>
+          <a:p>
+            <a:r>
+              <a:rPr lang="zh-CN" altLang="en-US" sz="2000" b="1" dirty="0">
+                <a:solidFill>
+                  <a:srgbClr val="ABB2BF"/>
+                </a:solidFill>
+                <a:effectLst/>
+                <a:latin typeface="DejaVu Sans Mono, Consolas,  Courier New"/>
+              </a:rPr>
+              <a:t>    </a:t>
+            </a:r>
+            <a:r>
+              <a:rPr lang="en-US" altLang="zh-CN" sz="2000" b="1" dirty="0" err="1">
+                <a:solidFill>
+                  <a:srgbClr val="ABB2BF"/>
+                </a:solidFill>
+                <a:effectLst/>
+                <a:latin typeface="DejaVu Sans Mono, Consolas,  Courier New"/>
+              </a:rPr>
+              <a:t>cout</a:t>
+            </a:r>
+            <a:r>
+              <a:rPr lang="en-US" altLang="zh-CN" sz="2000" b="1" dirty="0">
+                <a:solidFill>
+                  <a:srgbClr val="ABB2BF"/>
+                </a:solidFill>
+                <a:effectLst/>
+                <a:latin typeface="DejaVu Sans Mono, Consolas,  Courier New"/>
+              </a:rPr>
+              <a:t> </a:t>
+            </a:r>
+            <a:r>
+              <a:rPr lang="en-US" altLang="zh-CN" sz="2000" b="1" dirty="0">
+                <a:solidFill>
+                  <a:srgbClr val="C678DD"/>
+                </a:solidFill>
+                <a:effectLst/>
+                <a:latin typeface="DejaVu Sans Mono, Consolas,  Courier New"/>
+              </a:rPr>
+              <a:t>&lt;&lt;</a:t>
+            </a:r>
+            <a:r>
+              <a:rPr lang="en-US" altLang="zh-CN" sz="2000" b="1" dirty="0">
+                <a:solidFill>
+                  <a:srgbClr val="ABB2BF"/>
+                </a:solidFill>
+                <a:effectLst/>
+                <a:latin typeface="DejaVu Sans Mono, Consolas,  Courier New"/>
+              </a:rPr>
+              <a:t> </a:t>
+            </a:r>
+            <a:r>
+              <a:rPr lang="en-US" altLang="zh-CN" sz="2000" b="1" dirty="0" err="1">
+                <a:solidFill>
+                  <a:srgbClr val="61AFEF"/>
+                </a:solidFill>
+                <a:effectLst/>
+                <a:latin typeface="DejaVu Sans Mono, Consolas,  Courier New"/>
+              </a:rPr>
+              <a:t>rand_num</a:t>
+            </a:r>
+            <a:r>
+              <a:rPr lang="en-US" altLang="zh-CN" sz="2000" b="1" dirty="0">
+                <a:solidFill>
+                  <a:srgbClr val="ABB2BF"/>
+                </a:solidFill>
+                <a:effectLst/>
+                <a:latin typeface="DejaVu Sans Mono, Consolas,  Courier New"/>
+              </a:rPr>
+              <a:t>() </a:t>
+            </a:r>
+            <a:r>
+              <a:rPr lang="en-US" altLang="zh-CN" sz="2000" b="1" dirty="0">
+                <a:solidFill>
+                  <a:srgbClr val="C678DD"/>
+                </a:solidFill>
+                <a:effectLst/>
+                <a:latin typeface="DejaVu Sans Mono, Consolas,  Courier New"/>
+              </a:rPr>
+              <a:t>&lt;&lt;</a:t>
+            </a:r>
+            <a:r>
+              <a:rPr lang="en-US" altLang="zh-CN" sz="2000" b="1" dirty="0">
+                <a:solidFill>
+                  <a:srgbClr val="ABB2BF"/>
+                </a:solidFill>
+                <a:effectLst/>
+                <a:latin typeface="DejaVu Sans Mono, Consolas,  Courier New"/>
+              </a:rPr>
+              <a:t> </a:t>
+            </a:r>
+            <a:r>
+              <a:rPr lang="en-US" altLang="zh-CN" sz="2000" b="1" dirty="0" err="1">
+                <a:solidFill>
+                  <a:srgbClr val="ABB2BF"/>
+                </a:solidFill>
+                <a:effectLst/>
+                <a:latin typeface="DejaVu Sans Mono, Consolas,  Courier New"/>
+              </a:rPr>
+              <a:t>endl</a:t>
+            </a:r>
+            <a:r>
+              <a:rPr lang="en-US" altLang="zh-CN" sz="2000" b="1" dirty="0">
+                <a:solidFill>
+                  <a:srgbClr val="ABB2BF"/>
+                </a:solidFill>
+                <a:effectLst/>
+                <a:latin typeface="DejaVu Sans Mono, Consolas,  Courier New"/>
+              </a:rPr>
+              <a:t>;</a:t>
+            </a:r>
+          </a:p>
+          <a:p>
+            <a:r>
+              <a:rPr lang="en-US" altLang="zh-CN" sz="2000" b="1" dirty="0">
+                <a:solidFill>
+                  <a:srgbClr val="ABB2BF"/>
+                </a:solidFill>
+                <a:effectLst/>
+                <a:latin typeface="DejaVu Sans Mono, Consolas,  Courier New"/>
+              </a:rPr>
+              <a:t>    </a:t>
+            </a:r>
+            <a:r>
+              <a:rPr lang="en-US" altLang="zh-CN" sz="2000" b="1" dirty="0">
+                <a:solidFill>
+                  <a:srgbClr val="C678DD"/>
+                </a:solidFill>
+                <a:effectLst/>
+                <a:latin typeface="DejaVu Sans Mono, Consolas,  Courier New"/>
+              </a:rPr>
+              <a:t>return</a:t>
+            </a:r>
+            <a:r>
+              <a:rPr lang="en-US" altLang="zh-CN" sz="2000" b="1" dirty="0">
+                <a:solidFill>
+                  <a:srgbClr val="ABB2BF"/>
+                </a:solidFill>
+                <a:effectLst/>
+                <a:latin typeface="DejaVu Sans Mono, Consolas,  Courier New"/>
+              </a:rPr>
+              <a:t> </a:t>
+            </a:r>
+            <a:r>
+              <a:rPr lang="en-US" altLang="zh-CN" sz="2000" b="1" dirty="0">
+                <a:solidFill>
+                  <a:srgbClr val="D19A66"/>
+                </a:solidFill>
+                <a:effectLst/>
+                <a:latin typeface="DejaVu Sans Mono, Consolas,  Courier New"/>
+              </a:rPr>
+              <a:t>0</a:t>
+            </a:r>
+            <a:r>
+              <a:rPr lang="en-US" altLang="zh-CN" sz="2000" b="1" dirty="0">
+                <a:solidFill>
+                  <a:srgbClr val="ABB2BF"/>
+                </a:solidFill>
+                <a:effectLst/>
+                <a:latin typeface="DejaVu Sans Mono, Consolas,  Courier New"/>
+              </a:rPr>
+              <a:t>;</a:t>
+            </a:r>
+          </a:p>
+          <a:p>
+            <a:r>
+              <a:rPr lang="en-US" altLang="zh-CN" sz="2000" b="1" dirty="0">
+                <a:solidFill>
+                  <a:srgbClr val="ABB2BF"/>
+                </a:solidFill>
+                <a:effectLst/>
+                <a:latin typeface="DejaVu Sans Mono, Consolas,  Courier New"/>
+              </a:rPr>
+              <a:t>}</a:t>
             </a:r>
           </a:p>
         </p:txBody>
@@ -7462,7 +10657,7 @@
     </p:spTree>
     <p:extLst>
       <p:ext uri="{BB962C8B-B14F-4D97-AF65-F5344CB8AC3E}">
-        <p14:creationId xmlns:p14="http://schemas.microsoft.com/office/powerpoint/2010/main" val="3476120880"/>
+        <p14:creationId xmlns:p14="http://schemas.microsoft.com/office/powerpoint/2010/main" val="3297020803"/>
       </p:ext>
     </p:extLst>
   </p:cSld>
@@ -7494,7 +10689,7 @@
           <p:cNvPr id="3" name="内容占位符 2">
             <a:extLst>
               <a:ext uri="{FF2B5EF4-FFF2-40B4-BE49-F238E27FC236}">
-                <a16:creationId xmlns:a16="http://schemas.microsoft.com/office/drawing/2014/main" id="{497B83A6-4363-4BC6-AA24-DD8F22915B7D}"/>
+                <a16:creationId xmlns:a16="http://schemas.microsoft.com/office/drawing/2014/main" id="{7B754062-E8E7-4F1C-9A7D-A3D2C77F759C}"/>
               </a:ext>
             </a:extLst>
           </p:cNvPr>
@@ -7505,94 +10700,46 @@
             <p:ph idx="1"/>
           </p:nvPr>
         </p:nvSpPr>
-        <p:spPr/>
+        <p:spPr>
+          <a:xfrm>
+            <a:off x="543306" y="280910"/>
+            <a:ext cx="7886700" cy="5225493"/>
+          </a:xfrm>
+        </p:spPr>
         <p:txBody>
-          <a:bodyPr/>
+          <a:bodyPr>
+            <a:noAutofit/>
+          </a:bodyPr>
           <a:lstStyle/>
           <a:p>
-            <a:r>
-              <a:rPr lang="en-US" altLang="zh-CN" dirty="0" err="1">
-                <a:latin typeface="宋体" panose="02010600030101010101" pitchFamily="2" charset="-122"/>
-                <a:ea typeface="宋体" panose="02010600030101010101" pitchFamily="2" charset="-122"/>
-              </a:rPr>
-              <a:t>Hdu</a:t>
-            </a:r>
+            <a:pPr marL="0" indent="0">
+              <a:buNone/>
+            </a:pPr>
             <a:r>
               <a:rPr lang="en-US" altLang="zh-CN" dirty="0">
-                <a:latin typeface="宋体" panose="02010600030101010101" pitchFamily="2" charset="-122"/>
-                <a:ea typeface="宋体" panose="02010600030101010101" pitchFamily="2" charset="-122"/>
-              </a:rPr>
-              <a:t> 1425</a:t>
+                <a:latin typeface="Times New Roman" panose="02020603050405020304" pitchFamily="18" charset="0"/>
+                <a:ea typeface="宋体" panose="02010600030101010101" pitchFamily="2" charset="-122"/>
+                <a:cs typeface="Times New Roman" panose="02020603050405020304" pitchFamily="18" charset="0"/>
+              </a:rPr>
+              <a:t>2. </a:t>
             </a:r>
             <a:r>
               <a:rPr lang="zh-CN" altLang="en-US" dirty="0">
-                <a:latin typeface="宋体" panose="02010600030101010101" pitchFamily="2" charset="-122"/>
-                <a:ea typeface="宋体" panose="02010600030101010101" pitchFamily="2" charset="-122"/>
-              </a:rPr>
-              <a:t>的测试数据构造程序：</a:t>
-            </a:r>
-            <a:endParaRPr lang="en-US" altLang="zh-CN" dirty="0">
-              <a:latin typeface="宋体" panose="02010600030101010101" pitchFamily="2" charset="-122"/>
-              <a:ea typeface="宋体" panose="02010600030101010101" pitchFamily="2" charset="-122"/>
-            </a:endParaRPr>
-          </a:p>
-          <a:p>
-            <a:endParaRPr lang="en-US" altLang="zh-CN" dirty="0">
-              <a:latin typeface="宋体" panose="02010600030101010101" pitchFamily="2" charset="-122"/>
-              <a:ea typeface="宋体" panose="02010600030101010101" pitchFamily="2" charset="-122"/>
-            </a:endParaRPr>
-          </a:p>
-          <a:p>
-            <a:endParaRPr lang="en-US" altLang="zh-CN" dirty="0">
-              <a:latin typeface="宋体" panose="02010600030101010101" pitchFamily="2" charset="-122"/>
-              <a:ea typeface="宋体" panose="02010600030101010101" pitchFamily="2" charset="-122"/>
-            </a:endParaRPr>
-          </a:p>
-          <a:p>
-            <a:r>
-              <a:rPr lang="zh-CN" altLang="en-US" dirty="0">
-                <a:latin typeface="宋体" panose="02010600030101010101" pitchFamily="2" charset="-122"/>
-                <a:ea typeface="宋体" panose="02010600030101010101" pitchFamily="2" charset="-122"/>
-              </a:rPr>
-              <a:t>经一次测试，生成的</a:t>
-            </a:r>
-            <a:r>
-              <a:rPr lang="en-US" altLang="zh-CN" dirty="0">
-                <a:latin typeface="宋体" panose="02010600030101010101" pitchFamily="2" charset="-122"/>
-                <a:ea typeface="宋体" panose="02010600030101010101" pitchFamily="2" charset="-122"/>
-              </a:rPr>
-              <a:t>100</a:t>
-            </a:r>
-            <a:r>
-              <a:rPr lang="zh-CN" altLang="en-US" dirty="0">
-                <a:latin typeface="宋体" panose="02010600030101010101" pitchFamily="2" charset="-122"/>
-                <a:ea typeface="宋体" panose="02010600030101010101" pitchFamily="2" charset="-122"/>
-              </a:rPr>
-              <a:t>万个随机数，有约</a:t>
-            </a:r>
-            <a:r>
-              <a:rPr lang="en-US" altLang="zh-CN" dirty="0">
-                <a:latin typeface="宋体" panose="02010600030101010101" pitchFamily="2" charset="-122"/>
-                <a:ea typeface="宋体" panose="02010600030101010101" pitchFamily="2" charset="-122"/>
-              </a:rPr>
-              <a:t>63</a:t>
-            </a:r>
-            <a:r>
-              <a:rPr lang="zh-CN" altLang="en-US" dirty="0">
-                <a:latin typeface="宋体" panose="02010600030101010101" pitchFamily="2" charset="-122"/>
-                <a:ea typeface="宋体" panose="02010600030101010101" pitchFamily="2" charset="-122"/>
-              </a:rPr>
-              <a:t>万个不重复。</a:t>
+                <a:latin typeface="Times New Roman" panose="02020603050405020304" pitchFamily="18" charset="0"/>
+                <a:ea typeface="宋体" panose="02010600030101010101" pitchFamily="2" charset="-122"/>
+                <a:cs typeface="Times New Roman" panose="02020603050405020304" pitchFamily="18" charset="0"/>
+              </a:rPr>
+              <a:t>生成范围的大数字</a:t>
             </a:r>
           </a:p>
         </p:txBody>
       </p:sp>
       <p:sp>
         <p:nvSpPr>
-          <p:cNvPr id="5" name="页脚占位符 4">
+          <p:cNvPr id="4" name="页脚占位符 3">
             <a:extLst>
               <a:ext uri="{FF2B5EF4-FFF2-40B4-BE49-F238E27FC236}">
-                <a16:creationId xmlns:a16="http://schemas.microsoft.com/office/drawing/2014/main" id="{2AFEA7B6-0BEF-478B-AF74-250B5C764E8F}"/>
+                <a16:creationId xmlns:a16="http://schemas.microsoft.com/office/drawing/2014/main" id="{8204B7F5-1BA7-4084-988F-081BAE25D469}"/>
               </a:ext>
             </a:extLst>
           </p:cNvPr>
@@ -7609,79 +10756,1122 @@
           <a:lstStyle/>
           <a:p>
             <a:r>
-              <a:rPr lang="zh-CN" altLang="en-US"/>
+              <a:rPr lang="zh-CN" altLang="en-US">
+                <a:latin typeface="Times New Roman" panose="02020603050405020304" pitchFamily="18" charset="0"/>
+                <a:ea typeface="宋体" panose="02010600030101010101" pitchFamily="2" charset="-122"/>
+                <a:cs typeface="Times New Roman" panose="02020603050405020304" pitchFamily="18" charset="0"/>
+              </a:rPr>
               <a:t>华东理工大学 罗勇军</a:t>
             </a:r>
           </a:p>
         </p:txBody>
       </p:sp>
-      <p:graphicFrame>
-        <p:nvGraphicFramePr>
-          <p:cNvPr id="2" name="对象 1">
+      <p:sp>
+        <p:nvSpPr>
+          <p:cNvPr id="5" name="文本框 4">
             <a:extLst>
               <a:ext uri="{FF2B5EF4-FFF2-40B4-BE49-F238E27FC236}">
-                <a16:creationId xmlns:a16="http://schemas.microsoft.com/office/drawing/2014/main" id="{F4DA004F-E27E-4EFD-85A4-9CCF2F492945}"/>
+                <a16:creationId xmlns:a16="http://schemas.microsoft.com/office/drawing/2014/main" id="{06C6D363-31FF-4133-B7C5-63BE307431D3}"/>
               </a:ext>
             </a:extLst>
           </p:cNvPr>
-          <p:cNvGraphicFramePr>
-            <a:graphicFrameLocks noChangeAspect="1"/>
-          </p:cNvGraphicFramePr>
-          <p:nvPr>
-            <p:extLst>
-              <p:ext uri="{D42A27DB-BD31-4B8C-83A1-F6EECF244321}">
-                <p14:modId xmlns:p14="http://schemas.microsoft.com/office/powerpoint/2010/main" val="3487517250"/>
-              </p:ext>
-            </p:extLst>
-          </p:nvPr>
-        </p:nvGraphicFramePr>
-        <p:xfrm>
-          <a:off x="6115050" y="1504950"/>
-          <a:ext cx="2767392" cy="1114682"/>
-        </p:xfrm>
-        <a:graphic>
-          <a:graphicData uri="http://schemas.openxmlformats.org/presentationml/2006/ole">
-            <mc:AlternateContent xmlns:mc="http://schemas.openxmlformats.org/markup-compatibility/2006">
-              <mc:Choice xmlns:v="urn:schemas-microsoft-com:vml" Requires="v">
-                <p:oleObj spid="_x0000_s1188" name="包装程序外壳对象" showAsIcon="1" r:id="rId3" imgW="1591560" imgH="641880" progId="Package">
-                  <p:embed/>
-                </p:oleObj>
-              </mc:Choice>
-              <mc:Fallback>
-                <p:oleObj name="包装程序外壳对象" showAsIcon="1" r:id="rId3" imgW="1591560" imgH="641880" progId="Package">
-                  <p:embed/>
-                  <p:pic>
-                    <p:nvPicPr>
-                      <p:cNvPr id="0" name=""/>
-                      <p:cNvPicPr/>
-                      <p:nvPr/>
-                    </p:nvPicPr>
-                    <p:blipFill>
-                      <a:blip r:embed="rId4"/>
-                      <a:stretch>
-                        <a:fillRect/>
-                      </a:stretch>
-                    </p:blipFill>
-                    <p:spPr>
-                      <a:xfrm>
-                        <a:off x="6115050" y="1504950"/>
-                        <a:ext cx="2767392" cy="1114682"/>
-                      </a:xfrm>
-                      <a:prstGeom prst="rect">
-                        <a:avLst/>
-                      </a:prstGeom>
-                    </p:spPr>
-                  </p:pic>
-                </p:oleObj>
-              </mc:Fallback>
-            </mc:AlternateContent>
-          </a:graphicData>
-        </a:graphic>
-      </p:graphicFrame>
+          <p:cNvSpPr txBox="1"/>
+          <p:nvPr/>
+        </p:nvSpPr>
+        <p:spPr>
+          <a:xfrm>
+            <a:off x="262890" y="1031816"/>
+            <a:ext cx="8337804" cy="5016758"/>
+          </a:xfrm>
+          <a:prstGeom prst="rect">
+            <a:avLst/>
+          </a:prstGeom>
+          <a:noFill/>
+        </p:spPr>
+        <p:txBody>
+          <a:bodyPr wrap="square">
+            <a:spAutoFit/>
+          </a:bodyPr>
+          <a:lstStyle/>
+          <a:p>
+            <a:r>
+              <a:rPr lang="en-US" altLang="zh-CN" sz="2000" b="0" dirty="0">
+                <a:solidFill>
+                  <a:srgbClr val="C678DD"/>
+                </a:solidFill>
+                <a:effectLst/>
+                <a:latin typeface="DejaVu Sans Mono, Consolas,  Courier New"/>
+              </a:rPr>
+              <a:t>#include</a:t>
+            </a:r>
+            <a:r>
+              <a:rPr lang="en-US" altLang="zh-CN" sz="2000" b="0" dirty="0">
+                <a:solidFill>
+                  <a:srgbClr val="ABB2BF"/>
+                </a:solidFill>
+                <a:effectLst/>
+                <a:latin typeface="DejaVu Sans Mono, Consolas,  Courier New"/>
+              </a:rPr>
+              <a:t> </a:t>
+            </a:r>
+            <a:r>
+              <a:rPr lang="en-US" altLang="zh-CN" sz="2000" b="0" dirty="0">
+                <a:solidFill>
+                  <a:srgbClr val="98C379"/>
+                </a:solidFill>
+                <a:effectLst/>
+                <a:latin typeface="DejaVu Sans Mono, Consolas,  Courier New"/>
+              </a:rPr>
+              <a:t>&lt;random&gt;</a:t>
+            </a:r>
+            <a:endParaRPr lang="en-US" altLang="zh-CN" sz="2000" b="0" dirty="0">
+              <a:solidFill>
+                <a:srgbClr val="ABB2BF"/>
+              </a:solidFill>
+              <a:effectLst/>
+              <a:latin typeface="DejaVu Sans Mono, Consolas,  Courier New"/>
+            </a:endParaRPr>
+          </a:p>
+          <a:p>
+            <a:r>
+              <a:rPr lang="en-US" altLang="zh-CN" sz="2000" b="0" dirty="0">
+                <a:solidFill>
+                  <a:srgbClr val="C678DD"/>
+                </a:solidFill>
+                <a:effectLst/>
+                <a:latin typeface="DejaVu Sans Mono, Consolas,  Courier New"/>
+              </a:rPr>
+              <a:t>#include</a:t>
+            </a:r>
+            <a:r>
+              <a:rPr lang="en-US" altLang="zh-CN" sz="2000" b="0" dirty="0">
+                <a:solidFill>
+                  <a:srgbClr val="ABB2BF"/>
+                </a:solidFill>
+                <a:effectLst/>
+                <a:latin typeface="DejaVu Sans Mono, Consolas,  Courier New"/>
+              </a:rPr>
+              <a:t> </a:t>
+            </a:r>
+            <a:r>
+              <a:rPr lang="en-US" altLang="zh-CN" sz="2000" b="0" dirty="0">
+                <a:solidFill>
+                  <a:srgbClr val="98C379"/>
+                </a:solidFill>
+                <a:effectLst/>
+                <a:latin typeface="DejaVu Sans Mono, Consolas,  Courier New"/>
+              </a:rPr>
+              <a:t>&lt;iostream&gt;</a:t>
+            </a:r>
+            <a:endParaRPr lang="en-US" altLang="zh-CN" sz="2000" b="0" dirty="0">
+              <a:solidFill>
+                <a:srgbClr val="ABB2BF"/>
+              </a:solidFill>
+              <a:effectLst/>
+              <a:latin typeface="DejaVu Sans Mono, Consolas,  Courier New"/>
+            </a:endParaRPr>
+          </a:p>
+          <a:p>
+            <a:r>
+              <a:rPr lang="en-US" altLang="zh-CN" sz="2000" b="0" dirty="0">
+                <a:solidFill>
+                  <a:srgbClr val="C678DD"/>
+                </a:solidFill>
+                <a:effectLst/>
+                <a:latin typeface="DejaVu Sans Mono, Consolas,  Courier New"/>
+              </a:rPr>
+              <a:t>#include</a:t>
+            </a:r>
+            <a:r>
+              <a:rPr lang="en-US" altLang="zh-CN" sz="2000" b="0" dirty="0">
+                <a:solidFill>
+                  <a:srgbClr val="ABB2BF"/>
+                </a:solidFill>
+                <a:effectLst/>
+                <a:latin typeface="DejaVu Sans Mono, Consolas,  Courier New"/>
+              </a:rPr>
+              <a:t> </a:t>
+            </a:r>
+            <a:r>
+              <a:rPr lang="en-US" altLang="zh-CN" sz="2000" b="0" dirty="0">
+                <a:solidFill>
+                  <a:srgbClr val="98C379"/>
+                </a:solidFill>
+                <a:effectLst/>
+                <a:latin typeface="DejaVu Sans Mono, Consolas,  Courier New"/>
+              </a:rPr>
+              <a:t>&lt;chrono&gt;</a:t>
+            </a:r>
+            <a:endParaRPr lang="en-US" altLang="zh-CN" sz="2000" b="0" dirty="0">
+              <a:solidFill>
+                <a:srgbClr val="ABB2BF"/>
+              </a:solidFill>
+              <a:effectLst/>
+              <a:latin typeface="DejaVu Sans Mono, Consolas,  Courier New"/>
+            </a:endParaRPr>
+          </a:p>
+          <a:p>
+            <a:r>
+              <a:rPr lang="en-US" altLang="zh-CN" sz="2000" b="0" dirty="0">
+                <a:solidFill>
+                  <a:srgbClr val="C678DD"/>
+                </a:solidFill>
+                <a:effectLst/>
+                <a:latin typeface="DejaVu Sans Mono, Consolas,  Courier New"/>
+              </a:rPr>
+              <a:t>using</a:t>
+            </a:r>
+            <a:r>
+              <a:rPr lang="en-US" altLang="zh-CN" sz="2000" b="0" dirty="0">
+                <a:solidFill>
+                  <a:srgbClr val="ABB2BF"/>
+                </a:solidFill>
+                <a:effectLst/>
+                <a:latin typeface="DejaVu Sans Mono, Consolas,  Courier New"/>
+              </a:rPr>
+              <a:t> </a:t>
+            </a:r>
+            <a:r>
+              <a:rPr lang="en-US" altLang="zh-CN" sz="2000" b="0" dirty="0">
+                <a:solidFill>
+                  <a:srgbClr val="C678DD"/>
+                </a:solidFill>
+                <a:effectLst/>
+                <a:latin typeface="DejaVu Sans Mono, Consolas,  Courier New"/>
+              </a:rPr>
+              <a:t>namespace</a:t>
+            </a:r>
+            <a:r>
+              <a:rPr lang="en-US" altLang="zh-CN" sz="2000" b="0" dirty="0">
+                <a:solidFill>
+                  <a:srgbClr val="ABB2BF"/>
+                </a:solidFill>
+                <a:effectLst/>
+                <a:latin typeface="DejaVu Sans Mono, Consolas,  Courier New"/>
+              </a:rPr>
+              <a:t> std;</a:t>
+            </a:r>
+          </a:p>
+          <a:p>
+            <a:r>
+              <a:rPr lang="en-US" altLang="zh-CN" sz="2000" b="0" dirty="0">
+                <a:solidFill>
+                  <a:srgbClr val="C678DD"/>
+                </a:solidFill>
+                <a:effectLst/>
+                <a:latin typeface="DejaVu Sans Mono, Consolas,  Courier New"/>
+              </a:rPr>
+              <a:t>int</a:t>
+            </a:r>
+            <a:r>
+              <a:rPr lang="en-US" altLang="zh-CN" sz="2000" b="0" dirty="0">
+                <a:solidFill>
+                  <a:srgbClr val="ABB2BF"/>
+                </a:solidFill>
+                <a:effectLst/>
+                <a:latin typeface="DejaVu Sans Mono, Consolas,  Courier New"/>
+              </a:rPr>
+              <a:t> </a:t>
+            </a:r>
+            <a:r>
+              <a:rPr lang="en-US" altLang="zh-CN" sz="2000" b="0" dirty="0">
+                <a:solidFill>
+                  <a:srgbClr val="61AFEF"/>
+                </a:solidFill>
+                <a:effectLst/>
+                <a:latin typeface="DejaVu Sans Mono, Consolas,  Courier New"/>
+              </a:rPr>
+              <a:t>main</a:t>
+            </a:r>
+            <a:r>
+              <a:rPr lang="en-US" altLang="zh-CN" sz="2000" b="0" dirty="0">
+                <a:solidFill>
+                  <a:srgbClr val="ABB2BF"/>
+                </a:solidFill>
+                <a:effectLst/>
+                <a:latin typeface="DejaVu Sans Mono, Consolas,  Courier New"/>
+              </a:rPr>
+              <a:t>() {</a:t>
+            </a:r>
+          </a:p>
+          <a:p>
+            <a:r>
+              <a:rPr lang="en-US" altLang="zh-CN" sz="2000" b="0" dirty="0">
+                <a:solidFill>
+                  <a:srgbClr val="ABB2BF"/>
+                </a:solidFill>
+                <a:effectLst/>
+                <a:latin typeface="DejaVu Sans Mono, Consolas,  Courier New"/>
+              </a:rPr>
+              <a:t>    </a:t>
+            </a:r>
+            <a:r>
+              <a:rPr lang="en-US" altLang="zh-CN" sz="2000" b="0" dirty="0">
+                <a:solidFill>
+                  <a:srgbClr val="C678DD"/>
+                </a:solidFill>
+                <a:effectLst/>
+                <a:latin typeface="DejaVu Sans Mono, Consolas,  Courier New"/>
+              </a:rPr>
+              <a:t>unsigned</a:t>
+            </a:r>
+            <a:r>
+              <a:rPr lang="en-US" altLang="zh-CN" sz="2000" b="0" dirty="0">
+                <a:solidFill>
+                  <a:srgbClr val="ABB2BF"/>
+                </a:solidFill>
+                <a:effectLst/>
+                <a:latin typeface="DejaVu Sans Mono, Consolas,  Courier New"/>
+              </a:rPr>
+              <a:t> seed </a:t>
+            </a:r>
+            <a:r>
+              <a:rPr lang="en-US" altLang="zh-CN" sz="2000" b="0" dirty="0">
+                <a:solidFill>
+                  <a:srgbClr val="C678DD"/>
+                </a:solidFill>
+                <a:effectLst/>
+                <a:latin typeface="DejaVu Sans Mono, Consolas,  Courier New"/>
+              </a:rPr>
+              <a:t>=</a:t>
+            </a:r>
+            <a:r>
+              <a:rPr lang="en-US" altLang="zh-CN" sz="2000" b="0" dirty="0">
+                <a:solidFill>
+                  <a:srgbClr val="ABB2BF"/>
+                </a:solidFill>
+                <a:effectLst/>
+                <a:latin typeface="DejaVu Sans Mono, Consolas,  Courier New"/>
+              </a:rPr>
+              <a:t> std::chrono::</a:t>
+            </a:r>
+            <a:r>
+              <a:rPr lang="en-US" altLang="zh-CN" sz="2000" b="0" dirty="0" err="1">
+                <a:solidFill>
+                  <a:srgbClr val="ABB2BF"/>
+                </a:solidFill>
+                <a:effectLst/>
+                <a:latin typeface="DejaVu Sans Mono, Consolas,  Courier New"/>
+              </a:rPr>
+              <a:t>system_clock</a:t>
+            </a:r>
+            <a:r>
+              <a:rPr lang="en-US" altLang="zh-CN" sz="2000" b="0" dirty="0">
+                <a:solidFill>
+                  <a:srgbClr val="ABB2BF"/>
+                </a:solidFill>
+                <a:effectLst/>
+                <a:latin typeface="DejaVu Sans Mono, Consolas,  Courier New"/>
+              </a:rPr>
+              <a:t>::</a:t>
+            </a:r>
+            <a:r>
+              <a:rPr lang="en-US" altLang="zh-CN" sz="2000" b="0" dirty="0">
+                <a:solidFill>
+                  <a:srgbClr val="61AFEF"/>
+                </a:solidFill>
+                <a:effectLst/>
+                <a:latin typeface="DejaVu Sans Mono, Consolas,  Courier New"/>
+              </a:rPr>
+              <a:t>now</a:t>
+            </a:r>
+            <a:r>
+              <a:rPr lang="en-US" altLang="zh-CN" sz="2000" b="0" dirty="0">
+                <a:solidFill>
+                  <a:srgbClr val="ABB2BF"/>
+                </a:solidFill>
+                <a:effectLst/>
+                <a:latin typeface="DejaVu Sans Mono, Consolas,  Courier New"/>
+              </a:rPr>
+              <a:t>().</a:t>
+            </a:r>
+            <a:r>
+              <a:rPr lang="en-US" altLang="zh-CN" sz="2000" b="0" dirty="0" err="1">
+                <a:solidFill>
+                  <a:srgbClr val="61AFEF"/>
+                </a:solidFill>
+                <a:effectLst/>
+                <a:latin typeface="DejaVu Sans Mono, Consolas,  Courier New"/>
+              </a:rPr>
+              <a:t>time_since_epoch</a:t>
+            </a:r>
+            <a:r>
+              <a:rPr lang="en-US" altLang="zh-CN" sz="2000" b="0" dirty="0">
+                <a:solidFill>
+                  <a:srgbClr val="ABB2BF"/>
+                </a:solidFill>
+                <a:effectLst/>
+                <a:latin typeface="DejaVu Sans Mono, Consolas,  Courier New"/>
+              </a:rPr>
+              <a:t>().</a:t>
+            </a:r>
+            <a:r>
+              <a:rPr lang="en-US" altLang="zh-CN" sz="2000" b="0" dirty="0">
+                <a:solidFill>
+                  <a:srgbClr val="61AFEF"/>
+                </a:solidFill>
+                <a:effectLst/>
+                <a:latin typeface="DejaVu Sans Mono, Consolas,  Courier New"/>
+              </a:rPr>
+              <a:t>count</a:t>
+            </a:r>
+            <a:r>
+              <a:rPr lang="en-US" altLang="zh-CN" sz="2000" b="0" dirty="0">
+                <a:solidFill>
+                  <a:srgbClr val="ABB2BF"/>
+                </a:solidFill>
+                <a:effectLst/>
+                <a:latin typeface="DejaVu Sans Mono, Consolas,  Courier New"/>
+              </a:rPr>
+              <a:t>();</a:t>
+            </a:r>
+          </a:p>
+          <a:p>
+            <a:r>
+              <a:rPr lang="en-US" altLang="zh-CN" sz="2000" b="0" dirty="0">
+                <a:solidFill>
+                  <a:srgbClr val="ABB2BF"/>
+                </a:solidFill>
+                <a:effectLst/>
+                <a:latin typeface="DejaVu Sans Mono, Consolas,  Courier New"/>
+              </a:rPr>
+              <a:t>    mt19937_64 </a:t>
+            </a:r>
+            <a:r>
+              <a:rPr lang="en-US" altLang="zh-CN" sz="2000" b="0" dirty="0">
+                <a:solidFill>
+                  <a:srgbClr val="61AFEF"/>
+                </a:solidFill>
+                <a:effectLst/>
+                <a:latin typeface="DejaVu Sans Mono, Consolas,  Courier New"/>
+              </a:rPr>
+              <a:t>gen</a:t>
+            </a:r>
+            <a:r>
+              <a:rPr lang="en-US" altLang="zh-CN" sz="2000" b="0" dirty="0">
+                <a:solidFill>
+                  <a:srgbClr val="ABB2BF"/>
+                </a:solidFill>
+                <a:effectLst/>
+                <a:latin typeface="DejaVu Sans Mono, Consolas,  Courier New"/>
+              </a:rPr>
+              <a:t>(seed);</a:t>
+            </a:r>
+          </a:p>
+          <a:p>
+            <a:r>
+              <a:rPr lang="en-US" altLang="zh-CN" sz="2000" b="0" dirty="0">
+                <a:solidFill>
+                  <a:srgbClr val="ABB2BF"/>
+                </a:solidFill>
+                <a:effectLst/>
+                <a:latin typeface="DejaVu Sans Mono, Consolas,  Courier New"/>
+              </a:rPr>
+              <a:t>    </a:t>
+            </a:r>
+            <a:r>
+              <a:rPr lang="en-US" altLang="zh-CN" sz="2000" b="0" dirty="0">
+                <a:solidFill>
+                  <a:srgbClr val="C678DD"/>
+                </a:solidFill>
+                <a:effectLst/>
+                <a:latin typeface="DejaVu Sans Mono, Consolas,  Courier New"/>
+              </a:rPr>
+              <a:t>long</a:t>
+            </a:r>
+            <a:r>
+              <a:rPr lang="en-US" altLang="zh-CN" sz="2000" b="0" dirty="0">
+                <a:solidFill>
+                  <a:srgbClr val="ABB2BF"/>
+                </a:solidFill>
+                <a:effectLst/>
+                <a:latin typeface="DejaVu Sans Mono, Consolas,  Courier New"/>
+              </a:rPr>
+              <a:t> </a:t>
+            </a:r>
+            <a:r>
+              <a:rPr lang="en-US" altLang="zh-CN" sz="2000" b="0" dirty="0" err="1">
+                <a:solidFill>
+                  <a:srgbClr val="C678DD"/>
+                </a:solidFill>
+                <a:effectLst/>
+                <a:latin typeface="DejaVu Sans Mono, Consolas,  Courier New"/>
+              </a:rPr>
+              <a:t>long</a:t>
+            </a:r>
+            <a:r>
+              <a:rPr lang="en-US" altLang="zh-CN" sz="2000" b="0" dirty="0">
+                <a:solidFill>
+                  <a:srgbClr val="ABB2BF"/>
+                </a:solidFill>
+                <a:effectLst/>
+                <a:latin typeface="DejaVu Sans Mono, Consolas,  Courier New"/>
+              </a:rPr>
+              <a:t> limit </a:t>
+            </a:r>
+            <a:r>
+              <a:rPr lang="en-US" altLang="zh-CN" sz="2000" b="0" dirty="0">
+                <a:solidFill>
+                  <a:srgbClr val="C678DD"/>
+                </a:solidFill>
+                <a:effectLst/>
+                <a:latin typeface="DejaVu Sans Mono, Consolas,  Courier New"/>
+              </a:rPr>
+              <a:t>=</a:t>
+            </a:r>
+            <a:r>
+              <a:rPr lang="en-US" altLang="zh-CN" sz="2000" b="0" dirty="0">
+                <a:solidFill>
+                  <a:srgbClr val="ABB2BF"/>
+                </a:solidFill>
+                <a:effectLst/>
+                <a:latin typeface="DejaVu Sans Mono, Consolas,  Courier New"/>
+              </a:rPr>
+              <a:t> </a:t>
+            </a:r>
+            <a:r>
+              <a:rPr lang="en-US" altLang="zh-CN" sz="2000" b="0" dirty="0">
+                <a:solidFill>
+                  <a:srgbClr val="D19A66"/>
+                </a:solidFill>
+                <a:effectLst/>
+                <a:latin typeface="DejaVu Sans Mono, Consolas,  Courier New"/>
+              </a:rPr>
+              <a:t>1e9</a:t>
+            </a:r>
+            <a:r>
+              <a:rPr lang="en-US" altLang="zh-CN" sz="2000" b="0" dirty="0">
+                <a:solidFill>
+                  <a:srgbClr val="ABB2BF"/>
+                </a:solidFill>
+                <a:effectLst/>
+                <a:latin typeface="DejaVu Sans Mono, Consolas,  Courier New"/>
+              </a:rPr>
+              <a:t> </a:t>
+            </a:r>
+            <a:r>
+              <a:rPr lang="en-US" altLang="zh-CN" sz="2000" b="0" dirty="0">
+                <a:solidFill>
+                  <a:srgbClr val="C678DD"/>
+                </a:solidFill>
+                <a:effectLst/>
+                <a:latin typeface="DejaVu Sans Mono, Consolas,  Courier New"/>
+              </a:rPr>
+              <a:t>+</a:t>
+            </a:r>
+            <a:r>
+              <a:rPr lang="en-US" altLang="zh-CN" sz="2000" b="0" dirty="0">
+                <a:solidFill>
+                  <a:srgbClr val="ABB2BF"/>
+                </a:solidFill>
+                <a:effectLst/>
+                <a:latin typeface="DejaVu Sans Mono, Consolas,  Courier New"/>
+              </a:rPr>
+              <a:t> </a:t>
+            </a:r>
+            <a:r>
+              <a:rPr lang="en-US" altLang="zh-CN" sz="2000" b="0" dirty="0">
+                <a:solidFill>
+                  <a:srgbClr val="D19A66"/>
+                </a:solidFill>
+                <a:effectLst/>
+                <a:latin typeface="DejaVu Sans Mono, Consolas,  Courier New"/>
+              </a:rPr>
+              <a:t>7</a:t>
+            </a:r>
+            <a:r>
+              <a:rPr lang="en-US" altLang="zh-CN" sz="2000" b="0" dirty="0">
+                <a:solidFill>
+                  <a:srgbClr val="ABB2BF"/>
+                </a:solidFill>
+                <a:effectLst/>
+                <a:latin typeface="DejaVu Sans Mono, Consolas,  Courier New"/>
+              </a:rPr>
+              <a:t>;</a:t>
+            </a:r>
+            <a:r>
+              <a:rPr lang="en-US" altLang="zh-CN" sz="2000" b="0" i="1" dirty="0">
+                <a:solidFill>
+                  <a:srgbClr val="5C6370"/>
+                </a:solidFill>
+                <a:effectLst/>
+                <a:latin typeface="DejaVu Sans Mono, Consolas,  Courier New"/>
+              </a:rPr>
+              <a:t> // </a:t>
+            </a:r>
+            <a:r>
+              <a:rPr lang="zh-CN" altLang="en-US" sz="2000" b="0" i="1" dirty="0">
+                <a:solidFill>
+                  <a:srgbClr val="5C6370"/>
+                </a:solidFill>
+                <a:effectLst/>
+                <a:latin typeface="DejaVu Sans Mono, Consolas,  Courier New"/>
+              </a:rPr>
+              <a:t>上限</a:t>
+            </a:r>
+            <a:endParaRPr lang="zh-CN" altLang="en-US" sz="2000" b="0" dirty="0">
+              <a:solidFill>
+                <a:srgbClr val="ABB2BF"/>
+              </a:solidFill>
+              <a:effectLst/>
+              <a:latin typeface="DejaVu Sans Mono, Consolas,  Courier New"/>
+            </a:endParaRPr>
+          </a:p>
+          <a:p>
+            <a:r>
+              <a:rPr lang="zh-CN" altLang="en-US" sz="2000" b="0" dirty="0">
+                <a:solidFill>
+                  <a:srgbClr val="ABB2BF"/>
+                </a:solidFill>
+                <a:effectLst/>
+                <a:latin typeface="DejaVu Sans Mono, Consolas,  Courier New"/>
+              </a:rPr>
+              <a:t>    </a:t>
+            </a:r>
+            <a:r>
+              <a:rPr lang="en-US" altLang="zh-CN" sz="2000" b="0" dirty="0" err="1">
+                <a:solidFill>
+                  <a:srgbClr val="ABB2BF"/>
+                </a:solidFill>
+                <a:effectLst/>
+                <a:latin typeface="DejaVu Sans Mono, Consolas,  Courier New"/>
+              </a:rPr>
+              <a:t>uniform_int_distribution</a:t>
+            </a:r>
+            <a:r>
+              <a:rPr lang="en-US" altLang="zh-CN" sz="2000" b="0" dirty="0">
+                <a:solidFill>
+                  <a:srgbClr val="C678DD"/>
+                </a:solidFill>
+                <a:effectLst/>
+                <a:latin typeface="DejaVu Sans Mono, Consolas,  Courier New"/>
+              </a:rPr>
+              <a:t>&lt;long</a:t>
+            </a:r>
+            <a:r>
+              <a:rPr lang="en-US" altLang="zh-CN" sz="2000" b="0" dirty="0">
+                <a:solidFill>
+                  <a:srgbClr val="ABB2BF"/>
+                </a:solidFill>
+                <a:effectLst/>
+                <a:latin typeface="DejaVu Sans Mono, Consolas,  Courier New"/>
+              </a:rPr>
+              <a:t> </a:t>
+            </a:r>
+            <a:r>
+              <a:rPr lang="en-US" altLang="zh-CN" sz="2000" b="0" dirty="0" err="1">
+                <a:solidFill>
+                  <a:srgbClr val="C678DD"/>
+                </a:solidFill>
+                <a:effectLst/>
+                <a:latin typeface="DejaVu Sans Mono, Consolas,  Courier New"/>
+              </a:rPr>
+              <a:t>long</a:t>
+            </a:r>
+            <a:r>
+              <a:rPr lang="en-US" altLang="zh-CN" sz="2000" b="0" dirty="0">
+                <a:solidFill>
+                  <a:srgbClr val="ABB2BF"/>
+                </a:solidFill>
+                <a:effectLst/>
+                <a:latin typeface="DejaVu Sans Mono, Consolas,  Courier New"/>
+              </a:rPr>
+              <a:t> </a:t>
+            </a:r>
+            <a:r>
+              <a:rPr lang="en-US" altLang="zh-CN" sz="2000" b="0" dirty="0">
+                <a:solidFill>
+                  <a:srgbClr val="C678DD"/>
+                </a:solidFill>
+                <a:effectLst/>
+                <a:latin typeface="DejaVu Sans Mono, Consolas,  Courier New"/>
+              </a:rPr>
+              <a:t>&gt;</a:t>
+            </a:r>
+            <a:r>
+              <a:rPr lang="en-US" altLang="zh-CN" sz="2000" b="0" dirty="0">
+                <a:solidFill>
+                  <a:srgbClr val="ABB2BF"/>
+                </a:solidFill>
+                <a:effectLst/>
+                <a:latin typeface="DejaVu Sans Mono, Consolas,  Courier New"/>
+              </a:rPr>
+              <a:t> </a:t>
+            </a:r>
+            <a:r>
+              <a:rPr lang="en-US" altLang="zh-CN" sz="2000" b="0" dirty="0">
+                <a:solidFill>
+                  <a:srgbClr val="61AFEF"/>
+                </a:solidFill>
+                <a:effectLst/>
+                <a:latin typeface="DejaVu Sans Mono, Consolas,  Courier New"/>
+              </a:rPr>
+              <a:t>dis</a:t>
+            </a:r>
+            <a:r>
+              <a:rPr lang="en-US" altLang="zh-CN" sz="2000" b="0" dirty="0">
+                <a:solidFill>
+                  <a:srgbClr val="ABB2BF"/>
+                </a:solidFill>
+                <a:effectLst/>
+                <a:latin typeface="DejaVu Sans Mono, Consolas,  Courier New"/>
+              </a:rPr>
+              <a:t>(</a:t>
+            </a:r>
+            <a:r>
+              <a:rPr lang="en-US" altLang="zh-CN" sz="2000" b="0" dirty="0">
+                <a:solidFill>
+                  <a:srgbClr val="D19A66"/>
+                </a:solidFill>
+                <a:effectLst/>
+                <a:latin typeface="DejaVu Sans Mono, Consolas,  Courier New"/>
+              </a:rPr>
+              <a:t>0LL</a:t>
+            </a:r>
+            <a:r>
+              <a:rPr lang="en-US" altLang="zh-CN" sz="2000" b="0" dirty="0">
+                <a:solidFill>
+                  <a:srgbClr val="ABB2BF"/>
+                </a:solidFill>
+                <a:effectLst/>
+                <a:latin typeface="DejaVu Sans Mono, Consolas,  Courier New"/>
+              </a:rPr>
+              <a:t>, limit);</a:t>
+            </a:r>
+            <a:r>
+              <a:rPr lang="en-US" altLang="zh-CN" sz="2000" b="0" i="1" dirty="0">
+                <a:solidFill>
+                  <a:srgbClr val="5C6370"/>
+                </a:solidFill>
+                <a:effectLst/>
+                <a:latin typeface="DejaVu Sans Mono, Consolas,  Courier New"/>
+              </a:rPr>
+              <a:t>   // </a:t>
+            </a:r>
+            <a:r>
+              <a:rPr lang="zh-CN" altLang="en-US" sz="2000" b="0" i="1" dirty="0">
+                <a:solidFill>
+                  <a:srgbClr val="5C6370"/>
+                </a:solidFill>
+                <a:effectLst/>
+                <a:latin typeface="DejaVu Sans Mono, Consolas,  Courier New"/>
+              </a:rPr>
+              <a:t>给定范围</a:t>
+            </a:r>
+            <a:endParaRPr lang="zh-CN" altLang="en-US" sz="2000" b="0" dirty="0">
+              <a:solidFill>
+                <a:srgbClr val="ABB2BF"/>
+              </a:solidFill>
+              <a:effectLst/>
+              <a:latin typeface="DejaVu Sans Mono, Consolas,  Courier New"/>
+            </a:endParaRPr>
+          </a:p>
+          <a:p>
+            <a:r>
+              <a:rPr lang="zh-CN" altLang="en-US" sz="2000" b="0" dirty="0">
+                <a:solidFill>
+                  <a:srgbClr val="ABB2BF"/>
+                </a:solidFill>
+                <a:effectLst/>
+                <a:latin typeface="DejaVu Sans Mono, Consolas,  Courier New"/>
+              </a:rPr>
+              <a:t>    </a:t>
+            </a:r>
+            <a:r>
+              <a:rPr lang="en-US" altLang="zh-CN" sz="2000" b="0" dirty="0">
+                <a:solidFill>
+                  <a:srgbClr val="C678DD"/>
+                </a:solidFill>
+                <a:effectLst/>
+                <a:latin typeface="DejaVu Sans Mono, Consolas,  Courier New"/>
+              </a:rPr>
+              <a:t>for</a:t>
+            </a:r>
+            <a:r>
+              <a:rPr lang="en-US" altLang="zh-CN" sz="2000" b="0" dirty="0">
+                <a:solidFill>
+                  <a:srgbClr val="ABB2BF"/>
+                </a:solidFill>
+                <a:effectLst/>
+                <a:latin typeface="DejaVu Sans Mono, Consolas,  Courier New"/>
+              </a:rPr>
+              <a:t> (</a:t>
+            </a:r>
+            <a:r>
+              <a:rPr lang="en-US" altLang="zh-CN" sz="2000" b="0" dirty="0">
+                <a:solidFill>
+                  <a:srgbClr val="C678DD"/>
+                </a:solidFill>
+                <a:effectLst/>
+                <a:latin typeface="DejaVu Sans Mono, Consolas,  Courier New"/>
+              </a:rPr>
+              <a:t>int</a:t>
+            </a:r>
+            <a:r>
+              <a:rPr lang="en-US" altLang="zh-CN" sz="2000" b="0" dirty="0">
+                <a:solidFill>
+                  <a:srgbClr val="ABB2BF"/>
+                </a:solidFill>
+                <a:effectLst/>
+                <a:latin typeface="DejaVu Sans Mono, Consolas,  Courier New"/>
+              </a:rPr>
+              <a:t> n </a:t>
+            </a:r>
+            <a:r>
+              <a:rPr lang="en-US" altLang="zh-CN" sz="2000" b="0" dirty="0">
+                <a:solidFill>
+                  <a:srgbClr val="C678DD"/>
+                </a:solidFill>
+                <a:effectLst/>
+                <a:latin typeface="DejaVu Sans Mono, Consolas,  Courier New"/>
+              </a:rPr>
+              <a:t>=</a:t>
+            </a:r>
+            <a:r>
+              <a:rPr lang="en-US" altLang="zh-CN" sz="2000" b="0" dirty="0">
+                <a:solidFill>
+                  <a:srgbClr val="ABB2BF"/>
+                </a:solidFill>
+                <a:effectLst/>
+                <a:latin typeface="DejaVu Sans Mono, Consolas,  Courier New"/>
+              </a:rPr>
+              <a:t> </a:t>
+            </a:r>
+            <a:r>
+              <a:rPr lang="en-US" altLang="zh-CN" sz="2000" b="0" dirty="0">
+                <a:solidFill>
+                  <a:srgbClr val="D19A66"/>
+                </a:solidFill>
+                <a:effectLst/>
+                <a:latin typeface="DejaVu Sans Mono, Consolas,  Courier New"/>
+              </a:rPr>
+              <a:t>0</a:t>
+            </a:r>
+            <a:r>
+              <a:rPr lang="en-US" altLang="zh-CN" sz="2000" b="0" dirty="0">
+                <a:solidFill>
+                  <a:srgbClr val="ABB2BF"/>
+                </a:solidFill>
+                <a:effectLst/>
+                <a:latin typeface="DejaVu Sans Mono, Consolas,  Courier New"/>
+              </a:rPr>
+              <a:t>; n</a:t>
+            </a:r>
+            <a:r>
+              <a:rPr lang="en-US" altLang="zh-CN" sz="2000" b="0" dirty="0">
+                <a:solidFill>
+                  <a:srgbClr val="C678DD"/>
+                </a:solidFill>
+                <a:effectLst/>
+                <a:latin typeface="DejaVu Sans Mono, Consolas,  Courier New"/>
+              </a:rPr>
+              <a:t>&lt;</a:t>
+            </a:r>
+            <a:r>
+              <a:rPr lang="en-US" altLang="zh-CN" sz="2000" b="0" dirty="0">
+                <a:solidFill>
+                  <a:srgbClr val="ABB2BF"/>
+                </a:solidFill>
+                <a:effectLst/>
+                <a:latin typeface="DejaVu Sans Mono, Consolas,  Courier New"/>
+              </a:rPr>
+              <a:t> </a:t>
+            </a:r>
+            <a:r>
+              <a:rPr lang="en-US" altLang="zh-CN" sz="2000" b="0" dirty="0">
+                <a:solidFill>
+                  <a:srgbClr val="D19A66"/>
+                </a:solidFill>
+                <a:effectLst/>
+                <a:latin typeface="DejaVu Sans Mono, Consolas,  Courier New"/>
+              </a:rPr>
+              <a:t>20</a:t>
+            </a:r>
+            <a:r>
+              <a:rPr lang="en-US" altLang="zh-CN" sz="2000" b="0" dirty="0">
+                <a:solidFill>
+                  <a:srgbClr val="ABB2BF"/>
+                </a:solidFill>
+                <a:effectLst/>
+                <a:latin typeface="DejaVu Sans Mono, Consolas,  Courier New"/>
+              </a:rPr>
+              <a:t>; </a:t>
+            </a:r>
+            <a:r>
+              <a:rPr lang="en-US" altLang="zh-CN" sz="2000" b="0" dirty="0">
+                <a:solidFill>
+                  <a:srgbClr val="C678DD"/>
+                </a:solidFill>
+                <a:effectLst/>
+                <a:latin typeface="DejaVu Sans Mono, Consolas,  Courier New"/>
+              </a:rPr>
+              <a:t>++</a:t>
+            </a:r>
+            <a:r>
+              <a:rPr lang="en-US" altLang="zh-CN" sz="2000" b="0" dirty="0">
+                <a:solidFill>
+                  <a:srgbClr val="ABB2BF"/>
+                </a:solidFill>
+                <a:effectLst/>
+                <a:latin typeface="DejaVu Sans Mono, Consolas,  Courier New"/>
+              </a:rPr>
+              <a:t>n)</a:t>
+            </a:r>
+          </a:p>
+          <a:p>
+            <a:r>
+              <a:rPr lang="en-US" altLang="zh-CN" sz="2000" b="0" dirty="0">
+                <a:solidFill>
+                  <a:srgbClr val="ABB2BF"/>
+                </a:solidFill>
+                <a:effectLst/>
+                <a:latin typeface="DejaVu Sans Mono, Consolas,  Courier New"/>
+              </a:rPr>
+              <a:t>        </a:t>
+            </a:r>
+            <a:r>
+              <a:rPr lang="en-US" altLang="zh-CN" sz="2000" b="0" dirty="0" err="1">
+                <a:solidFill>
+                  <a:srgbClr val="ABB2BF"/>
+                </a:solidFill>
+                <a:effectLst/>
+                <a:latin typeface="DejaVu Sans Mono, Consolas,  Courier New"/>
+              </a:rPr>
+              <a:t>cout</a:t>
+            </a:r>
+            <a:r>
+              <a:rPr lang="en-US" altLang="zh-CN" sz="2000" b="0" dirty="0">
+                <a:solidFill>
+                  <a:srgbClr val="ABB2BF"/>
+                </a:solidFill>
+                <a:effectLst/>
+                <a:latin typeface="DejaVu Sans Mono, Consolas,  Courier New"/>
+              </a:rPr>
+              <a:t> </a:t>
+            </a:r>
+            <a:r>
+              <a:rPr lang="en-US" altLang="zh-CN" sz="2000" b="0" dirty="0">
+                <a:solidFill>
+                  <a:srgbClr val="C678DD"/>
+                </a:solidFill>
+                <a:effectLst/>
+                <a:latin typeface="DejaVu Sans Mono, Consolas,  Courier New"/>
+              </a:rPr>
+              <a:t>&lt;&lt;</a:t>
+            </a:r>
+            <a:r>
+              <a:rPr lang="en-US" altLang="zh-CN" sz="2000" b="0" dirty="0">
+                <a:solidFill>
+                  <a:srgbClr val="ABB2BF"/>
+                </a:solidFill>
+                <a:effectLst/>
+                <a:latin typeface="DejaVu Sans Mono, Consolas,  Courier New"/>
+              </a:rPr>
+              <a:t> </a:t>
+            </a:r>
+            <a:r>
+              <a:rPr lang="en-US" altLang="zh-CN" sz="2000" b="0" dirty="0">
+                <a:solidFill>
+                  <a:srgbClr val="61AFEF"/>
+                </a:solidFill>
+                <a:effectLst/>
+                <a:latin typeface="DejaVu Sans Mono, Consolas,  Courier New"/>
+              </a:rPr>
+              <a:t>dis</a:t>
+            </a:r>
+            <a:r>
+              <a:rPr lang="en-US" altLang="zh-CN" sz="2000" b="0" dirty="0">
+                <a:solidFill>
+                  <a:srgbClr val="ABB2BF"/>
+                </a:solidFill>
+                <a:effectLst/>
+                <a:latin typeface="DejaVu Sans Mono, Consolas,  Courier New"/>
+              </a:rPr>
+              <a:t>(gen) </a:t>
+            </a:r>
+            <a:r>
+              <a:rPr lang="en-US" altLang="zh-CN" sz="2000" b="0" dirty="0">
+                <a:solidFill>
+                  <a:srgbClr val="C678DD"/>
+                </a:solidFill>
+                <a:effectLst/>
+                <a:latin typeface="DejaVu Sans Mono, Consolas,  Courier New"/>
+              </a:rPr>
+              <a:t>&lt;&lt;</a:t>
+            </a:r>
+            <a:r>
+              <a:rPr lang="en-US" altLang="zh-CN" sz="2000" b="0" dirty="0">
+                <a:solidFill>
+                  <a:srgbClr val="ABB2BF"/>
+                </a:solidFill>
+                <a:effectLst/>
+                <a:latin typeface="DejaVu Sans Mono, Consolas,  Courier New"/>
+              </a:rPr>
+              <a:t> </a:t>
+            </a:r>
+            <a:r>
+              <a:rPr lang="en-US" altLang="zh-CN" sz="2000" b="0" dirty="0">
+                <a:solidFill>
+                  <a:srgbClr val="98C379"/>
+                </a:solidFill>
+                <a:effectLst/>
+                <a:latin typeface="DejaVu Sans Mono, Consolas,  Courier New"/>
+              </a:rPr>
+              <a:t>' '</a:t>
+            </a:r>
+            <a:r>
+              <a:rPr lang="en-US" altLang="zh-CN" sz="2000" b="0" dirty="0">
+                <a:solidFill>
+                  <a:srgbClr val="ABB2BF"/>
+                </a:solidFill>
+                <a:effectLst/>
+                <a:latin typeface="DejaVu Sans Mono, Consolas,  Courier New"/>
+              </a:rPr>
+              <a:t>;</a:t>
+            </a:r>
+          </a:p>
+          <a:p>
+            <a:r>
+              <a:rPr lang="en-US" altLang="zh-CN" sz="2000" b="0" dirty="0">
+                <a:solidFill>
+                  <a:srgbClr val="ABB2BF"/>
+                </a:solidFill>
+                <a:effectLst/>
+                <a:latin typeface="DejaVu Sans Mono, Consolas,  Courier New"/>
+              </a:rPr>
+              <a:t>    </a:t>
+            </a:r>
+            <a:r>
+              <a:rPr lang="en-US" altLang="zh-CN" sz="2000" b="0" dirty="0" err="1">
+                <a:solidFill>
+                  <a:srgbClr val="ABB2BF"/>
+                </a:solidFill>
+                <a:effectLst/>
+                <a:latin typeface="DejaVu Sans Mono, Consolas,  Courier New"/>
+              </a:rPr>
+              <a:t>cout</a:t>
+            </a:r>
+            <a:r>
+              <a:rPr lang="en-US" altLang="zh-CN" sz="2000" b="0" dirty="0">
+                <a:solidFill>
+                  <a:srgbClr val="ABB2BF"/>
+                </a:solidFill>
+                <a:effectLst/>
+                <a:latin typeface="DejaVu Sans Mono, Consolas,  Courier New"/>
+              </a:rPr>
+              <a:t> </a:t>
+            </a:r>
+            <a:r>
+              <a:rPr lang="en-US" altLang="zh-CN" sz="2000" b="0" dirty="0">
+                <a:solidFill>
+                  <a:srgbClr val="C678DD"/>
+                </a:solidFill>
+                <a:effectLst/>
+                <a:latin typeface="DejaVu Sans Mono, Consolas,  Courier New"/>
+              </a:rPr>
+              <a:t>&lt;&lt;</a:t>
+            </a:r>
+            <a:r>
+              <a:rPr lang="en-US" altLang="zh-CN" sz="2000" b="0" dirty="0">
+                <a:solidFill>
+                  <a:srgbClr val="ABB2BF"/>
+                </a:solidFill>
+                <a:effectLst/>
+                <a:latin typeface="DejaVu Sans Mono, Consolas,  Courier New"/>
+              </a:rPr>
+              <a:t> </a:t>
+            </a:r>
+            <a:r>
+              <a:rPr lang="en-US" altLang="zh-CN" sz="2000" b="0" dirty="0" err="1">
+                <a:solidFill>
+                  <a:srgbClr val="ABB2BF"/>
+                </a:solidFill>
+                <a:effectLst/>
+                <a:latin typeface="DejaVu Sans Mono, Consolas,  Courier New"/>
+              </a:rPr>
+              <a:t>endl</a:t>
+            </a:r>
+            <a:r>
+              <a:rPr lang="en-US" altLang="zh-CN" sz="2000" b="0" dirty="0">
+                <a:solidFill>
+                  <a:srgbClr val="ABB2BF"/>
+                </a:solidFill>
+                <a:effectLst/>
+                <a:latin typeface="DejaVu Sans Mono, Consolas,  Courier New"/>
+              </a:rPr>
+              <a:t>;</a:t>
+            </a:r>
+          </a:p>
+          <a:p>
+            <a:r>
+              <a:rPr lang="en-US" altLang="zh-CN" sz="2000" b="0" dirty="0">
+                <a:solidFill>
+                  <a:srgbClr val="ABB2BF"/>
+                </a:solidFill>
+                <a:effectLst/>
+                <a:latin typeface="DejaVu Sans Mono, Consolas,  Courier New"/>
+              </a:rPr>
+              <a:t>    </a:t>
+            </a:r>
+            <a:r>
+              <a:rPr lang="en-US" altLang="zh-CN" sz="2000" b="0" dirty="0">
+                <a:solidFill>
+                  <a:srgbClr val="C678DD"/>
+                </a:solidFill>
+                <a:effectLst/>
+                <a:latin typeface="DejaVu Sans Mono, Consolas,  Courier New"/>
+              </a:rPr>
+              <a:t>return</a:t>
+            </a:r>
+            <a:r>
+              <a:rPr lang="en-US" altLang="zh-CN" sz="2000" b="0" dirty="0">
+                <a:solidFill>
+                  <a:srgbClr val="ABB2BF"/>
+                </a:solidFill>
+                <a:effectLst/>
+                <a:latin typeface="DejaVu Sans Mono, Consolas,  Courier New"/>
+              </a:rPr>
+              <a:t> </a:t>
+            </a:r>
+            <a:r>
+              <a:rPr lang="en-US" altLang="zh-CN" sz="2000" b="0" dirty="0">
+                <a:solidFill>
+                  <a:srgbClr val="D19A66"/>
+                </a:solidFill>
+                <a:effectLst/>
+                <a:latin typeface="DejaVu Sans Mono, Consolas,  Courier New"/>
+              </a:rPr>
+              <a:t>0</a:t>
+            </a:r>
+            <a:r>
+              <a:rPr lang="en-US" altLang="zh-CN" sz="2000" b="0" dirty="0">
+                <a:solidFill>
+                  <a:srgbClr val="ABB2BF"/>
+                </a:solidFill>
+                <a:effectLst/>
+                <a:latin typeface="DejaVu Sans Mono, Consolas,  Courier New"/>
+              </a:rPr>
+              <a:t>;</a:t>
+            </a:r>
+          </a:p>
+          <a:p>
+            <a:r>
+              <a:rPr lang="en-US" altLang="zh-CN" sz="2000" b="0" dirty="0">
+                <a:solidFill>
+                  <a:srgbClr val="ABB2BF"/>
+                </a:solidFill>
+                <a:effectLst/>
+                <a:latin typeface="DejaVu Sans Mono, Consolas,  Courier New"/>
+              </a:rPr>
+              <a:t>}</a:t>
+            </a:r>
+          </a:p>
+        </p:txBody>
+      </p:sp>
     </p:spTree>
     <p:extLst>
       <p:ext uri="{BB962C8B-B14F-4D97-AF65-F5344CB8AC3E}">
-        <p14:creationId xmlns:p14="http://schemas.microsoft.com/office/powerpoint/2010/main" val="354233977"/>
+        <p14:creationId xmlns:p14="http://schemas.microsoft.com/office/powerpoint/2010/main" val="550873132"/>
       </p:ext>
     </p:extLst>
   </p:cSld>
